--- a/docs/nowyouseeme.pptx
+++ b/docs/nowyouseeme.pptx
@@ -5,14 +5,17 @@
     <p:sldMasterId id="2147483648" r:id="rId1"/>
   </p:sldMasterIdLst>
   <p:notesMasterIdLst>
-    <p:notesMasterId r:id="rId7"/>
+    <p:notesMasterId r:id="rId10"/>
   </p:notesMasterIdLst>
   <p:sldIdLst>
     <p:sldId id="266" r:id="rId2"/>
-    <p:sldId id="267" r:id="rId3"/>
+    <p:sldId id="269" r:id="rId3"/>
     <p:sldId id="270" r:id="rId4"/>
-    <p:sldId id="269" r:id="rId5"/>
-    <p:sldId id="268" r:id="rId6"/>
+    <p:sldId id="273" r:id="rId5"/>
+    <p:sldId id="274" r:id="rId6"/>
+    <p:sldId id="277" r:id="rId7"/>
+    <p:sldId id="278" r:id="rId8"/>
+    <p:sldId id="275" r:id="rId9"/>
   </p:sldIdLst>
   <p:sldSz cx="12192000" cy="6858000"/>
   <p:notesSz cx="6858000" cy="9144000"/>
@@ -212,7 +215,7 @@
           <a:p>
             <a:fld id="{924651D9-9B70-4630-9D04-3B537DC727B1}" type="datetimeFigureOut">
               <a:rPr lang="ko-KR" altLang="en-US" smtClean="0"/>
-              <a:t>2022. 8. 24.</a:t>
+              <a:t>2022. 8. 25.</a:t>
             </a:fld>
             <a:endParaRPr lang="ko-KR" altLang="en-US"/>
           </a:p>
@@ -626,7 +629,7 @@
           <a:p>
             <a:fld id="{B4B31A5C-28E2-4BF8-B7D5-2C3219CCB6E7}" type="datetimeFigureOut">
               <a:rPr lang="ko-KR" altLang="en-US" smtClean="0"/>
-              <a:t>2022. 8. 24.</a:t>
+              <a:t>2022. 8. 25.</a:t>
             </a:fld>
             <a:endParaRPr lang="ko-KR" altLang="en-US"/>
           </a:p>
@@ -914,7 +917,7 @@
           <a:p>
             <a:fld id="{B4B31A5C-28E2-4BF8-B7D5-2C3219CCB6E7}" type="datetimeFigureOut">
               <a:rPr lang="ko-KR" altLang="en-US" smtClean="0"/>
-              <a:t>2022. 8. 24.</a:t>
+              <a:t>2022. 8. 25.</a:t>
             </a:fld>
             <a:endParaRPr lang="ko-KR" altLang="en-US"/>
           </a:p>
@@ -1112,7 +1115,7 @@
           <a:p>
             <a:fld id="{B4B31A5C-28E2-4BF8-B7D5-2C3219CCB6E7}" type="datetimeFigureOut">
               <a:rPr lang="ko-KR" altLang="en-US" smtClean="0"/>
-              <a:t>2022. 8. 24.</a:t>
+              <a:t>2022. 8. 25.</a:t>
             </a:fld>
             <a:endParaRPr lang="ko-KR" altLang="en-US"/>
           </a:p>
@@ -1320,7 +1323,7 @@
           <a:p>
             <a:fld id="{B4B31A5C-28E2-4BF8-B7D5-2C3219CCB6E7}" type="datetimeFigureOut">
               <a:rPr lang="ko-KR" altLang="en-US" smtClean="0"/>
-              <a:t>2022. 8. 24.</a:t>
+              <a:t>2022. 8. 25.</a:t>
             </a:fld>
             <a:endParaRPr lang="ko-KR" altLang="en-US"/>
           </a:p>
@@ -1518,7 +1521,7 @@
           <a:p>
             <a:fld id="{B4B31A5C-28E2-4BF8-B7D5-2C3219CCB6E7}" type="datetimeFigureOut">
               <a:rPr lang="ko-KR" altLang="en-US" smtClean="0"/>
-              <a:t>2022. 8. 24.</a:t>
+              <a:t>2022. 8. 25.</a:t>
             </a:fld>
             <a:endParaRPr lang="ko-KR" altLang="en-US"/>
           </a:p>
@@ -1793,7 +1796,7 @@
           <a:p>
             <a:fld id="{B4B31A5C-28E2-4BF8-B7D5-2C3219CCB6E7}" type="datetimeFigureOut">
               <a:rPr lang="ko-KR" altLang="en-US" smtClean="0"/>
-              <a:t>2022. 8. 24.</a:t>
+              <a:t>2022. 8. 25.</a:t>
             </a:fld>
             <a:endParaRPr lang="ko-KR" altLang="en-US"/>
           </a:p>
@@ -2058,7 +2061,7 @@
           <a:p>
             <a:fld id="{B4B31A5C-28E2-4BF8-B7D5-2C3219CCB6E7}" type="datetimeFigureOut">
               <a:rPr lang="ko-KR" altLang="en-US" smtClean="0"/>
-              <a:t>2022. 8. 24.</a:t>
+              <a:t>2022. 8. 25.</a:t>
             </a:fld>
             <a:endParaRPr lang="ko-KR" altLang="en-US"/>
           </a:p>
@@ -2470,7 +2473,7 @@
           <a:p>
             <a:fld id="{B4B31A5C-28E2-4BF8-B7D5-2C3219CCB6E7}" type="datetimeFigureOut">
               <a:rPr lang="ko-KR" altLang="en-US" smtClean="0"/>
-              <a:t>2022. 8. 24.</a:t>
+              <a:t>2022. 8. 25.</a:t>
             </a:fld>
             <a:endParaRPr lang="ko-KR" altLang="en-US"/>
           </a:p>
@@ -2611,7 +2614,7 @@
           <a:p>
             <a:fld id="{B4B31A5C-28E2-4BF8-B7D5-2C3219CCB6E7}" type="datetimeFigureOut">
               <a:rPr lang="ko-KR" altLang="en-US" smtClean="0"/>
-              <a:t>2022. 8. 24.</a:t>
+              <a:t>2022. 8. 25.</a:t>
             </a:fld>
             <a:endParaRPr lang="ko-KR" altLang="en-US"/>
           </a:p>
@@ -2724,7 +2727,7 @@
           <a:p>
             <a:fld id="{B4B31A5C-28E2-4BF8-B7D5-2C3219CCB6E7}" type="datetimeFigureOut">
               <a:rPr lang="ko-KR" altLang="en-US" smtClean="0"/>
-              <a:t>2022. 8. 24.</a:t>
+              <a:t>2022. 8. 25.</a:t>
             </a:fld>
             <a:endParaRPr lang="ko-KR" altLang="en-US"/>
           </a:p>
@@ -2781,113 +2784,6 @@
               <a:t>‹#›</a:t>
             </a:fld>
             <a:endParaRPr lang="ko-KR" altLang="en-US"/>
-          </a:p>
-        </p:txBody>
-      </p:sp>
-      <p:sp>
-        <p:nvSpPr>
-          <p:cNvPr id="5" name="TextBox 4">
-            <a:extLst>
-              <a:ext uri="{FF2B5EF4-FFF2-40B4-BE49-F238E27FC236}">
-                <a16:creationId xmlns:a16="http://schemas.microsoft.com/office/drawing/2014/main" id="{5954F577-EB67-433C-BE14-B0C6DFA32EDB}"/>
-              </a:ext>
-            </a:extLst>
-          </p:cNvPr>
-          <p:cNvSpPr txBox="1"/>
-          <p:nvPr userDrawn="1"/>
-        </p:nvSpPr>
-        <p:spPr>
-          <a:xfrm>
-            <a:off x="9987228" y="6586181"/>
-            <a:ext cx="2194833" cy="230832"/>
-          </a:xfrm>
-          <a:prstGeom prst="rect">
-            <a:avLst/>
-          </a:prstGeom>
-          <a:noFill/>
-        </p:spPr>
-        <p:txBody>
-          <a:bodyPr wrap="none" rtlCol="0">
-            <a:spAutoFit/>
-          </a:bodyPr>
-          <a:lstStyle/>
-          <a:p>
-            <a:pPr algn="r"/>
-            <a:r>
-              <a:rPr lang="en-US" altLang="ko-KR" sz="900" dirty="0">
-                <a:solidFill>
-                  <a:schemeClr val="tx1">
-                    <a:lumMod val="85000"/>
-                    <a:lumOff val="15000"/>
-                  </a:schemeClr>
-                </a:solidFill>
-                <a:latin typeface="Arial" panose="020B0604020202020204" pitchFamily="34" charset="0"/>
-                <a:cs typeface="Arial" panose="020B0604020202020204" pitchFamily="34" charset="0"/>
-              </a:rPr>
-              <a:t>ⓒSaebyeol Yu.</a:t>
-            </a:r>
-            <a:r>
-              <a:rPr lang="ko-KR" altLang="en-US" sz="900" dirty="0">
-                <a:solidFill>
-                  <a:schemeClr val="tx1">
-                    <a:lumMod val="85000"/>
-                    <a:lumOff val="15000"/>
-                  </a:schemeClr>
-                </a:solidFill>
-                <a:latin typeface="Arial" panose="020B0604020202020204" pitchFamily="34" charset="0"/>
-                <a:cs typeface="Arial" panose="020B0604020202020204" pitchFamily="34" charset="0"/>
-              </a:rPr>
-              <a:t> </a:t>
-            </a:r>
-            <a:r>
-              <a:rPr lang="en-US" altLang="ko-KR" sz="900" dirty="0" err="1">
-                <a:solidFill>
-                  <a:schemeClr val="tx1">
-                    <a:lumMod val="85000"/>
-                    <a:lumOff val="15000"/>
-                  </a:schemeClr>
-                </a:solidFill>
-                <a:latin typeface="Arial" panose="020B0604020202020204" pitchFamily="34" charset="0"/>
-                <a:cs typeface="Arial" panose="020B0604020202020204" pitchFamily="34" charset="0"/>
-              </a:rPr>
-              <a:t>Saebyeol’s</a:t>
-            </a:r>
-            <a:r>
-              <a:rPr lang="ko-KR" altLang="en-US" sz="900" dirty="0">
-                <a:solidFill>
-                  <a:schemeClr val="tx1">
-                    <a:lumMod val="85000"/>
-                    <a:lumOff val="15000"/>
-                  </a:schemeClr>
-                </a:solidFill>
-                <a:latin typeface="Arial" panose="020B0604020202020204" pitchFamily="34" charset="0"/>
-                <a:cs typeface="Arial" panose="020B0604020202020204" pitchFamily="34" charset="0"/>
-              </a:rPr>
-              <a:t> </a:t>
-            </a:r>
-            <a:r>
-              <a:rPr lang="en-US" altLang="ko-KR" sz="900" dirty="0">
-                <a:solidFill>
-                  <a:schemeClr val="tx1">
-                    <a:lumMod val="85000"/>
-                    <a:lumOff val="15000"/>
-                  </a:schemeClr>
-                </a:solidFill>
-                <a:latin typeface="Arial" panose="020B0604020202020204" pitchFamily="34" charset="0"/>
-                <a:cs typeface="Arial" panose="020B0604020202020204" pitchFamily="34" charset="0"/>
-              </a:rPr>
-              <a:t>PowerPoint</a:t>
-            </a:r>
-            <a:endParaRPr lang="ko-KR" altLang="en-US" sz="900" dirty="0">
-              <a:solidFill>
-                <a:schemeClr val="tx1">
-                  <a:lumMod val="85000"/>
-                  <a:lumOff val="15000"/>
-                </a:schemeClr>
-              </a:solidFill>
-              <a:latin typeface="Arial" panose="020B0604020202020204" pitchFamily="34" charset="0"/>
-              <a:cs typeface="Arial" panose="020B0604020202020204" pitchFamily="34" charset="0"/>
-            </a:endParaRPr>
           </a:p>
         </p:txBody>
       </p:sp>
@@ -2979,7 +2875,7 @@
           <a:p>
             <a:fld id="{B4B31A5C-28E2-4BF8-B7D5-2C3219CCB6E7}" type="datetimeFigureOut">
               <a:rPr lang="ko-KR" altLang="en-US" smtClean="0"/>
-              <a:t>2022. 8. 24.</a:t>
+              <a:t>2022. 8. 25.</a:t>
             </a:fld>
             <a:endParaRPr lang="ko-KR" altLang="en-US"/>
           </a:p>
@@ -3036,113 +2932,6 @@
               <a:t>‹#›</a:t>
             </a:fld>
             <a:endParaRPr lang="ko-KR" altLang="en-US"/>
-          </a:p>
-        </p:txBody>
-      </p:sp>
-      <p:sp>
-        <p:nvSpPr>
-          <p:cNvPr id="5" name="TextBox 4">
-            <a:extLst>
-              <a:ext uri="{FF2B5EF4-FFF2-40B4-BE49-F238E27FC236}">
-                <a16:creationId xmlns:a16="http://schemas.microsoft.com/office/drawing/2014/main" id="{466CD8FA-22D6-496F-B5B5-D4B00BA5F665}"/>
-              </a:ext>
-            </a:extLst>
-          </p:cNvPr>
-          <p:cNvSpPr txBox="1"/>
-          <p:nvPr userDrawn="1"/>
-        </p:nvSpPr>
-        <p:spPr>
-          <a:xfrm>
-            <a:off x="9987228" y="6586181"/>
-            <a:ext cx="2194833" cy="230832"/>
-          </a:xfrm>
-          <a:prstGeom prst="rect">
-            <a:avLst/>
-          </a:prstGeom>
-          <a:noFill/>
-        </p:spPr>
-        <p:txBody>
-          <a:bodyPr wrap="none" rtlCol="0">
-            <a:spAutoFit/>
-          </a:bodyPr>
-          <a:lstStyle/>
-          <a:p>
-            <a:pPr algn="r"/>
-            <a:r>
-              <a:rPr lang="en-US" altLang="ko-KR" sz="900" dirty="0">
-                <a:solidFill>
-                  <a:schemeClr val="tx1">
-                    <a:lumMod val="75000"/>
-                    <a:lumOff val="25000"/>
-                  </a:schemeClr>
-                </a:solidFill>
-                <a:latin typeface="Arial" panose="020B0604020202020204" pitchFamily="34" charset="0"/>
-                <a:cs typeface="Arial" panose="020B0604020202020204" pitchFamily="34" charset="0"/>
-              </a:rPr>
-              <a:t>ⓒSaebyeol Yu.</a:t>
-            </a:r>
-            <a:r>
-              <a:rPr lang="ko-KR" altLang="en-US" sz="900" dirty="0">
-                <a:solidFill>
-                  <a:schemeClr val="tx1">
-                    <a:lumMod val="75000"/>
-                    <a:lumOff val="25000"/>
-                  </a:schemeClr>
-                </a:solidFill>
-                <a:latin typeface="Arial" panose="020B0604020202020204" pitchFamily="34" charset="0"/>
-                <a:cs typeface="Arial" panose="020B0604020202020204" pitchFamily="34" charset="0"/>
-              </a:rPr>
-              <a:t> </a:t>
-            </a:r>
-            <a:r>
-              <a:rPr lang="en-US" altLang="ko-KR" sz="900" dirty="0" err="1">
-                <a:solidFill>
-                  <a:schemeClr val="tx1">
-                    <a:lumMod val="75000"/>
-                    <a:lumOff val="25000"/>
-                  </a:schemeClr>
-                </a:solidFill>
-                <a:latin typeface="Arial" panose="020B0604020202020204" pitchFamily="34" charset="0"/>
-                <a:cs typeface="Arial" panose="020B0604020202020204" pitchFamily="34" charset="0"/>
-              </a:rPr>
-              <a:t>Saebyeol’s</a:t>
-            </a:r>
-            <a:r>
-              <a:rPr lang="ko-KR" altLang="en-US" sz="900" dirty="0">
-                <a:solidFill>
-                  <a:schemeClr val="tx1">
-                    <a:lumMod val="75000"/>
-                    <a:lumOff val="25000"/>
-                  </a:schemeClr>
-                </a:solidFill>
-                <a:latin typeface="Arial" panose="020B0604020202020204" pitchFamily="34" charset="0"/>
-                <a:cs typeface="Arial" panose="020B0604020202020204" pitchFamily="34" charset="0"/>
-              </a:rPr>
-              <a:t> </a:t>
-            </a:r>
-            <a:r>
-              <a:rPr lang="en-US" altLang="ko-KR" sz="900" dirty="0">
-                <a:solidFill>
-                  <a:schemeClr val="tx1">
-                    <a:lumMod val="75000"/>
-                    <a:lumOff val="25000"/>
-                  </a:schemeClr>
-                </a:solidFill>
-                <a:latin typeface="Arial" panose="020B0604020202020204" pitchFamily="34" charset="0"/>
-                <a:cs typeface="Arial" panose="020B0604020202020204" pitchFamily="34" charset="0"/>
-              </a:rPr>
-              <a:t>PowerPoint</a:t>
-            </a:r>
-            <a:endParaRPr lang="ko-KR" altLang="en-US" sz="900" dirty="0">
-              <a:solidFill>
-                <a:schemeClr val="tx1">
-                  <a:lumMod val="75000"/>
-                  <a:lumOff val="25000"/>
-                </a:schemeClr>
-              </a:solidFill>
-              <a:latin typeface="Arial" panose="020B0604020202020204" pitchFamily="34" charset="0"/>
-              <a:cs typeface="Arial" panose="020B0604020202020204" pitchFamily="34" charset="0"/>
-            </a:endParaRPr>
           </a:p>
         </p:txBody>
       </p:sp>
@@ -3495,7 +3284,7 @@
           <a:p>
             <a:fld id="{B4B31A5C-28E2-4BF8-B7D5-2C3219CCB6E7}" type="datetimeFigureOut">
               <a:rPr lang="ko-KR" altLang="en-US" smtClean="0"/>
-              <a:t>2022. 8. 24.</a:t>
+              <a:t>2022. 8. 25.</a:t>
             </a:fld>
             <a:endParaRPr lang="ko-KR" altLang="en-US"/>
           </a:p>
@@ -3736,7 +3525,7 @@
           <a:p>
             <a:fld id="{B4B31A5C-28E2-4BF8-B7D5-2C3219CCB6E7}" type="datetimeFigureOut">
               <a:rPr lang="ko-KR" altLang="en-US" smtClean="0"/>
-              <a:t>2022. 8. 24.</a:t>
+              <a:t>2022. 8. 25.</a:t>
             </a:fld>
             <a:endParaRPr lang="ko-KR" altLang="en-US"/>
           </a:p>
@@ -4143,11 +3932,11 @@
     <p:bg>
       <p:bgPr>
         <a:blipFill dpi="0" rotWithShape="1">
-          <a:blip r:embed="rId2">
-            <a:lum/>
-          </a:blip>
+          <a:blip r:embed="rId2"/>
           <a:srcRect/>
-          <a:tile tx="0" ty="0" sx="100000" sy="100000" flip="none" algn="tl"/>
+          <a:stretch>
+            <a:fillRect t="-12000" b="-12000"/>
+          </a:stretch>
         </a:blipFill>
         <a:effectLst/>
       </p:bgPr>
@@ -4166,68 +3955,501 @@
           <a:chExt cx="0" cy="0"/>
         </a:xfrm>
       </p:grpSpPr>
-      <p:sp>
-        <p:nvSpPr>
-          <p:cNvPr id="2" name="직사각형 1">
-            <a:extLst>
-              <a:ext uri="{FF2B5EF4-FFF2-40B4-BE49-F238E27FC236}">
-                <a16:creationId xmlns:a16="http://schemas.microsoft.com/office/drawing/2014/main" id="{BED3A749-011D-44E4-B820-4EC9DCB989F9}"/>
-              </a:ext>
-            </a:extLst>
-          </p:cNvPr>
-          <p:cNvSpPr/>
+      <p:grpSp>
+        <p:nvGrpSpPr>
+          <p:cNvPr id="10" name="그룹 9">
+            <a:extLst>
+              <a:ext uri="{FF2B5EF4-FFF2-40B4-BE49-F238E27FC236}">
+                <a16:creationId xmlns:a16="http://schemas.microsoft.com/office/drawing/2014/main" id="{5E2BD964-99DC-31A3-957C-7125DA0EF335}"/>
+              </a:ext>
+            </a:extLst>
+          </p:cNvPr>
+          <p:cNvGrpSpPr/>
           <p:nvPr/>
-        </p:nvSpPr>
-        <p:spPr>
+        </p:nvGrpSpPr>
+        <p:grpSpPr>
           <a:xfrm>
-            <a:off x="4740170" y="1576432"/>
-            <a:ext cx="2711659" cy="2711659"/>
+            <a:off x="4564389" y="1898130"/>
+            <a:ext cx="3062710" cy="3061740"/>
+            <a:chOff x="4740170" y="1576432"/>
+            <a:chExt cx="2711659" cy="2710800"/>
           </a:xfrm>
-          <a:prstGeom prst="rect">
-            <a:avLst/>
-          </a:prstGeom>
-          <a:noFill/>
-          <a:ln w="165100">
+        </p:grpSpPr>
+        <p:sp>
+          <p:nvSpPr>
+            <p:cNvPr id="2" name="직사각형 1">
+              <a:extLst>
+                <a:ext uri="{FF2B5EF4-FFF2-40B4-BE49-F238E27FC236}">
+                  <a16:creationId xmlns:a16="http://schemas.microsoft.com/office/drawing/2014/main" id="{BED3A749-011D-44E4-B820-4EC9DCB989F9}"/>
+                </a:ext>
+              </a:extLst>
+            </p:cNvPr>
+            <p:cNvSpPr/>
+            <p:nvPr/>
+          </p:nvSpPr>
+          <p:spPr>
+            <a:xfrm>
+              <a:off x="4740170" y="1576432"/>
+              <a:ext cx="2711659" cy="2710800"/>
+            </a:xfrm>
+            <a:prstGeom prst="rect">
+              <a:avLst/>
+            </a:prstGeom>
             <a:solidFill>
               <a:schemeClr val="tx1"/>
             </a:solidFill>
-          </a:ln>
-        </p:spPr>
-        <p:style>
-          <a:lnRef idx="2">
-            <a:schemeClr val="accent1">
-              <a:shade val="50000"/>
-            </a:schemeClr>
-          </a:lnRef>
-          <a:fillRef idx="1">
-            <a:schemeClr val="accent1"/>
-          </a:fillRef>
-          <a:effectRef idx="0">
-            <a:schemeClr val="accent1"/>
-          </a:effectRef>
-          <a:fontRef idx="minor">
-            <a:schemeClr val="lt1"/>
-          </a:fontRef>
-        </p:style>
-        <p:txBody>
-          <a:bodyPr rtlCol="0" anchor="ctr"/>
-          <a:lstStyle/>
-          <a:p>
-            <a:pPr algn="ctr"/>
-            <a:endParaRPr lang="ko-KR" altLang="en-US" sz="1400" dirty="0">
+            <a:ln w="101600">
               <a:solidFill>
-                <a:schemeClr val="tx1"/>
+                <a:schemeClr val="bg1"/>
               </a:solidFill>
-            </a:endParaRPr>
-          </a:p>
-        </p:txBody>
-      </p:sp>
-      <p:sp>
-        <p:nvSpPr>
-          <p:cNvPr id="5" name="TextBox 4">
-            <a:extLst>
-              <a:ext uri="{FF2B5EF4-FFF2-40B4-BE49-F238E27FC236}">
-                <a16:creationId xmlns:a16="http://schemas.microsoft.com/office/drawing/2014/main" id="{E9519219-5072-4D1E-B259-B7E71A00C0A6}"/>
+            </a:ln>
+          </p:spPr>
+          <p:style>
+            <a:lnRef idx="2">
+              <a:schemeClr val="accent1">
+                <a:shade val="50000"/>
+              </a:schemeClr>
+            </a:lnRef>
+            <a:fillRef idx="1">
+              <a:schemeClr val="accent1"/>
+            </a:fillRef>
+            <a:effectRef idx="0">
+              <a:schemeClr val="accent1"/>
+            </a:effectRef>
+            <a:fontRef idx="minor">
+              <a:schemeClr val="lt1"/>
+            </a:fontRef>
+          </p:style>
+          <p:txBody>
+            <a:bodyPr rtlCol="0" anchor="ctr"/>
+            <a:lstStyle/>
+            <a:p>
+              <a:pPr algn="ctr"/>
+              <a:endParaRPr lang="ko-KR" altLang="en-US" sz="1200" dirty="0">
+                <a:solidFill>
+                  <a:schemeClr val="bg1"/>
+                </a:solidFill>
+              </a:endParaRPr>
+            </a:p>
+          </p:txBody>
+        </p:sp>
+        <p:sp>
+          <p:nvSpPr>
+            <p:cNvPr id="5" name="TextBox 4">
+              <a:extLst>
+                <a:ext uri="{FF2B5EF4-FFF2-40B4-BE49-F238E27FC236}">
+                  <a16:creationId xmlns:a16="http://schemas.microsoft.com/office/drawing/2014/main" id="{E9519219-5072-4D1E-B259-B7E71A00C0A6}"/>
+                </a:ext>
+              </a:extLst>
+            </p:cNvPr>
+            <p:cNvSpPr txBox="1"/>
+            <p:nvPr/>
+          </p:nvSpPr>
+          <p:spPr>
+            <a:xfrm>
+              <a:off x="4909457" y="1763486"/>
+              <a:ext cx="2373086" cy="1231106"/>
+            </a:xfrm>
+            <a:prstGeom prst="rect">
+              <a:avLst/>
+            </a:prstGeom>
+            <a:noFill/>
+          </p:spPr>
+          <p:txBody>
+            <a:bodyPr wrap="square" rtlCol="0">
+              <a:spAutoFit/>
+            </a:bodyPr>
+            <a:lstStyle/>
+            <a:p>
+              <a:r>
+                <a:rPr lang="en-US" altLang="ko-KR" sz="2000" b="1" dirty="0">
+                  <a:solidFill>
+                    <a:schemeClr val="bg1"/>
+                  </a:solidFill>
+                  <a:latin typeface="Gmarket Sans TTF Medium" panose="02000000000000000000" pitchFamily="2" charset="-128"/>
+                  <a:ea typeface="Gmarket Sans TTF Medium" panose="02000000000000000000" pitchFamily="2" charset="-128"/>
+                </a:rPr>
+                <a:t>Do the Dash</a:t>
+              </a:r>
+            </a:p>
+            <a:p>
+              <a:r>
+                <a:rPr lang="en-US" altLang="ko-KR" sz="2000" dirty="0" err="1">
+                  <a:solidFill>
+                    <a:schemeClr val="bg1"/>
+                  </a:solidFill>
+                  <a:latin typeface="Gmarket Sans TTF Medium" panose="02000000000000000000" pitchFamily="2" charset="-128"/>
+                  <a:ea typeface="Gmarket Sans TTF Medium" panose="02000000000000000000" pitchFamily="2" charset="-128"/>
+                </a:rPr>
+                <a:t>Eduthon</a:t>
+              </a:r>
+              <a:endParaRPr lang="en-US" altLang="ko-KR" sz="2000" dirty="0">
+                <a:solidFill>
+                  <a:schemeClr val="bg1"/>
+                </a:solidFill>
+                <a:latin typeface="Gmarket Sans TTF Medium" panose="02000000000000000000" pitchFamily="2" charset="-128"/>
+                <a:ea typeface="Gmarket Sans TTF Medium" panose="02000000000000000000" pitchFamily="2" charset="-128"/>
+              </a:endParaRPr>
+            </a:p>
+            <a:p>
+              <a:r>
+                <a:rPr lang="en-US" altLang="ko-KR" sz="2000" dirty="0">
+                  <a:solidFill>
+                    <a:schemeClr val="bg1"/>
+                  </a:solidFill>
+                  <a:latin typeface="Gmarket Sans TTF Medium" panose="02000000000000000000" pitchFamily="2" charset="-128"/>
+                  <a:ea typeface="Gmarket Sans TTF Medium" panose="02000000000000000000" pitchFamily="2" charset="-128"/>
+                </a:rPr>
+                <a:t>2022</a:t>
+              </a:r>
+              <a:endParaRPr lang="en-US" altLang="ko-KR" dirty="0">
+                <a:solidFill>
+                  <a:schemeClr val="bg1"/>
+                </a:solidFill>
+                <a:latin typeface="Gmarket Sans TTF Medium" panose="02000000000000000000" pitchFamily="2" charset="-128"/>
+                <a:ea typeface="Gmarket Sans TTF Medium" panose="02000000000000000000" pitchFamily="2" charset="-128"/>
+              </a:endParaRPr>
+            </a:p>
+            <a:p>
+              <a:endParaRPr lang="en-US" altLang="ko-KR" sz="1400" dirty="0">
+                <a:solidFill>
+                  <a:schemeClr val="bg1"/>
+                </a:solidFill>
+                <a:latin typeface="Gmarket Sans TTF Medium" panose="02000000000000000000" pitchFamily="2" charset="-128"/>
+                <a:ea typeface="Gmarket Sans TTF Medium" panose="02000000000000000000" pitchFamily="2" charset="-128"/>
+              </a:endParaRPr>
+            </a:p>
+          </p:txBody>
+        </p:sp>
+      </p:grpSp>
+      <p:grpSp>
+        <p:nvGrpSpPr>
+          <p:cNvPr id="21" name="그룹 20">
+            <a:extLst>
+              <a:ext uri="{FF2B5EF4-FFF2-40B4-BE49-F238E27FC236}">
+                <a16:creationId xmlns:a16="http://schemas.microsoft.com/office/drawing/2014/main" id="{C4140644-1F09-C80B-EEA5-F56F47AF5C88}"/>
+              </a:ext>
+            </a:extLst>
+          </p:cNvPr>
+          <p:cNvGrpSpPr/>
+          <p:nvPr/>
+        </p:nvGrpSpPr>
+        <p:grpSpPr>
+          <a:xfrm>
+            <a:off x="4740170" y="3353508"/>
+            <a:ext cx="2717134" cy="1230561"/>
+            <a:chOff x="4740170" y="3353508"/>
+            <a:chExt cx="2717134" cy="1230561"/>
+          </a:xfrm>
+        </p:grpSpPr>
+        <p:sp>
+          <p:nvSpPr>
+            <p:cNvPr id="20" name="TextBox 19">
+              <a:extLst>
+                <a:ext uri="{FF2B5EF4-FFF2-40B4-BE49-F238E27FC236}">
+                  <a16:creationId xmlns:a16="http://schemas.microsoft.com/office/drawing/2014/main" id="{FA583AEC-434D-C38A-19A3-7C97AD0907A9}"/>
+                </a:ext>
+              </a:extLst>
+            </p:cNvPr>
+            <p:cNvSpPr txBox="1"/>
+            <p:nvPr/>
+          </p:nvSpPr>
+          <p:spPr>
+            <a:xfrm>
+              <a:off x="4745644" y="3353508"/>
+              <a:ext cx="2711660" cy="1228093"/>
+            </a:xfrm>
+            <a:prstGeom prst="rect">
+              <a:avLst/>
+            </a:prstGeom>
+            <a:noFill/>
+          </p:spPr>
+          <p:txBody>
+            <a:bodyPr wrap="square">
+              <a:spAutoFit/>
+            </a:bodyPr>
+            <a:lstStyle/>
+            <a:p>
+              <a:pPr>
+                <a:lnSpc>
+                  <a:spcPct val="150000"/>
+                </a:lnSpc>
+              </a:pPr>
+              <a:r>
+                <a:rPr lang="en-US" altLang="ko-KR" sz="2800" b="1" spc="-150" dirty="0">
+                  <a:solidFill>
+                    <a:schemeClr val="bg1"/>
+                  </a:solidFill>
+                  <a:latin typeface="NOW YOU SEE ME" panose="02000000000000000000" pitchFamily="2" charset="0"/>
+                  <a:ea typeface="Gmarket Sans TTF Medium" panose="02000000000000000000" pitchFamily="2" charset="-128"/>
+                </a:rPr>
+                <a:t>NOW YOU</a:t>
+              </a:r>
+            </a:p>
+            <a:p>
+              <a:pPr algn="r">
+                <a:lnSpc>
+                  <a:spcPct val="150000"/>
+                </a:lnSpc>
+              </a:pPr>
+              <a:r>
+                <a:rPr lang="en-US" altLang="ko-KR" sz="2800" b="1" spc="300" dirty="0">
+                  <a:solidFill>
+                    <a:schemeClr val="bg1"/>
+                  </a:solidFill>
+                  <a:latin typeface="NOW YOU SEE ME" panose="02000000000000000000" pitchFamily="2" charset="0"/>
+                  <a:ea typeface="Gmarket Sans TTF Medium" panose="02000000000000000000" pitchFamily="2" charset="-128"/>
+                </a:rPr>
+                <a:t>SEE ME</a:t>
+              </a:r>
+              <a:endParaRPr lang="ko-KR" altLang="en-US" sz="2800" b="1" spc="300" dirty="0">
+                <a:solidFill>
+                  <a:schemeClr val="bg1"/>
+                </a:solidFill>
+                <a:latin typeface="NOW YOU SEE ME" panose="02000000000000000000" pitchFamily="2" charset="0"/>
+                <a:ea typeface="Gmarket Sans TTF Medium" panose="02000000000000000000" pitchFamily="2" charset="-128"/>
+              </a:endParaRPr>
+            </a:p>
+          </p:txBody>
+        </p:sp>
+        <p:sp>
+          <p:nvSpPr>
+            <p:cNvPr id="19" name="TextBox 18">
+              <a:extLst>
+                <a:ext uri="{FF2B5EF4-FFF2-40B4-BE49-F238E27FC236}">
+                  <a16:creationId xmlns:a16="http://schemas.microsoft.com/office/drawing/2014/main" id="{3B8D76A0-8835-9FF2-8B2A-8A6F256B305A}"/>
+                </a:ext>
+              </a:extLst>
+            </p:cNvPr>
+            <p:cNvSpPr txBox="1"/>
+            <p:nvPr/>
+          </p:nvSpPr>
+          <p:spPr>
+            <a:xfrm>
+              <a:off x="4740170" y="3355976"/>
+              <a:ext cx="2711660" cy="1228093"/>
+            </a:xfrm>
+            <a:prstGeom prst="rect">
+              <a:avLst/>
+            </a:prstGeom>
+            <a:noFill/>
+          </p:spPr>
+          <p:txBody>
+            <a:bodyPr wrap="square">
+              <a:spAutoFit/>
+            </a:bodyPr>
+            <a:lstStyle/>
+            <a:p>
+              <a:pPr>
+                <a:lnSpc>
+                  <a:spcPct val="150000"/>
+                </a:lnSpc>
+              </a:pPr>
+              <a:r>
+                <a:rPr lang="en-US" altLang="ko-KR" sz="2800" b="1" spc="-150" dirty="0">
+                  <a:solidFill>
+                    <a:schemeClr val="bg1"/>
+                  </a:solidFill>
+                  <a:latin typeface="NOW YOU SEE ME" panose="02000000000000000000" pitchFamily="2" charset="0"/>
+                  <a:ea typeface="Gmarket Sans TTF Medium" panose="02000000000000000000" pitchFamily="2" charset="-128"/>
+                </a:rPr>
+                <a:t>NOW YOU</a:t>
+              </a:r>
+            </a:p>
+            <a:p>
+              <a:pPr algn="r">
+                <a:lnSpc>
+                  <a:spcPct val="150000"/>
+                </a:lnSpc>
+              </a:pPr>
+              <a:r>
+                <a:rPr lang="en-US" altLang="ko-KR" sz="2800" b="1" spc="300" dirty="0">
+                  <a:solidFill>
+                    <a:schemeClr val="bg1"/>
+                  </a:solidFill>
+                  <a:latin typeface="NOW YOU SEE ME" panose="02000000000000000000" pitchFamily="2" charset="0"/>
+                  <a:ea typeface="Gmarket Sans TTF Medium" panose="02000000000000000000" pitchFamily="2" charset="-128"/>
+                </a:rPr>
+                <a:t>SEE ME</a:t>
+              </a:r>
+              <a:endParaRPr lang="ko-KR" altLang="en-US" sz="2800" b="1" spc="300" dirty="0">
+                <a:solidFill>
+                  <a:schemeClr val="bg1"/>
+                </a:solidFill>
+                <a:latin typeface="NOW YOU SEE ME" panose="02000000000000000000" pitchFamily="2" charset="0"/>
+                <a:ea typeface="Gmarket Sans TTF Medium" panose="02000000000000000000" pitchFamily="2" charset="-128"/>
+              </a:endParaRPr>
+            </a:p>
+          </p:txBody>
+        </p:sp>
+      </p:grpSp>
+      <p:grpSp>
+        <p:nvGrpSpPr>
+          <p:cNvPr id="22" name="그룹 21">
+            <a:extLst>
+              <a:ext uri="{FF2B5EF4-FFF2-40B4-BE49-F238E27FC236}">
+                <a16:creationId xmlns:a16="http://schemas.microsoft.com/office/drawing/2014/main" id="{6AC60ACE-DF84-BFCF-5E71-1B62F75196CB}"/>
+              </a:ext>
+            </a:extLst>
+          </p:cNvPr>
+          <p:cNvGrpSpPr/>
+          <p:nvPr/>
+        </p:nvGrpSpPr>
+        <p:grpSpPr>
+          <a:xfrm>
+            <a:off x="4739914" y="3369741"/>
+            <a:ext cx="2717134" cy="1230561"/>
+            <a:chOff x="4740170" y="3353508"/>
+            <a:chExt cx="2717134" cy="1230561"/>
+          </a:xfrm>
+        </p:grpSpPr>
+        <p:sp>
+          <p:nvSpPr>
+            <p:cNvPr id="24" name="TextBox 23">
+              <a:extLst>
+                <a:ext uri="{FF2B5EF4-FFF2-40B4-BE49-F238E27FC236}">
+                  <a16:creationId xmlns:a16="http://schemas.microsoft.com/office/drawing/2014/main" id="{1CCF832D-FEA5-3890-5382-45DBAC9382B5}"/>
+                </a:ext>
+              </a:extLst>
+            </p:cNvPr>
+            <p:cNvSpPr txBox="1"/>
+            <p:nvPr/>
+          </p:nvSpPr>
+          <p:spPr>
+            <a:xfrm>
+              <a:off x="4745644" y="3353508"/>
+              <a:ext cx="2711660" cy="1228093"/>
+            </a:xfrm>
+            <a:prstGeom prst="rect">
+              <a:avLst/>
+            </a:prstGeom>
+            <a:noFill/>
+          </p:spPr>
+          <p:txBody>
+            <a:bodyPr wrap="square">
+              <a:spAutoFit/>
+            </a:bodyPr>
+            <a:lstStyle/>
+            <a:p>
+              <a:pPr>
+                <a:lnSpc>
+                  <a:spcPct val="150000"/>
+                </a:lnSpc>
+              </a:pPr>
+              <a:r>
+                <a:rPr lang="en-US" altLang="ko-KR" sz="2800" b="1" spc="-150" dirty="0">
+                  <a:solidFill>
+                    <a:schemeClr val="bg1"/>
+                  </a:solidFill>
+                  <a:latin typeface="NOW YOU SEE ME" panose="02000000000000000000" pitchFamily="2" charset="0"/>
+                  <a:ea typeface="Gmarket Sans TTF Medium" panose="02000000000000000000" pitchFamily="2" charset="-128"/>
+                </a:rPr>
+                <a:t>NOW YOU</a:t>
+              </a:r>
+            </a:p>
+            <a:p>
+              <a:pPr algn="r">
+                <a:lnSpc>
+                  <a:spcPct val="150000"/>
+                </a:lnSpc>
+              </a:pPr>
+              <a:r>
+                <a:rPr lang="en-US" altLang="ko-KR" sz="2800" b="1" spc="300" dirty="0">
+                  <a:solidFill>
+                    <a:schemeClr val="bg1"/>
+                  </a:solidFill>
+                  <a:latin typeface="NOW YOU SEE ME" panose="02000000000000000000" pitchFamily="2" charset="0"/>
+                  <a:ea typeface="Gmarket Sans TTF Medium" panose="02000000000000000000" pitchFamily="2" charset="-128"/>
+                </a:rPr>
+                <a:t>SEE ME</a:t>
+              </a:r>
+              <a:endParaRPr lang="ko-KR" altLang="en-US" sz="2800" b="1" spc="300" dirty="0">
+                <a:solidFill>
+                  <a:schemeClr val="bg1"/>
+                </a:solidFill>
+                <a:latin typeface="NOW YOU SEE ME" panose="02000000000000000000" pitchFamily="2" charset="0"/>
+                <a:ea typeface="Gmarket Sans TTF Medium" panose="02000000000000000000" pitchFamily="2" charset="-128"/>
+              </a:endParaRPr>
+            </a:p>
+          </p:txBody>
+        </p:sp>
+        <p:sp>
+          <p:nvSpPr>
+            <p:cNvPr id="23" name="TextBox 22">
+              <a:extLst>
+                <a:ext uri="{FF2B5EF4-FFF2-40B4-BE49-F238E27FC236}">
+                  <a16:creationId xmlns:a16="http://schemas.microsoft.com/office/drawing/2014/main" id="{AF635D67-F11F-04CD-3B4C-E90960B03B6B}"/>
+                </a:ext>
+              </a:extLst>
+            </p:cNvPr>
+            <p:cNvSpPr txBox="1"/>
+            <p:nvPr/>
+          </p:nvSpPr>
+          <p:spPr>
+            <a:xfrm>
+              <a:off x="4740170" y="3355976"/>
+              <a:ext cx="2711660" cy="1228093"/>
+            </a:xfrm>
+            <a:prstGeom prst="rect">
+              <a:avLst/>
+            </a:prstGeom>
+            <a:noFill/>
+          </p:spPr>
+          <p:txBody>
+            <a:bodyPr wrap="square">
+              <a:spAutoFit/>
+            </a:bodyPr>
+            <a:lstStyle/>
+            <a:p>
+              <a:pPr>
+                <a:lnSpc>
+                  <a:spcPct val="150000"/>
+                </a:lnSpc>
+              </a:pPr>
+              <a:r>
+                <a:rPr lang="en-US" altLang="ko-KR" sz="2800" b="1" spc="-150" dirty="0">
+                  <a:solidFill>
+                    <a:schemeClr val="bg1"/>
+                  </a:solidFill>
+                  <a:latin typeface="NOW YOU SEE ME" panose="02000000000000000000" pitchFamily="2" charset="0"/>
+                  <a:ea typeface="Gmarket Sans TTF Medium" panose="02000000000000000000" pitchFamily="2" charset="-128"/>
+                </a:rPr>
+                <a:t>NOW YOU</a:t>
+              </a:r>
+            </a:p>
+            <a:p>
+              <a:pPr algn="r">
+                <a:lnSpc>
+                  <a:spcPct val="150000"/>
+                </a:lnSpc>
+              </a:pPr>
+              <a:r>
+                <a:rPr lang="en-US" altLang="ko-KR" sz="2800" b="1" spc="300" dirty="0">
+                  <a:solidFill>
+                    <a:schemeClr val="bg1"/>
+                  </a:solidFill>
+                  <a:latin typeface="NOW YOU SEE ME" panose="02000000000000000000" pitchFamily="2" charset="0"/>
+                  <a:ea typeface="Gmarket Sans TTF Medium" panose="02000000000000000000" pitchFamily="2" charset="-128"/>
+                </a:rPr>
+                <a:t>SEE ME</a:t>
+              </a:r>
+              <a:endParaRPr lang="ko-KR" altLang="en-US" sz="2800" b="1" spc="300" dirty="0">
+                <a:solidFill>
+                  <a:schemeClr val="bg1"/>
+                </a:solidFill>
+                <a:latin typeface="NOW YOU SEE ME" panose="02000000000000000000" pitchFamily="2" charset="0"/>
+                <a:ea typeface="Gmarket Sans TTF Medium" panose="02000000000000000000" pitchFamily="2" charset="-128"/>
+              </a:endParaRPr>
+            </a:p>
+          </p:txBody>
+        </p:sp>
+      </p:grpSp>
+      <p:sp>
+        <p:nvSpPr>
+          <p:cNvPr id="25" name="TextBox 24">
+            <a:extLst>
+              <a:ext uri="{FF2B5EF4-FFF2-40B4-BE49-F238E27FC236}">
+                <a16:creationId xmlns:a16="http://schemas.microsoft.com/office/drawing/2014/main" id="{E3986AE2-E44E-C004-3398-744C66E757C3}"/>
               </a:ext>
             </a:extLst>
           </p:cNvPr>
@@ -4236,8 +4458,8 @@
         </p:nvSpPr>
         <p:spPr>
           <a:xfrm>
-            <a:off x="5019993" y="1862022"/>
-            <a:ext cx="2258952" cy="2308324"/>
+            <a:off x="7239451" y="5324080"/>
+            <a:ext cx="184731" cy="369332"/>
           </a:xfrm>
           <a:prstGeom prst="rect">
             <a:avLst/>
@@ -4250,116 +4472,7 @@
           </a:bodyPr>
           <a:lstStyle/>
           <a:p>
-            <a:r>
-              <a:rPr lang="en-US" altLang="ko-KR" sz="2400" b="1" dirty="0">
-                <a:latin typeface="Gmarket Sans TTF Medium" panose="02000000000000000000" pitchFamily="2" charset="-128"/>
-                <a:ea typeface="Gmarket Sans TTF Medium" panose="02000000000000000000" pitchFamily="2" charset="-128"/>
-              </a:rPr>
-              <a:t>Do the Dash</a:t>
-            </a:r>
-          </a:p>
-          <a:p>
-            <a:r>
-              <a:rPr lang="en-US" altLang="ko-KR" sz="2400" dirty="0" err="1">
-                <a:latin typeface="Gmarket Sans TTF Medium" panose="02000000000000000000" pitchFamily="2" charset="-128"/>
-                <a:ea typeface="Gmarket Sans TTF Medium" panose="02000000000000000000" pitchFamily="2" charset="-128"/>
-              </a:rPr>
-              <a:t>Eduthon</a:t>
-            </a:r>
-            <a:endParaRPr lang="en-US" altLang="ko-KR" sz="2400" dirty="0">
-              <a:latin typeface="Gmarket Sans TTF Medium" panose="02000000000000000000" pitchFamily="2" charset="-128"/>
-              <a:ea typeface="Gmarket Sans TTF Medium" panose="02000000000000000000" pitchFamily="2" charset="-128"/>
-            </a:endParaRPr>
-          </a:p>
-          <a:p>
-            <a:r>
-              <a:rPr lang="en-US" altLang="ko-KR" sz="2400" dirty="0">
-                <a:latin typeface="Gmarket Sans TTF Medium" panose="02000000000000000000" pitchFamily="2" charset="-128"/>
-                <a:ea typeface="Gmarket Sans TTF Medium" panose="02000000000000000000" pitchFamily="2" charset="-128"/>
-              </a:rPr>
-              <a:t>2022</a:t>
-            </a:r>
-          </a:p>
-          <a:p>
-            <a:endParaRPr lang="en-US" altLang="ko-KR" sz="2400" dirty="0">
-              <a:latin typeface="Gmarket Sans TTF Medium" panose="02000000000000000000" pitchFamily="2" charset="-128"/>
-              <a:ea typeface="Gmarket Sans TTF Medium" panose="02000000000000000000" pitchFamily="2" charset="-128"/>
-            </a:endParaRPr>
-          </a:p>
-          <a:p>
-            <a:endParaRPr lang="en-US" altLang="ko-KR" sz="2400" dirty="0">
-              <a:latin typeface="Gmarket Sans TTF Medium" panose="02000000000000000000" pitchFamily="2" charset="-128"/>
-              <a:ea typeface="Gmarket Sans TTF Medium" panose="02000000000000000000" pitchFamily="2" charset="-128"/>
-            </a:endParaRPr>
-          </a:p>
-          <a:p>
-            <a:r>
-              <a:rPr lang="en-US" altLang="ko-KR" sz="2400" dirty="0">
-                <a:latin typeface="Gmarket Sans TTF Medium" panose="02000000000000000000" pitchFamily="2" charset="-128"/>
-                <a:ea typeface="Gmarket Sans TTF Medium" panose="02000000000000000000" pitchFamily="2" charset="-128"/>
-              </a:rPr>
-              <a:t>Team (</a:t>
-            </a:r>
-            <a:r>
-              <a:rPr lang="ko-KR" altLang="en-US" sz="2400" b="1" dirty="0">
-                <a:latin typeface="Gmarket Sans TTF Medium" panose="02000000000000000000" pitchFamily="2" charset="-128"/>
-                <a:ea typeface="Gmarket Sans TTF Medium" panose="02000000000000000000" pitchFamily="2" charset="-128"/>
-              </a:rPr>
-              <a:t>마</a:t>
-            </a:r>
-            <a:r>
-              <a:rPr lang="en-US" altLang="ko-KR" sz="2400" b="1" dirty="0">
-                <a:latin typeface="Gmarket Sans TTF Medium" panose="02000000000000000000" pitchFamily="2" charset="-128"/>
-                <a:ea typeface="Gmarket Sans TTF Medium" panose="02000000000000000000" pitchFamily="2" charset="-128"/>
-              </a:rPr>
-              <a:t>)</a:t>
-            </a:r>
-            <a:endParaRPr lang="ko-KR" altLang="en-US" sz="2400" b="1" dirty="0">
-              <a:latin typeface="Gmarket Sans TTF Medium" panose="02000000000000000000" pitchFamily="2" charset="-128"/>
-              <a:ea typeface="Gmarket Sans TTF Medium" panose="02000000000000000000" pitchFamily="2" charset="-128"/>
-            </a:endParaRPr>
-          </a:p>
-        </p:txBody>
-      </p:sp>
-      <p:sp>
-        <p:nvSpPr>
-          <p:cNvPr id="6" name="TextBox 5">
-            <a:extLst>
-              <a:ext uri="{FF2B5EF4-FFF2-40B4-BE49-F238E27FC236}">
-                <a16:creationId xmlns:a16="http://schemas.microsoft.com/office/drawing/2014/main" id="{40EE85E9-5F80-4EBD-A1E0-8814BB1B0A67}"/>
-              </a:ext>
-            </a:extLst>
-          </p:cNvPr>
-          <p:cNvSpPr txBox="1"/>
-          <p:nvPr/>
-        </p:nvSpPr>
-        <p:spPr>
-          <a:xfrm>
-            <a:off x="3377947" y="4603628"/>
-            <a:ext cx="5436104" cy="707886"/>
-          </a:xfrm>
-          <a:prstGeom prst="rect">
-            <a:avLst/>
-          </a:prstGeom>
-          <a:noFill/>
-        </p:spPr>
-        <p:txBody>
-          <a:bodyPr wrap="none" rtlCol="0">
-            <a:spAutoFit/>
-          </a:bodyPr>
-          <a:lstStyle/>
-          <a:p>
-            <a:r>
-              <a:rPr lang="en-US" altLang="ko-KR" sz="4000" b="1" dirty="0">
-                <a:latin typeface="Gmarket Sans TTF Medium" panose="02000000000000000000" pitchFamily="2" charset="-128"/>
-                <a:ea typeface="Gmarket Sans TTF Medium" panose="02000000000000000000" pitchFamily="2" charset="-128"/>
-              </a:rPr>
-              <a:t>NOW YOU SEE ME</a:t>
-            </a:r>
-            <a:endParaRPr lang="ko-KR" altLang="en-US" sz="4000" b="1" dirty="0">
-              <a:latin typeface="Gmarket Sans TTF Medium" panose="02000000000000000000" pitchFamily="2" charset="-128"/>
-              <a:ea typeface="Gmarket Sans TTF Medium" panose="02000000000000000000" pitchFamily="2" charset="-128"/>
-            </a:endParaRPr>
+            <a:endParaRPr kumimoji="1" lang="ko-Kore-KR" altLang="en-US" dirty="0"/>
           </a:p>
         </p:txBody>
       </p:sp>
@@ -4394,11 +4507,11 @@
     <p:bg>
       <p:bgPr>
         <a:blipFill dpi="0" rotWithShape="1">
-          <a:blip r:embed="rId2">
-            <a:lum/>
-          </a:blip>
+          <a:blip r:embed="rId2"/>
           <a:srcRect/>
-          <a:tile tx="0" ty="0" sx="100000" sy="100000" flip="none" algn="tl"/>
+          <a:stretch>
+            <a:fillRect t="-12000" b="-12000"/>
+          </a:stretch>
         </a:blipFill>
         <a:effectLst/>
       </p:bgPr>
@@ -4419,76 +4532,20 @@
       </p:grpSpPr>
       <p:sp>
         <p:nvSpPr>
-          <p:cNvPr id="2" name="직사각형 1">
-            <a:extLst>
-              <a:ext uri="{FF2B5EF4-FFF2-40B4-BE49-F238E27FC236}">
-                <a16:creationId xmlns:a16="http://schemas.microsoft.com/office/drawing/2014/main" id="{BED3A749-011D-44E4-B820-4EC9DCB989F9}"/>
-              </a:ext>
-            </a:extLst>
-          </p:cNvPr>
-          <p:cNvSpPr/>
+          <p:cNvPr id="6" name="TextBox 5">
+            <a:extLst>
+              <a:ext uri="{FF2B5EF4-FFF2-40B4-BE49-F238E27FC236}">
+                <a16:creationId xmlns:a16="http://schemas.microsoft.com/office/drawing/2014/main" id="{40EE85E9-5F80-4EBD-A1E0-8814BB1B0A67}"/>
+              </a:ext>
+            </a:extLst>
+          </p:cNvPr>
+          <p:cNvSpPr txBox="1"/>
           <p:nvPr/>
         </p:nvSpPr>
         <p:spPr>
           <a:xfrm>
-            <a:off x="4740170" y="1576432"/>
-            <a:ext cx="2711659" cy="2711659"/>
-          </a:xfrm>
-          <a:prstGeom prst="rect">
-            <a:avLst/>
-          </a:prstGeom>
-          <a:noFill/>
-          <a:ln w="165100">
-            <a:solidFill>
-              <a:schemeClr val="tx1"/>
-            </a:solidFill>
-          </a:ln>
-        </p:spPr>
-        <p:style>
-          <a:lnRef idx="2">
-            <a:schemeClr val="accent1">
-              <a:shade val="50000"/>
-            </a:schemeClr>
-          </a:lnRef>
-          <a:fillRef idx="1">
-            <a:schemeClr val="accent1"/>
-          </a:fillRef>
-          <a:effectRef idx="0">
-            <a:schemeClr val="accent1"/>
-          </a:effectRef>
-          <a:fontRef idx="minor">
-            <a:schemeClr val="lt1"/>
-          </a:fontRef>
-        </p:style>
-        <p:txBody>
-          <a:bodyPr rtlCol="0" anchor="ctr"/>
-          <a:lstStyle/>
-          <a:p>
-            <a:pPr algn="ctr"/>
-            <a:endParaRPr lang="ko-KR" altLang="en-US" sz="1400" dirty="0">
-              <a:solidFill>
-                <a:schemeClr val="tx1"/>
-              </a:solidFill>
-            </a:endParaRPr>
-          </a:p>
-        </p:txBody>
-      </p:sp>
-      <p:sp>
-        <p:nvSpPr>
-          <p:cNvPr id="5" name="TextBox 4">
-            <a:extLst>
-              <a:ext uri="{FF2B5EF4-FFF2-40B4-BE49-F238E27FC236}">
-                <a16:creationId xmlns:a16="http://schemas.microsoft.com/office/drawing/2014/main" id="{E9519219-5072-4D1E-B259-B7E71A00C0A6}"/>
-              </a:ext>
-            </a:extLst>
-          </p:cNvPr>
-          <p:cNvSpPr txBox="1"/>
-          <p:nvPr/>
-        </p:nvSpPr>
-        <p:spPr>
-          <a:xfrm>
-            <a:off x="5019993" y="1862022"/>
-            <a:ext cx="2258952" cy="2308324"/>
+            <a:off x="314759" y="451351"/>
+            <a:ext cx="4594528" cy="630942"/>
           </a:xfrm>
           <a:prstGeom prst="rect">
             <a:avLst/>
@@ -4501,141 +4558,1057 @@
           </a:bodyPr>
           <a:lstStyle/>
           <a:p>
+            <a:pPr algn="ctr"/>
             <a:r>
-              <a:rPr lang="en-US" altLang="ko-KR" sz="2400" b="1" dirty="0">
+              <a:rPr lang="en-US" altLang="ko-KR" sz="3500" b="1" dirty="0">
+                <a:solidFill>
+                  <a:schemeClr val="bg1"/>
+                </a:solidFill>
+                <a:effectLst>
+                  <a:glow rad="169199">
+                    <a:schemeClr val="accent1">
+                      <a:alpha val="40000"/>
+                    </a:schemeClr>
+                  </a:glow>
+                </a:effectLst>
                 <a:latin typeface="Gmarket Sans TTF Medium" panose="02000000000000000000" pitchFamily="2" charset="-128"/>
                 <a:ea typeface="Gmarket Sans TTF Medium" panose="02000000000000000000" pitchFamily="2" charset="-128"/>
               </a:rPr>
-              <a:t>Do the Dash</a:t>
+              <a:t>Table of Contents</a:t>
             </a:r>
-          </a:p>
-          <a:p>
-            <a:r>
-              <a:rPr lang="en-US" altLang="ko-KR" sz="2400" dirty="0" err="1">
-                <a:latin typeface="Gmarket Sans TTF Medium" panose="02000000000000000000" pitchFamily="2" charset="-128"/>
-                <a:ea typeface="Gmarket Sans TTF Medium" panose="02000000000000000000" pitchFamily="2" charset="-128"/>
-              </a:rPr>
-              <a:t>Eduthon</a:t>
-            </a:r>
-            <a:endParaRPr lang="en-US" altLang="ko-KR" sz="2400" dirty="0">
+            <a:endParaRPr lang="ko-KR" altLang="en-US" sz="3500" b="1" dirty="0">
+              <a:solidFill>
+                <a:schemeClr val="bg1"/>
+              </a:solidFill>
+              <a:effectLst>
+                <a:glow rad="169199">
+                  <a:schemeClr val="accent1">
+                    <a:alpha val="40000"/>
+                  </a:schemeClr>
+                </a:glow>
+              </a:effectLst>
               <a:latin typeface="Gmarket Sans TTF Medium" panose="02000000000000000000" pitchFamily="2" charset="-128"/>
               <a:ea typeface="Gmarket Sans TTF Medium" panose="02000000000000000000" pitchFamily="2" charset="-128"/>
             </a:endParaRPr>
           </a:p>
-          <a:p>
-            <a:r>
-              <a:rPr lang="en-US" altLang="ko-KR" sz="2400" dirty="0">
-                <a:latin typeface="Gmarket Sans TTF Medium" panose="02000000000000000000" pitchFamily="2" charset="-128"/>
-                <a:ea typeface="Gmarket Sans TTF Medium" panose="02000000000000000000" pitchFamily="2" charset="-128"/>
-              </a:rPr>
-              <a:t>2022</a:t>
-            </a:r>
-          </a:p>
-          <a:p>
-            <a:endParaRPr lang="en-US" altLang="ko-KR" sz="2400" dirty="0">
-              <a:latin typeface="Gmarket Sans TTF Medium" panose="02000000000000000000" pitchFamily="2" charset="-128"/>
-              <a:ea typeface="Gmarket Sans TTF Medium" panose="02000000000000000000" pitchFamily="2" charset="-128"/>
-            </a:endParaRPr>
-          </a:p>
-          <a:p>
-            <a:endParaRPr lang="en-US" altLang="ko-KR" sz="2400" dirty="0">
-              <a:latin typeface="Gmarket Sans TTF Medium" panose="02000000000000000000" pitchFamily="2" charset="-128"/>
-              <a:ea typeface="Gmarket Sans TTF Medium" panose="02000000000000000000" pitchFamily="2" charset="-128"/>
-            </a:endParaRPr>
-          </a:p>
-          <a:p>
-            <a:r>
-              <a:rPr lang="en-US" altLang="ko-KR" sz="2400" dirty="0">
-                <a:latin typeface="Gmarket Sans TTF Medium" panose="02000000000000000000" pitchFamily="2" charset="-128"/>
-                <a:ea typeface="Gmarket Sans TTF Medium" panose="02000000000000000000" pitchFamily="2" charset="-128"/>
-              </a:rPr>
-              <a:t>Team (</a:t>
-            </a:r>
-            <a:r>
-              <a:rPr lang="ko-KR" altLang="en-US" sz="2400" b="1" dirty="0">
-                <a:latin typeface="Gmarket Sans TTF Medium" panose="02000000000000000000" pitchFamily="2" charset="-128"/>
-                <a:ea typeface="Gmarket Sans TTF Medium" panose="02000000000000000000" pitchFamily="2" charset="-128"/>
-              </a:rPr>
-              <a:t>마</a:t>
-            </a:r>
-            <a:r>
-              <a:rPr lang="en-US" altLang="ko-KR" sz="2400" b="1" dirty="0">
-                <a:latin typeface="Gmarket Sans TTF Medium" panose="02000000000000000000" pitchFamily="2" charset="-128"/>
-                <a:ea typeface="Gmarket Sans TTF Medium" panose="02000000000000000000" pitchFamily="2" charset="-128"/>
-              </a:rPr>
-              <a:t>)</a:t>
-            </a:r>
-            <a:endParaRPr lang="ko-KR" altLang="en-US" sz="2400" b="1" dirty="0">
-              <a:latin typeface="Gmarket Sans TTF Medium" panose="02000000000000000000" pitchFamily="2" charset="-128"/>
-              <a:ea typeface="Gmarket Sans TTF Medium" panose="02000000000000000000" pitchFamily="2" charset="-128"/>
-            </a:endParaRPr>
-          </a:p>
-        </p:txBody>
-      </p:sp>
-      <p:sp>
-        <p:nvSpPr>
-          <p:cNvPr id="6" name="TextBox 5">
-            <a:extLst>
-              <a:ext uri="{FF2B5EF4-FFF2-40B4-BE49-F238E27FC236}">
-                <a16:creationId xmlns:a16="http://schemas.microsoft.com/office/drawing/2014/main" id="{40EE85E9-5F80-4EBD-A1E0-8814BB1B0A67}"/>
-              </a:ext>
-            </a:extLst>
-          </p:cNvPr>
-          <p:cNvSpPr txBox="1"/>
+        </p:txBody>
+      </p:sp>
+      <p:grpSp>
+        <p:nvGrpSpPr>
+          <p:cNvPr id="18" name="그룹 17">
+            <a:extLst>
+              <a:ext uri="{FF2B5EF4-FFF2-40B4-BE49-F238E27FC236}">
+                <a16:creationId xmlns:a16="http://schemas.microsoft.com/office/drawing/2014/main" id="{BE49C057-C976-87E8-07D9-137B87DFFE8D}"/>
+              </a:ext>
+            </a:extLst>
+          </p:cNvPr>
+          <p:cNvGrpSpPr/>
           <p:nvPr/>
-        </p:nvSpPr>
-        <p:spPr>
+        </p:nvGrpSpPr>
+        <p:grpSpPr>
           <a:xfrm>
-            <a:off x="3377947" y="4603628"/>
-            <a:ext cx="5436104" cy="707886"/>
+            <a:off x="917551" y="1607390"/>
+            <a:ext cx="6221375" cy="673313"/>
+            <a:chOff x="917551" y="1607390"/>
+            <a:chExt cx="6221375" cy="673313"/>
           </a:xfrm>
-          <a:prstGeom prst="rect">
-            <a:avLst/>
-          </a:prstGeom>
-          <a:noFill/>
-        </p:spPr>
-        <p:txBody>
-          <a:bodyPr wrap="none" rtlCol="0">
-            <a:spAutoFit/>
-          </a:bodyPr>
-          <a:lstStyle/>
-          <a:p>
-            <a:r>
-              <a:rPr lang="en-US" altLang="ko-KR" sz="4000" b="1" dirty="0">
-                <a:latin typeface="Gmarket Sans TTF Medium" panose="02000000000000000000" pitchFamily="2" charset="-128"/>
-                <a:ea typeface="Gmarket Sans TTF Medium" panose="02000000000000000000" pitchFamily="2" charset="-128"/>
-              </a:rPr>
-              <a:t>NOW YOU SEE ME</a:t>
-            </a:r>
-            <a:endParaRPr lang="ko-KR" altLang="en-US" sz="4000" b="1" dirty="0">
-              <a:latin typeface="Gmarket Sans TTF Medium" panose="02000000000000000000" pitchFamily="2" charset="-128"/>
-              <a:ea typeface="Gmarket Sans TTF Medium" panose="02000000000000000000" pitchFamily="2" charset="-128"/>
-            </a:endParaRPr>
-          </a:p>
-        </p:txBody>
-      </p:sp>
+        </p:grpSpPr>
+        <p:sp>
+          <p:nvSpPr>
+            <p:cNvPr id="4" name="TextBox 3">
+              <a:extLst>
+                <a:ext uri="{FF2B5EF4-FFF2-40B4-BE49-F238E27FC236}">
+                  <a16:creationId xmlns:a16="http://schemas.microsoft.com/office/drawing/2014/main" id="{05176A7A-107A-FEDD-AEF2-5C0FC4D1467D}"/>
+                </a:ext>
+              </a:extLst>
+            </p:cNvPr>
+            <p:cNvSpPr txBox="1"/>
+            <p:nvPr/>
+          </p:nvSpPr>
+          <p:spPr>
+            <a:xfrm>
+              <a:off x="1039068" y="1659849"/>
+              <a:ext cx="6099858" cy="511807"/>
+            </a:xfrm>
+            <a:prstGeom prst="rect">
+              <a:avLst/>
+            </a:prstGeom>
+            <a:noFill/>
+            <a:effectLst>
+              <a:glow>
+                <a:schemeClr val="accent1">
+                  <a:alpha val="40000"/>
+                </a:schemeClr>
+              </a:glow>
+            </a:effectLst>
+          </p:spPr>
+          <p:txBody>
+            <a:bodyPr wrap="square">
+              <a:spAutoFit/>
+            </a:bodyPr>
+            <a:lstStyle/>
+            <a:p>
+              <a:pPr>
+                <a:lnSpc>
+                  <a:spcPct val="150000"/>
+                </a:lnSpc>
+              </a:pPr>
+              <a:r>
+                <a:rPr lang="en-US" altLang="ko-KR" sz="2400" b="1" spc="-150" dirty="0">
+                  <a:solidFill>
+                    <a:schemeClr val="bg1"/>
+                  </a:solidFill>
+                  <a:latin typeface="NOW YOU SEE ME" panose="02000000000000000000" pitchFamily="2" charset="0"/>
+                  <a:ea typeface="Gmarket Sans TTF Medium" panose="02000000000000000000" pitchFamily="2" charset="-128"/>
+                </a:rPr>
+                <a:t>NOW YOU </a:t>
+              </a:r>
+              <a:r>
+                <a:rPr lang="en-US" altLang="ko-KR" sz="2400" b="1" dirty="0">
+                  <a:solidFill>
+                    <a:schemeClr val="bg1"/>
+                  </a:solidFill>
+                  <a:latin typeface="NOW YOU SEE ME" panose="02000000000000000000" pitchFamily="2" charset="0"/>
+                  <a:ea typeface="Gmarket Sans TTF Medium" panose="02000000000000000000" pitchFamily="2" charset="-128"/>
+                </a:rPr>
+                <a:t>SEE ME</a:t>
+              </a:r>
+            </a:p>
+          </p:txBody>
+        </p:sp>
+        <p:cxnSp>
+          <p:nvCxnSpPr>
+            <p:cNvPr id="15" name="직선 연결선[R] 14">
+              <a:extLst>
+                <a:ext uri="{FF2B5EF4-FFF2-40B4-BE49-F238E27FC236}">
+                  <a16:creationId xmlns:a16="http://schemas.microsoft.com/office/drawing/2014/main" id="{607BCA96-E82D-626A-08D6-20B81ADEEA58}"/>
+                </a:ext>
+              </a:extLst>
+            </p:cNvPr>
+            <p:cNvCxnSpPr/>
+            <p:nvPr/>
+          </p:nvCxnSpPr>
+          <p:spPr>
+            <a:xfrm>
+              <a:off x="917551" y="1607390"/>
+              <a:ext cx="0" cy="673313"/>
+            </a:xfrm>
+            <a:prstGeom prst="line">
+              <a:avLst/>
+            </a:prstGeom>
+            <a:ln w="25400">
+              <a:solidFill>
+                <a:schemeClr val="bg1"/>
+              </a:solidFill>
+            </a:ln>
+            <a:effectLst>
+              <a:glow rad="89384">
+                <a:schemeClr val="accent1">
+                  <a:alpha val="40000"/>
+                </a:schemeClr>
+              </a:glow>
+            </a:effectLst>
+          </p:spPr>
+          <p:style>
+            <a:lnRef idx="1">
+              <a:schemeClr val="accent1"/>
+            </a:lnRef>
+            <a:fillRef idx="0">
+              <a:schemeClr val="accent1"/>
+            </a:fillRef>
+            <a:effectRef idx="0">
+              <a:schemeClr val="accent1"/>
+            </a:effectRef>
+            <a:fontRef idx="minor">
+              <a:schemeClr val="tx1"/>
+            </a:fontRef>
+          </p:style>
+        </p:cxnSp>
+        <p:cxnSp>
+          <p:nvCxnSpPr>
+            <p:cNvPr id="16" name="직선 연결선[R] 15">
+              <a:extLst>
+                <a:ext uri="{FF2B5EF4-FFF2-40B4-BE49-F238E27FC236}">
+                  <a16:creationId xmlns:a16="http://schemas.microsoft.com/office/drawing/2014/main" id="{40C9A3EF-158C-E795-8192-4D7D56FC8E8F}"/>
+                </a:ext>
+              </a:extLst>
+            </p:cNvPr>
+            <p:cNvCxnSpPr>
+              <a:cxnSpLocks/>
+            </p:cNvCxnSpPr>
+            <p:nvPr/>
+          </p:nvCxnSpPr>
+          <p:spPr>
+            <a:xfrm flipH="1">
+              <a:off x="917551" y="2280703"/>
+              <a:ext cx="2639841" cy="0"/>
+            </a:xfrm>
+            <a:prstGeom prst="line">
+              <a:avLst/>
+            </a:prstGeom>
+            <a:ln w="25400">
+              <a:solidFill>
+                <a:schemeClr val="bg1"/>
+              </a:solidFill>
+            </a:ln>
+            <a:effectLst>
+              <a:glow rad="89384">
+                <a:schemeClr val="accent1">
+                  <a:alpha val="40000"/>
+                </a:schemeClr>
+              </a:glow>
+            </a:effectLst>
+          </p:spPr>
+          <p:style>
+            <a:lnRef idx="1">
+              <a:schemeClr val="accent1"/>
+            </a:lnRef>
+            <a:fillRef idx="0">
+              <a:schemeClr val="accent1"/>
+            </a:fillRef>
+            <a:effectRef idx="0">
+              <a:schemeClr val="accent1"/>
+            </a:effectRef>
+            <a:fontRef idx="minor">
+              <a:schemeClr val="tx1"/>
+            </a:fontRef>
+          </p:style>
+        </p:cxnSp>
+      </p:grpSp>
+      <p:grpSp>
+        <p:nvGrpSpPr>
+          <p:cNvPr id="30" name="그룹 29">
+            <a:extLst>
+              <a:ext uri="{FF2B5EF4-FFF2-40B4-BE49-F238E27FC236}">
+                <a16:creationId xmlns:a16="http://schemas.microsoft.com/office/drawing/2014/main" id="{1F20DB1D-F9EF-3DE6-F2E9-928C820B3E08}"/>
+              </a:ext>
+            </a:extLst>
+          </p:cNvPr>
+          <p:cNvGrpSpPr/>
+          <p:nvPr/>
+        </p:nvGrpSpPr>
+        <p:grpSpPr>
+          <a:xfrm>
+            <a:off x="917550" y="2729747"/>
+            <a:ext cx="6704379" cy="673313"/>
+            <a:chOff x="917550" y="2729747"/>
+            <a:chExt cx="6704379" cy="673313"/>
+          </a:xfrm>
+        </p:grpSpPr>
+        <p:sp>
+          <p:nvSpPr>
+            <p:cNvPr id="7" name="TextBox 6">
+              <a:extLst>
+                <a:ext uri="{FF2B5EF4-FFF2-40B4-BE49-F238E27FC236}">
+                  <a16:creationId xmlns:a16="http://schemas.microsoft.com/office/drawing/2014/main" id="{B87AFFEE-D09B-C374-62AD-724452EFAF85}"/>
+                </a:ext>
+              </a:extLst>
+            </p:cNvPr>
+            <p:cNvSpPr txBox="1"/>
+            <p:nvPr/>
+          </p:nvSpPr>
+          <p:spPr>
+            <a:xfrm>
+              <a:off x="1522071" y="2770792"/>
+              <a:ext cx="6099858" cy="523220"/>
+            </a:xfrm>
+            <a:prstGeom prst="rect">
+              <a:avLst/>
+            </a:prstGeom>
+            <a:noFill/>
+          </p:spPr>
+          <p:txBody>
+            <a:bodyPr wrap="square">
+              <a:spAutoFit/>
+            </a:bodyPr>
+            <a:lstStyle/>
+            <a:p>
+              <a:r>
+                <a:rPr lang="en-US" altLang="ko-Kore-KR" sz="2800" dirty="0">
+                  <a:solidFill>
+                    <a:srgbClr val="FFFFFF"/>
+                  </a:solidFill>
+                  <a:effectLst/>
+                  <a:latin typeface="Lucida Console" panose="020B0609040504020204" pitchFamily="49" charset="0"/>
+                </a:rPr>
+                <a:t>Socket Programming</a:t>
+              </a:r>
+            </a:p>
+          </p:txBody>
+        </p:sp>
+        <p:pic>
+          <p:nvPicPr>
+            <p:cNvPr id="9" name="그래픽 8">
+              <a:extLst>
+                <a:ext uri="{FF2B5EF4-FFF2-40B4-BE49-F238E27FC236}">
+                  <a16:creationId xmlns:a16="http://schemas.microsoft.com/office/drawing/2014/main" id="{0DD90728-EF59-9AFA-50CC-50713F984581}"/>
+                </a:ext>
+              </a:extLst>
+            </p:cNvPr>
+            <p:cNvPicPr>
+              <a:picLocks noChangeAspect="1"/>
+            </p:cNvPicPr>
+            <p:nvPr/>
+          </p:nvPicPr>
+          <p:blipFill>
+            <a:blip r:embed="rId3">
+              <a:extLst>
+                <a:ext uri="{28A0092B-C50C-407E-A947-70E740481C1C}">
+                  <a14:useLocalDpi xmlns:a14="http://schemas.microsoft.com/office/drawing/2010/main" val="0"/>
+                </a:ext>
+                <a:ext uri="{96DAC541-7B7A-43D3-8B79-37D633B846F1}">
+                  <asvg:svgBlip xmlns:asvg="http://schemas.microsoft.com/office/drawing/2016/SVG/main" r:embed="rId4"/>
+                </a:ext>
+              </a:extLst>
+            </a:blip>
+            <a:stretch>
+              <a:fillRect/>
+            </a:stretch>
+          </p:blipFill>
+          <p:spPr>
+            <a:xfrm>
+              <a:off x="1125485" y="2840859"/>
+              <a:ext cx="307847" cy="410463"/>
+            </a:xfrm>
+            <a:prstGeom prst="rect">
+              <a:avLst/>
+            </a:prstGeom>
+          </p:spPr>
+        </p:pic>
+        <p:grpSp>
+          <p:nvGrpSpPr>
+            <p:cNvPr id="21" name="그룹 20">
+              <a:extLst>
+                <a:ext uri="{FF2B5EF4-FFF2-40B4-BE49-F238E27FC236}">
+                  <a16:creationId xmlns:a16="http://schemas.microsoft.com/office/drawing/2014/main" id="{EE2E3230-69A2-5023-BBB8-DE4D7B93A498}"/>
+                </a:ext>
+              </a:extLst>
+            </p:cNvPr>
+            <p:cNvGrpSpPr/>
+            <p:nvPr/>
+          </p:nvGrpSpPr>
+          <p:grpSpPr>
+            <a:xfrm>
+              <a:off x="917550" y="2729747"/>
+              <a:ext cx="2639841" cy="673313"/>
+              <a:chOff x="917550" y="2729747"/>
+              <a:chExt cx="2639841" cy="673313"/>
+            </a:xfrm>
+          </p:grpSpPr>
+          <p:cxnSp>
+            <p:nvCxnSpPr>
+              <p:cNvPr id="19" name="직선 연결선[R] 18">
+                <a:extLst>
+                  <a:ext uri="{FF2B5EF4-FFF2-40B4-BE49-F238E27FC236}">
+                    <a16:creationId xmlns:a16="http://schemas.microsoft.com/office/drawing/2014/main" id="{8FAB128D-3A68-2C6D-443B-DF362F1B04D2}"/>
+                  </a:ext>
+                </a:extLst>
+              </p:cNvPr>
+              <p:cNvCxnSpPr/>
+              <p:nvPr/>
+            </p:nvCxnSpPr>
+            <p:spPr>
+              <a:xfrm>
+                <a:off x="917550" y="2729747"/>
+                <a:ext cx="0" cy="673313"/>
+              </a:xfrm>
+              <a:prstGeom prst="line">
+                <a:avLst/>
+              </a:prstGeom>
+              <a:ln w="25400">
+                <a:solidFill>
+                  <a:schemeClr val="bg1"/>
+                </a:solidFill>
+              </a:ln>
+              <a:effectLst>
+                <a:glow rad="89384">
+                  <a:schemeClr val="accent1">
+                    <a:alpha val="40000"/>
+                  </a:schemeClr>
+                </a:glow>
+              </a:effectLst>
+            </p:spPr>
+            <p:style>
+              <a:lnRef idx="1">
+                <a:schemeClr val="accent1"/>
+              </a:lnRef>
+              <a:fillRef idx="0">
+                <a:schemeClr val="accent1"/>
+              </a:fillRef>
+              <a:effectRef idx="0">
+                <a:schemeClr val="accent1"/>
+              </a:effectRef>
+              <a:fontRef idx="minor">
+                <a:schemeClr val="tx1"/>
+              </a:fontRef>
+            </p:style>
+          </p:cxnSp>
+          <p:cxnSp>
+            <p:nvCxnSpPr>
+              <p:cNvPr id="20" name="직선 연결선[R] 19">
+                <a:extLst>
+                  <a:ext uri="{FF2B5EF4-FFF2-40B4-BE49-F238E27FC236}">
+                    <a16:creationId xmlns:a16="http://schemas.microsoft.com/office/drawing/2014/main" id="{EECA5731-4BDA-C5A0-1554-D3F288559BBC}"/>
+                  </a:ext>
+                </a:extLst>
+              </p:cNvPr>
+              <p:cNvCxnSpPr>
+                <a:cxnSpLocks/>
+              </p:cNvCxnSpPr>
+              <p:nvPr/>
+            </p:nvCxnSpPr>
+            <p:spPr>
+              <a:xfrm flipH="1">
+                <a:off x="917550" y="3403060"/>
+                <a:ext cx="2639841" cy="0"/>
+              </a:xfrm>
+              <a:prstGeom prst="line">
+                <a:avLst/>
+              </a:prstGeom>
+              <a:ln w="25400">
+                <a:solidFill>
+                  <a:schemeClr val="bg1"/>
+                </a:solidFill>
+              </a:ln>
+              <a:effectLst>
+                <a:glow rad="89384">
+                  <a:schemeClr val="accent1">
+                    <a:alpha val="40000"/>
+                  </a:schemeClr>
+                </a:glow>
+              </a:effectLst>
+            </p:spPr>
+            <p:style>
+              <a:lnRef idx="1">
+                <a:schemeClr val="accent1"/>
+              </a:lnRef>
+              <a:fillRef idx="0">
+                <a:schemeClr val="accent1"/>
+              </a:fillRef>
+              <a:effectRef idx="0">
+                <a:schemeClr val="accent1"/>
+              </a:effectRef>
+              <a:fontRef idx="minor">
+                <a:schemeClr val="tx1"/>
+              </a:fontRef>
+            </p:style>
+          </p:cxnSp>
+        </p:grpSp>
+      </p:grpSp>
+      <p:grpSp>
+        <p:nvGrpSpPr>
+          <p:cNvPr id="29" name="그룹 28">
+            <a:extLst>
+              <a:ext uri="{FF2B5EF4-FFF2-40B4-BE49-F238E27FC236}">
+                <a16:creationId xmlns:a16="http://schemas.microsoft.com/office/drawing/2014/main" id="{966D4ECE-E043-A87F-6AE0-B369E8C6FEBE}"/>
+              </a:ext>
+            </a:extLst>
+          </p:cNvPr>
+          <p:cNvGrpSpPr/>
+          <p:nvPr/>
+        </p:nvGrpSpPr>
+        <p:grpSpPr>
+          <a:xfrm>
+            <a:off x="917549" y="3852103"/>
+            <a:ext cx="6704380" cy="673313"/>
+            <a:chOff x="917549" y="3852103"/>
+            <a:chExt cx="6704380" cy="673313"/>
+          </a:xfrm>
+        </p:grpSpPr>
+        <p:pic>
+          <p:nvPicPr>
+            <p:cNvPr id="11" name="그래픽 10">
+              <a:extLst>
+                <a:ext uri="{FF2B5EF4-FFF2-40B4-BE49-F238E27FC236}">
+                  <a16:creationId xmlns:a16="http://schemas.microsoft.com/office/drawing/2014/main" id="{1761F610-89B3-D01E-4E57-20956C1E23E5}"/>
+                </a:ext>
+              </a:extLst>
+            </p:cNvPr>
+            <p:cNvPicPr>
+              <a:picLocks noChangeAspect="1"/>
+            </p:cNvPicPr>
+            <p:nvPr/>
+          </p:nvPicPr>
+          <p:blipFill>
+            <a:blip r:embed="rId5">
+              <a:extLst>
+                <a:ext uri="{28A0092B-C50C-407E-A947-70E740481C1C}">
+                  <a14:useLocalDpi xmlns:a14="http://schemas.microsoft.com/office/drawing/2010/main" val="0"/>
+                </a:ext>
+                <a:ext uri="{96DAC541-7B7A-43D3-8B79-37D633B846F1}">
+                  <asvg:svgBlip xmlns:asvg="http://schemas.microsoft.com/office/drawing/2016/SVG/main" r:embed="rId6"/>
+                </a:ext>
+              </a:extLst>
+            </a:blip>
+            <a:stretch>
+              <a:fillRect/>
+            </a:stretch>
+          </p:blipFill>
+          <p:spPr>
+            <a:xfrm>
+              <a:off x="1080772" y="3970751"/>
+              <a:ext cx="352560" cy="402926"/>
+            </a:xfrm>
+            <a:prstGeom prst="rect">
+              <a:avLst/>
+            </a:prstGeom>
+          </p:spPr>
+        </p:pic>
+        <p:sp>
+          <p:nvSpPr>
+            <p:cNvPr id="12" name="TextBox 11">
+              <a:extLst>
+                <a:ext uri="{FF2B5EF4-FFF2-40B4-BE49-F238E27FC236}">
+                  <a16:creationId xmlns:a16="http://schemas.microsoft.com/office/drawing/2014/main" id="{2124DA76-7590-425E-CE0E-47B1086D5FDB}"/>
+                </a:ext>
+              </a:extLst>
+            </p:cNvPr>
+            <p:cNvSpPr txBox="1"/>
+            <p:nvPr/>
+          </p:nvSpPr>
+          <p:spPr>
+            <a:xfrm>
+              <a:off x="1522071" y="3897452"/>
+              <a:ext cx="6099858" cy="523220"/>
+            </a:xfrm>
+            <a:prstGeom prst="rect">
+              <a:avLst/>
+            </a:prstGeom>
+            <a:noFill/>
+          </p:spPr>
+          <p:txBody>
+            <a:bodyPr wrap="square">
+              <a:spAutoFit/>
+            </a:bodyPr>
+            <a:lstStyle/>
+            <a:p>
+              <a:r>
+                <a:rPr lang="en-US" altLang="ko-Kore-KR" sz="2800" dirty="0">
+                  <a:solidFill>
+                    <a:srgbClr val="FFFFFF"/>
+                  </a:solidFill>
+                  <a:effectLst/>
+                  <a:latin typeface="Times New Roman" panose="02020603050405020304" pitchFamily="18" charset="0"/>
+                  <a:cs typeface="Times New Roman" panose="02020603050405020304" pitchFamily="18" charset="0"/>
+                </a:rPr>
+                <a:t>Subject</a:t>
+              </a:r>
+            </a:p>
+          </p:txBody>
+        </p:sp>
+        <p:grpSp>
+          <p:nvGrpSpPr>
+            <p:cNvPr id="22" name="그룹 21">
+              <a:extLst>
+                <a:ext uri="{FF2B5EF4-FFF2-40B4-BE49-F238E27FC236}">
+                  <a16:creationId xmlns:a16="http://schemas.microsoft.com/office/drawing/2014/main" id="{10C270A4-2ED8-C532-F81F-E7E4BBB1E548}"/>
+                </a:ext>
+              </a:extLst>
+            </p:cNvPr>
+            <p:cNvGrpSpPr/>
+            <p:nvPr/>
+          </p:nvGrpSpPr>
+          <p:grpSpPr>
+            <a:xfrm>
+              <a:off x="917549" y="3852103"/>
+              <a:ext cx="2639841" cy="673313"/>
+              <a:chOff x="917550" y="2729747"/>
+              <a:chExt cx="2639841" cy="673313"/>
+            </a:xfrm>
+          </p:grpSpPr>
+          <p:cxnSp>
+            <p:nvCxnSpPr>
+              <p:cNvPr id="23" name="직선 연결선[R] 22">
+                <a:extLst>
+                  <a:ext uri="{FF2B5EF4-FFF2-40B4-BE49-F238E27FC236}">
+                    <a16:creationId xmlns:a16="http://schemas.microsoft.com/office/drawing/2014/main" id="{D3BDDF40-2498-12ED-C2AB-B815779A2EB3}"/>
+                  </a:ext>
+                </a:extLst>
+              </p:cNvPr>
+              <p:cNvCxnSpPr/>
+              <p:nvPr/>
+            </p:nvCxnSpPr>
+            <p:spPr>
+              <a:xfrm>
+                <a:off x="917550" y="2729747"/>
+                <a:ext cx="0" cy="673313"/>
+              </a:xfrm>
+              <a:prstGeom prst="line">
+                <a:avLst/>
+              </a:prstGeom>
+              <a:ln w="25400">
+                <a:solidFill>
+                  <a:schemeClr val="bg1"/>
+                </a:solidFill>
+              </a:ln>
+              <a:effectLst>
+                <a:glow rad="89384">
+                  <a:schemeClr val="accent1">
+                    <a:alpha val="40000"/>
+                  </a:schemeClr>
+                </a:glow>
+              </a:effectLst>
+            </p:spPr>
+            <p:style>
+              <a:lnRef idx="1">
+                <a:schemeClr val="accent1"/>
+              </a:lnRef>
+              <a:fillRef idx="0">
+                <a:schemeClr val="accent1"/>
+              </a:fillRef>
+              <a:effectRef idx="0">
+                <a:schemeClr val="accent1"/>
+              </a:effectRef>
+              <a:fontRef idx="minor">
+                <a:schemeClr val="tx1"/>
+              </a:fontRef>
+            </p:style>
+          </p:cxnSp>
+          <p:cxnSp>
+            <p:nvCxnSpPr>
+              <p:cNvPr id="24" name="직선 연결선[R] 23">
+                <a:extLst>
+                  <a:ext uri="{FF2B5EF4-FFF2-40B4-BE49-F238E27FC236}">
+                    <a16:creationId xmlns:a16="http://schemas.microsoft.com/office/drawing/2014/main" id="{7135A4C7-4503-EE8D-5BE4-4D120918A391}"/>
+                  </a:ext>
+                </a:extLst>
+              </p:cNvPr>
+              <p:cNvCxnSpPr>
+                <a:cxnSpLocks/>
+              </p:cNvCxnSpPr>
+              <p:nvPr/>
+            </p:nvCxnSpPr>
+            <p:spPr>
+              <a:xfrm flipH="1">
+                <a:off x="917550" y="3403060"/>
+                <a:ext cx="2639841" cy="0"/>
+              </a:xfrm>
+              <a:prstGeom prst="line">
+                <a:avLst/>
+              </a:prstGeom>
+              <a:ln w="25400">
+                <a:solidFill>
+                  <a:schemeClr val="bg1"/>
+                </a:solidFill>
+              </a:ln>
+              <a:effectLst>
+                <a:glow rad="89384">
+                  <a:schemeClr val="accent1">
+                    <a:alpha val="40000"/>
+                  </a:schemeClr>
+                </a:glow>
+              </a:effectLst>
+            </p:spPr>
+            <p:style>
+              <a:lnRef idx="1">
+                <a:schemeClr val="accent1"/>
+              </a:lnRef>
+              <a:fillRef idx="0">
+                <a:schemeClr val="accent1"/>
+              </a:fillRef>
+              <a:effectRef idx="0">
+                <a:schemeClr val="accent1"/>
+              </a:effectRef>
+              <a:fontRef idx="minor">
+                <a:schemeClr val="tx1"/>
+              </a:fontRef>
+            </p:style>
+          </p:cxnSp>
+        </p:grpSp>
+      </p:grpSp>
+      <p:grpSp>
+        <p:nvGrpSpPr>
+          <p:cNvPr id="28" name="그룹 27">
+            <a:extLst>
+              <a:ext uri="{FF2B5EF4-FFF2-40B4-BE49-F238E27FC236}">
+                <a16:creationId xmlns:a16="http://schemas.microsoft.com/office/drawing/2014/main" id="{063B2AC0-D268-541B-B2E1-9312EDAEC1DD}"/>
+              </a:ext>
+            </a:extLst>
+          </p:cNvPr>
+          <p:cNvGrpSpPr/>
+          <p:nvPr/>
+        </p:nvGrpSpPr>
+        <p:grpSpPr>
+          <a:xfrm>
+            <a:off x="917548" y="4974458"/>
+            <a:ext cx="6145950" cy="673313"/>
+            <a:chOff x="917548" y="4974458"/>
+            <a:chExt cx="6145950" cy="673313"/>
+          </a:xfrm>
+        </p:grpSpPr>
+        <p:sp>
+          <p:nvSpPr>
+            <p:cNvPr id="13" name="TextBox 12">
+              <a:extLst>
+                <a:ext uri="{FF2B5EF4-FFF2-40B4-BE49-F238E27FC236}">
+                  <a16:creationId xmlns:a16="http://schemas.microsoft.com/office/drawing/2014/main" id="{EFE3F02F-AD76-26A8-66F2-9DF2831696A5}"/>
+                </a:ext>
+              </a:extLst>
+            </p:cNvPr>
+            <p:cNvSpPr txBox="1"/>
+            <p:nvPr/>
+          </p:nvSpPr>
+          <p:spPr>
+            <a:xfrm>
+              <a:off x="963640" y="5080281"/>
+              <a:ext cx="6099858" cy="461665"/>
+            </a:xfrm>
+            <a:prstGeom prst="rect">
+              <a:avLst/>
+            </a:prstGeom>
+            <a:noFill/>
+          </p:spPr>
+          <p:txBody>
+            <a:bodyPr wrap="square">
+              <a:spAutoFit/>
+            </a:bodyPr>
+            <a:lstStyle/>
+            <a:p>
+              <a:r>
+                <a:rPr lang="en-US" altLang="ko-Kore-KR" sz="2400" dirty="0">
+                  <a:solidFill>
+                    <a:srgbClr val="FFFFFF"/>
+                  </a:solidFill>
+                  <a:effectLst/>
+                  <a:latin typeface="Gmarket Sans TTF Medium" panose="02000000000000000000" pitchFamily="2" charset="-128"/>
+                  <a:ea typeface="Gmarket Sans TTF Medium" panose="02000000000000000000" pitchFamily="2" charset="-128"/>
+                  <a:cs typeface="Times New Roman" panose="02020603050405020304" pitchFamily="18" charset="0"/>
+                </a:rPr>
+                <a:t>Q&amp;A</a:t>
+              </a:r>
+            </a:p>
+          </p:txBody>
+        </p:sp>
+        <p:grpSp>
+          <p:nvGrpSpPr>
+            <p:cNvPr id="25" name="그룹 24">
+              <a:extLst>
+                <a:ext uri="{FF2B5EF4-FFF2-40B4-BE49-F238E27FC236}">
+                  <a16:creationId xmlns:a16="http://schemas.microsoft.com/office/drawing/2014/main" id="{4F866362-684C-EF9D-D867-7F60C9856092}"/>
+                </a:ext>
+              </a:extLst>
+            </p:cNvPr>
+            <p:cNvGrpSpPr/>
+            <p:nvPr/>
+          </p:nvGrpSpPr>
+          <p:grpSpPr>
+            <a:xfrm>
+              <a:off x="917548" y="4974458"/>
+              <a:ext cx="2639841" cy="673313"/>
+              <a:chOff x="917550" y="2729747"/>
+              <a:chExt cx="2639841" cy="673313"/>
+            </a:xfrm>
+          </p:grpSpPr>
+          <p:cxnSp>
+            <p:nvCxnSpPr>
+              <p:cNvPr id="26" name="직선 연결선[R] 25">
+                <a:extLst>
+                  <a:ext uri="{FF2B5EF4-FFF2-40B4-BE49-F238E27FC236}">
+                    <a16:creationId xmlns:a16="http://schemas.microsoft.com/office/drawing/2014/main" id="{8A274094-9FE2-9AD0-F6DB-B0E268363347}"/>
+                  </a:ext>
+                </a:extLst>
+              </p:cNvPr>
+              <p:cNvCxnSpPr/>
+              <p:nvPr/>
+            </p:nvCxnSpPr>
+            <p:spPr>
+              <a:xfrm>
+                <a:off x="917550" y="2729747"/>
+                <a:ext cx="0" cy="673313"/>
+              </a:xfrm>
+              <a:prstGeom prst="line">
+                <a:avLst/>
+              </a:prstGeom>
+              <a:ln w="25400">
+                <a:solidFill>
+                  <a:schemeClr val="bg1"/>
+                </a:solidFill>
+              </a:ln>
+              <a:effectLst>
+                <a:glow rad="89384">
+                  <a:schemeClr val="accent1">
+                    <a:alpha val="40000"/>
+                  </a:schemeClr>
+                </a:glow>
+              </a:effectLst>
+            </p:spPr>
+            <p:style>
+              <a:lnRef idx="1">
+                <a:schemeClr val="accent1"/>
+              </a:lnRef>
+              <a:fillRef idx="0">
+                <a:schemeClr val="accent1"/>
+              </a:fillRef>
+              <a:effectRef idx="0">
+                <a:schemeClr val="accent1"/>
+              </a:effectRef>
+              <a:fontRef idx="minor">
+                <a:schemeClr val="tx1"/>
+              </a:fontRef>
+            </p:style>
+          </p:cxnSp>
+          <p:cxnSp>
+            <p:nvCxnSpPr>
+              <p:cNvPr id="27" name="직선 연결선[R] 26">
+                <a:extLst>
+                  <a:ext uri="{FF2B5EF4-FFF2-40B4-BE49-F238E27FC236}">
+                    <a16:creationId xmlns:a16="http://schemas.microsoft.com/office/drawing/2014/main" id="{54025AB8-86CA-26F8-21FF-DE264E83C1DD}"/>
+                  </a:ext>
+                </a:extLst>
+              </p:cNvPr>
+              <p:cNvCxnSpPr>
+                <a:cxnSpLocks/>
+              </p:cNvCxnSpPr>
+              <p:nvPr/>
+            </p:nvCxnSpPr>
+            <p:spPr>
+              <a:xfrm flipH="1">
+                <a:off x="917550" y="3403060"/>
+                <a:ext cx="2639841" cy="0"/>
+              </a:xfrm>
+              <a:prstGeom prst="line">
+                <a:avLst/>
+              </a:prstGeom>
+              <a:ln w="25400">
+                <a:solidFill>
+                  <a:schemeClr val="bg1"/>
+                </a:solidFill>
+              </a:ln>
+              <a:effectLst>
+                <a:glow rad="89384">
+                  <a:schemeClr val="accent1">
+                    <a:alpha val="40000"/>
+                  </a:schemeClr>
+                </a:glow>
+              </a:effectLst>
+            </p:spPr>
+            <p:style>
+              <a:lnRef idx="1">
+                <a:schemeClr val="accent1"/>
+              </a:lnRef>
+              <a:fillRef idx="0">
+                <a:schemeClr val="accent1"/>
+              </a:fillRef>
+              <a:effectRef idx="0">
+                <a:schemeClr val="accent1"/>
+              </a:effectRef>
+              <a:fontRef idx="minor">
+                <a:schemeClr val="tx1"/>
+              </a:fontRef>
+            </p:style>
+          </p:cxnSp>
+        </p:grpSp>
+      </p:grpSp>
     </p:spTree>
     <p:extLst>
       <p:ext uri="{BB962C8B-B14F-4D97-AF65-F5344CB8AC3E}">
-        <p14:creationId xmlns:p14="http://schemas.microsoft.com/office/powerpoint/2010/main" val="2231446488"/>
+        <p14:creationId xmlns:p14="http://schemas.microsoft.com/office/powerpoint/2010/main" val="2067340170"/>
       </p:ext>
     </p:extLst>
   </p:cSld>
   <p:clrMapOvr>
     <a:masterClrMapping/>
   </p:clrMapOvr>
-  <mc:AlternateContent xmlns:mc="http://schemas.openxmlformats.org/markup-compatibility/2006">
-    <mc:Choice xmlns:p14="http://schemas.microsoft.com/office/powerpoint/2010/main" Requires="p14">
-      <p:transition spd="med" p14:dur="700">
-        <p:fade/>
+  <mc:AlternateContent xmlns:mc="http://schemas.openxmlformats.org/markup-compatibility/2006" xmlns:p14="http://schemas.microsoft.com/office/powerpoint/2010/main">
+    <mc:Choice Requires="p14">
+      <p:transition spd="slow" p14:dur="1500">
+        <p:wipe/>
       </p:transition>
     </mc:Choice>
-    <mc:Fallback>
-      <p:transition spd="med">
-        <p:fade/>
+    <mc:Fallback xmlns="">
+      <p:transition spd="slow">
+        <p:wipe/>
       </p:transition>
     </mc:Fallback>
   </mc:AlternateContent>
+  <p:timing>
+    <p:tnLst>
+      <p:par>
+        <p:cTn id="1" dur="indefinite" restart="never" nodeType="tmRoot">
+          <p:childTnLst>
+            <p:seq concurrent="1" nextAc="seek">
+              <p:cTn id="2" dur="indefinite" nodeType="mainSeq">
+                <p:childTnLst>
+                  <p:par>
+                    <p:cTn id="3" fill="hold">
+                      <p:stCondLst>
+                        <p:cond delay="indefinite"/>
+                      </p:stCondLst>
+                      <p:childTnLst>
+                        <p:par>
+                          <p:cTn id="4" fill="hold">
+                            <p:stCondLst>
+                              <p:cond delay="0"/>
+                            </p:stCondLst>
+                            <p:childTnLst>
+                              <p:par>
+                                <p:cTn id="5" presetID="10" presetClass="entr" presetSubtype="0" fill="hold" nodeType="clickEffect">
+                                  <p:stCondLst>
+                                    <p:cond delay="0"/>
+                                  </p:stCondLst>
+                                  <p:childTnLst>
+                                    <p:set>
+                                      <p:cBhvr>
+                                        <p:cTn id="6" dur="1" fill="hold">
+                                          <p:stCondLst>
+                                            <p:cond delay="0"/>
+                                          </p:stCondLst>
+                                        </p:cTn>
+                                        <p:tgtEl>
+                                          <p:spTgt spid="18"/>
+                                        </p:tgtEl>
+                                        <p:attrNameLst>
+                                          <p:attrName>style.visibility</p:attrName>
+                                        </p:attrNameLst>
+                                      </p:cBhvr>
+                                      <p:to>
+                                        <p:strVal val="visible"/>
+                                      </p:to>
+                                    </p:set>
+                                    <p:animEffect transition="in" filter="fade">
+                                      <p:cBhvr>
+                                        <p:cTn id="7" dur="500"/>
+                                        <p:tgtEl>
+                                          <p:spTgt spid="18"/>
+                                        </p:tgtEl>
+                                      </p:cBhvr>
+                                    </p:animEffect>
+                                  </p:childTnLst>
+                                </p:cTn>
+                              </p:par>
+                              <p:par>
+                                <p:cTn id="8" presetID="10" presetClass="entr" presetSubtype="0" fill="hold" nodeType="withEffect">
+                                  <p:stCondLst>
+                                    <p:cond delay="0"/>
+                                  </p:stCondLst>
+                                  <p:childTnLst>
+                                    <p:set>
+                                      <p:cBhvr>
+                                        <p:cTn id="9" dur="1" fill="hold">
+                                          <p:stCondLst>
+                                            <p:cond delay="0"/>
+                                          </p:stCondLst>
+                                        </p:cTn>
+                                        <p:tgtEl>
+                                          <p:spTgt spid="30"/>
+                                        </p:tgtEl>
+                                        <p:attrNameLst>
+                                          <p:attrName>style.visibility</p:attrName>
+                                        </p:attrNameLst>
+                                      </p:cBhvr>
+                                      <p:to>
+                                        <p:strVal val="visible"/>
+                                      </p:to>
+                                    </p:set>
+                                    <p:animEffect transition="in" filter="fade">
+                                      <p:cBhvr>
+                                        <p:cTn id="10" dur="500"/>
+                                        <p:tgtEl>
+                                          <p:spTgt spid="30"/>
+                                        </p:tgtEl>
+                                      </p:cBhvr>
+                                    </p:animEffect>
+                                  </p:childTnLst>
+                                </p:cTn>
+                              </p:par>
+                              <p:par>
+                                <p:cTn id="11" presetID="10" presetClass="entr" presetSubtype="0" fill="hold" nodeType="withEffect">
+                                  <p:stCondLst>
+                                    <p:cond delay="0"/>
+                                  </p:stCondLst>
+                                  <p:childTnLst>
+                                    <p:set>
+                                      <p:cBhvr>
+                                        <p:cTn id="12" dur="1" fill="hold">
+                                          <p:stCondLst>
+                                            <p:cond delay="0"/>
+                                          </p:stCondLst>
+                                        </p:cTn>
+                                        <p:tgtEl>
+                                          <p:spTgt spid="29"/>
+                                        </p:tgtEl>
+                                        <p:attrNameLst>
+                                          <p:attrName>style.visibility</p:attrName>
+                                        </p:attrNameLst>
+                                      </p:cBhvr>
+                                      <p:to>
+                                        <p:strVal val="visible"/>
+                                      </p:to>
+                                    </p:set>
+                                    <p:animEffect transition="in" filter="fade">
+                                      <p:cBhvr>
+                                        <p:cTn id="13" dur="500"/>
+                                        <p:tgtEl>
+                                          <p:spTgt spid="29"/>
+                                        </p:tgtEl>
+                                      </p:cBhvr>
+                                    </p:animEffect>
+                                  </p:childTnLst>
+                                </p:cTn>
+                              </p:par>
+                              <p:par>
+                                <p:cTn id="14" presetID="10" presetClass="entr" presetSubtype="0" fill="hold" nodeType="withEffect">
+                                  <p:stCondLst>
+                                    <p:cond delay="0"/>
+                                  </p:stCondLst>
+                                  <p:childTnLst>
+                                    <p:set>
+                                      <p:cBhvr>
+                                        <p:cTn id="15" dur="1" fill="hold">
+                                          <p:stCondLst>
+                                            <p:cond delay="0"/>
+                                          </p:stCondLst>
+                                        </p:cTn>
+                                        <p:tgtEl>
+                                          <p:spTgt spid="28"/>
+                                        </p:tgtEl>
+                                        <p:attrNameLst>
+                                          <p:attrName>style.visibility</p:attrName>
+                                        </p:attrNameLst>
+                                      </p:cBhvr>
+                                      <p:to>
+                                        <p:strVal val="visible"/>
+                                      </p:to>
+                                    </p:set>
+                                    <p:animEffect transition="in" filter="fade">
+                                      <p:cBhvr>
+                                        <p:cTn id="16" dur="500"/>
+                                        <p:tgtEl>
+                                          <p:spTgt spid="28"/>
+                                        </p:tgtEl>
+                                      </p:cBhvr>
+                                    </p:animEffect>
+                                  </p:childTnLst>
+                                </p:cTn>
+                              </p:par>
+                            </p:childTnLst>
+                          </p:cTn>
+                        </p:par>
+                      </p:childTnLst>
+                    </p:cTn>
+                  </p:par>
+                </p:childTnLst>
+              </p:cTn>
+              <p:prevCondLst>
+                <p:cond evt="onPrev" delay="0">
+                  <p:tgtEl>
+                    <p:sldTgt/>
+                  </p:tgtEl>
+                </p:cond>
+              </p:prevCondLst>
+              <p:nextCondLst>
+                <p:cond evt="onNext" delay="0">
+                  <p:tgtEl>
+                    <p:sldTgt/>
+                  </p:tgtEl>
+                </p:cond>
+              </p:nextCondLst>
+            </p:seq>
+          </p:childTnLst>
+        </p:cTn>
+      </p:par>
+    </p:tnLst>
+  </p:timing>
 </p:sld>
 </file>
 
@@ -4645,11 +5618,11 @@
     <p:bg>
       <p:bgPr>
         <a:blipFill dpi="0" rotWithShape="1">
-          <a:blip r:embed="rId2">
-            <a:lum/>
-          </a:blip>
+          <a:blip r:embed="rId2"/>
           <a:srcRect/>
-          <a:tile tx="0" ty="0" sx="100000" sy="100000" flip="none" algn="tl"/>
+          <a:stretch>
+            <a:fillRect t="-12000" b="-12000"/>
+          </a:stretch>
         </a:blipFill>
         <a:effectLst/>
       </p:bgPr>
@@ -4670,76 +5643,20 @@
       </p:grpSpPr>
       <p:sp>
         <p:nvSpPr>
-          <p:cNvPr id="2" name="직사각형 1">
-            <a:extLst>
-              <a:ext uri="{FF2B5EF4-FFF2-40B4-BE49-F238E27FC236}">
-                <a16:creationId xmlns:a16="http://schemas.microsoft.com/office/drawing/2014/main" id="{BED3A749-011D-44E4-B820-4EC9DCB989F9}"/>
-              </a:ext>
-            </a:extLst>
-          </p:cNvPr>
-          <p:cNvSpPr/>
+          <p:cNvPr id="6" name="TextBox 5">
+            <a:extLst>
+              <a:ext uri="{FF2B5EF4-FFF2-40B4-BE49-F238E27FC236}">
+                <a16:creationId xmlns:a16="http://schemas.microsoft.com/office/drawing/2014/main" id="{40EE85E9-5F80-4EBD-A1E0-8814BB1B0A67}"/>
+              </a:ext>
+            </a:extLst>
+          </p:cNvPr>
+          <p:cNvSpPr txBox="1"/>
           <p:nvPr/>
         </p:nvSpPr>
         <p:spPr>
           <a:xfrm>
-            <a:off x="4740170" y="1576432"/>
-            <a:ext cx="2711659" cy="2711659"/>
-          </a:xfrm>
-          <a:prstGeom prst="rect">
-            <a:avLst/>
-          </a:prstGeom>
-          <a:noFill/>
-          <a:ln w="165100">
-            <a:solidFill>
-              <a:schemeClr val="tx1"/>
-            </a:solidFill>
-          </a:ln>
-        </p:spPr>
-        <p:style>
-          <a:lnRef idx="2">
-            <a:schemeClr val="accent1">
-              <a:shade val="50000"/>
-            </a:schemeClr>
-          </a:lnRef>
-          <a:fillRef idx="1">
-            <a:schemeClr val="accent1"/>
-          </a:fillRef>
-          <a:effectRef idx="0">
-            <a:schemeClr val="accent1"/>
-          </a:effectRef>
-          <a:fontRef idx="minor">
-            <a:schemeClr val="lt1"/>
-          </a:fontRef>
-        </p:style>
-        <p:txBody>
-          <a:bodyPr rtlCol="0" anchor="ctr"/>
-          <a:lstStyle/>
-          <a:p>
-            <a:pPr algn="ctr"/>
-            <a:endParaRPr lang="ko-KR" altLang="en-US" sz="1400" dirty="0">
-              <a:solidFill>
-                <a:schemeClr val="tx1"/>
-              </a:solidFill>
-            </a:endParaRPr>
-          </a:p>
-        </p:txBody>
-      </p:sp>
-      <p:sp>
-        <p:nvSpPr>
-          <p:cNvPr id="5" name="TextBox 4">
-            <a:extLst>
-              <a:ext uri="{FF2B5EF4-FFF2-40B4-BE49-F238E27FC236}">
-                <a16:creationId xmlns:a16="http://schemas.microsoft.com/office/drawing/2014/main" id="{E9519219-5072-4D1E-B259-B7E71A00C0A6}"/>
-              </a:ext>
-            </a:extLst>
-          </p:cNvPr>
-          <p:cNvSpPr txBox="1"/>
-          <p:nvPr/>
-        </p:nvSpPr>
-        <p:spPr>
-          <a:xfrm>
-            <a:off x="5019993" y="1862022"/>
-            <a:ext cx="2258952" cy="2308324"/>
+            <a:off x="2698275" y="3113529"/>
+            <a:ext cx="6795450" cy="630942"/>
           </a:xfrm>
           <a:prstGeom prst="rect">
             <a:avLst/>
@@ -4752,141 +5669,567 @@
           </a:bodyPr>
           <a:lstStyle/>
           <a:p>
+            <a:pPr algn="ctr"/>
             <a:r>
-              <a:rPr lang="en-US" altLang="ko-KR" sz="2400" b="1" dirty="0">
+              <a:rPr lang="en-US" altLang="ko-KR" sz="3500" dirty="0">
+                <a:solidFill>
+                  <a:schemeClr val="bg1"/>
+                </a:solidFill>
                 <a:latin typeface="Gmarket Sans TTF Medium" panose="02000000000000000000" pitchFamily="2" charset="-128"/>
                 <a:ea typeface="Gmarket Sans TTF Medium" panose="02000000000000000000" pitchFamily="2" charset="-128"/>
               </a:rPr>
-              <a:t>Do the Dash</a:t>
+              <a:t>What is </a:t>
             </a:r>
-          </a:p>
-          <a:p>
             <a:r>
-              <a:rPr lang="en-US" altLang="ko-KR" sz="2400" dirty="0" err="1">
+              <a:rPr lang="en-US" altLang="ko-KR" sz="3500" b="1" dirty="0">
+                <a:solidFill>
+                  <a:schemeClr val="bg1"/>
+                </a:solidFill>
                 <a:latin typeface="Gmarket Sans TTF Medium" panose="02000000000000000000" pitchFamily="2" charset="-128"/>
                 <a:ea typeface="Gmarket Sans TTF Medium" panose="02000000000000000000" pitchFamily="2" charset="-128"/>
               </a:rPr>
-              <a:t>Eduthon</a:t>
+              <a:t>“Now you see me”</a:t>
             </a:r>
-            <a:endParaRPr lang="en-US" altLang="ko-KR" sz="2400" dirty="0">
+            <a:r>
+              <a:rPr lang="en-US" altLang="ko-KR" sz="3500" dirty="0">
+                <a:solidFill>
+                  <a:schemeClr val="bg1"/>
+                </a:solidFill>
+                <a:latin typeface="Gmarket Sans TTF Medium" panose="02000000000000000000" pitchFamily="2" charset="-128"/>
+                <a:ea typeface="Gmarket Sans TTF Medium" panose="02000000000000000000" pitchFamily="2" charset="-128"/>
+              </a:rPr>
+              <a:t>?</a:t>
+            </a:r>
+            <a:endParaRPr lang="ko-KR" altLang="en-US" sz="3500" dirty="0">
+              <a:solidFill>
+                <a:schemeClr val="bg1"/>
+              </a:solidFill>
               <a:latin typeface="Gmarket Sans TTF Medium" panose="02000000000000000000" pitchFamily="2" charset="-128"/>
               <a:ea typeface="Gmarket Sans TTF Medium" panose="02000000000000000000" pitchFamily="2" charset="-128"/>
             </a:endParaRPr>
           </a:p>
-          <a:p>
-            <a:r>
-              <a:rPr lang="en-US" altLang="ko-KR" sz="2400" dirty="0">
-                <a:latin typeface="Gmarket Sans TTF Medium" panose="02000000000000000000" pitchFamily="2" charset="-128"/>
-                <a:ea typeface="Gmarket Sans TTF Medium" panose="02000000000000000000" pitchFamily="2" charset="-128"/>
-              </a:rPr>
-              <a:t>2022</a:t>
-            </a:r>
-          </a:p>
-          <a:p>
-            <a:endParaRPr lang="en-US" altLang="ko-KR" sz="2400" dirty="0">
-              <a:latin typeface="Gmarket Sans TTF Medium" panose="02000000000000000000" pitchFamily="2" charset="-128"/>
-              <a:ea typeface="Gmarket Sans TTF Medium" panose="02000000000000000000" pitchFamily="2" charset="-128"/>
-            </a:endParaRPr>
-          </a:p>
-          <a:p>
-            <a:endParaRPr lang="en-US" altLang="ko-KR" sz="2400" dirty="0">
-              <a:latin typeface="Gmarket Sans TTF Medium" panose="02000000000000000000" pitchFamily="2" charset="-128"/>
-              <a:ea typeface="Gmarket Sans TTF Medium" panose="02000000000000000000" pitchFamily="2" charset="-128"/>
-            </a:endParaRPr>
-          </a:p>
-          <a:p>
-            <a:r>
-              <a:rPr lang="en-US" altLang="ko-KR" sz="2400" dirty="0">
-                <a:latin typeface="Gmarket Sans TTF Medium" panose="02000000000000000000" pitchFamily="2" charset="-128"/>
-                <a:ea typeface="Gmarket Sans TTF Medium" panose="02000000000000000000" pitchFamily="2" charset="-128"/>
-              </a:rPr>
-              <a:t>Team (</a:t>
-            </a:r>
-            <a:r>
-              <a:rPr lang="ko-KR" altLang="en-US" sz="2400" b="1" dirty="0">
-                <a:latin typeface="Gmarket Sans TTF Medium" panose="02000000000000000000" pitchFamily="2" charset="-128"/>
-                <a:ea typeface="Gmarket Sans TTF Medium" panose="02000000000000000000" pitchFamily="2" charset="-128"/>
-              </a:rPr>
-              <a:t>마</a:t>
-            </a:r>
-            <a:r>
-              <a:rPr lang="en-US" altLang="ko-KR" sz="2400" b="1" dirty="0">
-                <a:latin typeface="Gmarket Sans TTF Medium" panose="02000000000000000000" pitchFamily="2" charset="-128"/>
-                <a:ea typeface="Gmarket Sans TTF Medium" panose="02000000000000000000" pitchFamily="2" charset="-128"/>
-              </a:rPr>
-              <a:t>)</a:t>
-            </a:r>
-            <a:endParaRPr lang="ko-KR" altLang="en-US" sz="2400" b="1" dirty="0">
-              <a:latin typeface="Gmarket Sans TTF Medium" panose="02000000000000000000" pitchFamily="2" charset="-128"/>
-              <a:ea typeface="Gmarket Sans TTF Medium" panose="02000000000000000000" pitchFamily="2" charset="-128"/>
-            </a:endParaRPr>
-          </a:p>
-        </p:txBody>
-      </p:sp>
-      <p:sp>
-        <p:nvSpPr>
-          <p:cNvPr id="6" name="TextBox 5">
-            <a:extLst>
-              <a:ext uri="{FF2B5EF4-FFF2-40B4-BE49-F238E27FC236}">
-                <a16:creationId xmlns:a16="http://schemas.microsoft.com/office/drawing/2014/main" id="{40EE85E9-5F80-4EBD-A1E0-8814BB1B0A67}"/>
-              </a:ext>
-            </a:extLst>
-          </p:cNvPr>
-          <p:cNvSpPr txBox="1"/>
+        </p:txBody>
+      </p:sp>
+      <p:pic>
+        <p:nvPicPr>
+          <p:cNvPr id="4" name="그림 3">
+            <a:extLst>
+              <a:ext uri="{FF2B5EF4-FFF2-40B4-BE49-F238E27FC236}">
+                <a16:creationId xmlns:a16="http://schemas.microsoft.com/office/drawing/2014/main" id="{942963BC-F198-4AF8-2EE1-691C66AF72D4}"/>
+              </a:ext>
+            </a:extLst>
+          </p:cNvPr>
+          <p:cNvPicPr>
+            <a:picLocks noChangeAspect="1"/>
+          </p:cNvPicPr>
           <p:nvPr/>
-        </p:nvSpPr>
+        </p:nvPicPr>
+        <p:blipFill>
+          <a:blip r:embed="rId3"/>
+          <a:stretch>
+            <a:fillRect/>
+          </a:stretch>
+        </p:blipFill>
         <p:spPr>
           <a:xfrm>
-            <a:off x="3377947" y="4603628"/>
-            <a:ext cx="5436104" cy="707886"/>
+            <a:off x="653575" y="2413000"/>
+            <a:ext cx="2044700" cy="2032000"/>
           </a:xfrm>
           <a:prstGeom prst="rect">
             <a:avLst/>
           </a:prstGeom>
-          <a:noFill/>
         </p:spPr>
-        <p:txBody>
-          <a:bodyPr wrap="none" rtlCol="0">
-            <a:spAutoFit/>
-          </a:bodyPr>
-          <a:lstStyle/>
-          <a:p>
-            <a:r>
-              <a:rPr lang="en-US" altLang="ko-KR" sz="4000" b="1" dirty="0">
-                <a:latin typeface="Gmarket Sans TTF Medium" panose="02000000000000000000" pitchFamily="2" charset="-128"/>
-                <a:ea typeface="Gmarket Sans TTF Medium" panose="02000000000000000000" pitchFamily="2" charset="-128"/>
-              </a:rPr>
-              <a:t>NOW YOU SEE ME</a:t>
-            </a:r>
-            <a:endParaRPr lang="ko-KR" altLang="en-US" sz="4000" b="1" dirty="0">
-              <a:latin typeface="Gmarket Sans TTF Medium" panose="02000000000000000000" pitchFamily="2" charset="-128"/>
-              <a:ea typeface="Gmarket Sans TTF Medium" panose="02000000000000000000" pitchFamily="2" charset="-128"/>
-            </a:endParaRPr>
-          </a:p>
-        </p:txBody>
-      </p:sp>
+      </p:pic>
+      <p:grpSp>
+        <p:nvGrpSpPr>
+          <p:cNvPr id="11" name="그룹 10">
+            <a:extLst>
+              <a:ext uri="{FF2B5EF4-FFF2-40B4-BE49-F238E27FC236}">
+                <a16:creationId xmlns:a16="http://schemas.microsoft.com/office/drawing/2014/main" id="{D86478A2-2876-149B-BE3C-867FF09BD7BD}"/>
+              </a:ext>
+            </a:extLst>
+          </p:cNvPr>
+          <p:cNvGrpSpPr/>
+          <p:nvPr/>
+        </p:nvGrpSpPr>
+        <p:grpSpPr>
+          <a:xfrm>
+            <a:off x="9363479" y="2722213"/>
+            <a:ext cx="2153484" cy="1722787"/>
+            <a:chOff x="8998425" y="2413000"/>
+            <a:chExt cx="2540000" cy="2032000"/>
+          </a:xfrm>
+        </p:grpSpPr>
+        <p:pic>
+          <p:nvPicPr>
+            <p:cNvPr id="9" name="그래픽 8">
+              <a:extLst>
+                <a:ext uri="{FF2B5EF4-FFF2-40B4-BE49-F238E27FC236}">
+                  <a16:creationId xmlns:a16="http://schemas.microsoft.com/office/drawing/2014/main" id="{E634DE39-2B42-A6BC-47EE-F37133F57FC8}"/>
+                </a:ext>
+              </a:extLst>
+            </p:cNvPr>
+            <p:cNvPicPr>
+              <a:picLocks noChangeAspect="1"/>
+            </p:cNvPicPr>
+            <p:nvPr/>
+          </p:nvPicPr>
+          <p:blipFill>
+            <a:blip r:embed="rId4">
+              <a:extLst>
+                <a:ext uri="{28A0092B-C50C-407E-A947-70E740481C1C}">
+                  <a14:useLocalDpi xmlns:a14="http://schemas.microsoft.com/office/drawing/2010/main" val="0"/>
+                </a:ext>
+                <a:ext uri="{96DAC541-7B7A-43D3-8B79-37D633B846F1}">
+                  <asvg:svgBlip xmlns:asvg="http://schemas.microsoft.com/office/drawing/2016/SVG/main" r:embed="rId5"/>
+                </a:ext>
+              </a:extLst>
+            </a:blip>
+            <a:stretch>
+              <a:fillRect/>
+            </a:stretch>
+          </p:blipFill>
+          <p:spPr>
+            <a:xfrm>
+              <a:off x="8998425" y="2413000"/>
+              <a:ext cx="2540000" cy="2032000"/>
+            </a:xfrm>
+            <a:prstGeom prst="rect">
+              <a:avLst/>
+            </a:prstGeom>
+            <a:effectLst>
+              <a:glow rad="127000">
+                <a:schemeClr val="bg1"/>
+              </a:glow>
+            </a:effectLst>
+          </p:spPr>
+        </p:pic>
+        <p:sp>
+          <p:nvSpPr>
+            <p:cNvPr id="10" name="직사각형 9">
+              <a:extLst>
+                <a:ext uri="{FF2B5EF4-FFF2-40B4-BE49-F238E27FC236}">
+                  <a16:creationId xmlns:a16="http://schemas.microsoft.com/office/drawing/2014/main" id="{04200452-97F7-E0CF-EA18-9BAD0CF4E11C}"/>
+                </a:ext>
+              </a:extLst>
+            </p:cNvPr>
+            <p:cNvSpPr/>
+            <p:nvPr/>
+          </p:nvSpPr>
+          <p:spPr>
+            <a:xfrm>
+              <a:off x="9272588" y="2671764"/>
+              <a:ext cx="2001996" cy="1143000"/>
+            </a:xfrm>
+            <a:prstGeom prst="rect">
+              <a:avLst/>
+            </a:prstGeom>
+            <a:solidFill>
+              <a:schemeClr val="bg1"/>
+            </a:solidFill>
+            <a:ln>
+              <a:noFill/>
+            </a:ln>
+          </p:spPr>
+          <p:style>
+            <a:lnRef idx="2">
+              <a:schemeClr val="accent1">
+                <a:shade val="50000"/>
+              </a:schemeClr>
+            </a:lnRef>
+            <a:fillRef idx="1">
+              <a:schemeClr val="accent1"/>
+            </a:fillRef>
+            <a:effectRef idx="0">
+              <a:schemeClr val="accent1"/>
+            </a:effectRef>
+            <a:fontRef idx="minor">
+              <a:schemeClr val="lt1"/>
+            </a:fontRef>
+          </p:style>
+          <p:txBody>
+            <a:bodyPr rtlCol="0" anchor="ctr"/>
+            <a:lstStyle/>
+            <a:p>
+              <a:pPr algn="ctr"/>
+              <a:endParaRPr kumimoji="1" lang="ko-Kore-KR" altLang="en-US"/>
+            </a:p>
+          </p:txBody>
+        </p:sp>
+      </p:grpSp>
+      <p:pic>
+        <p:nvPicPr>
+          <p:cNvPr id="15" name="그림 14">
+            <a:extLst>
+              <a:ext uri="{FF2B5EF4-FFF2-40B4-BE49-F238E27FC236}">
+                <a16:creationId xmlns:a16="http://schemas.microsoft.com/office/drawing/2014/main" id="{13B48826-B7EB-722C-D1B2-9DCB5280B9FB}"/>
+              </a:ext>
+            </a:extLst>
+          </p:cNvPr>
+          <p:cNvPicPr>
+            <a:picLocks noChangeAspect="1"/>
+          </p:cNvPicPr>
+          <p:nvPr/>
+        </p:nvPicPr>
+        <p:blipFill>
+          <a:blip r:embed="rId6">
+            <a:extLst>
+              <a:ext uri="{28A0092B-C50C-407E-A947-70E740481C1C}">
+                <a14:useLocalDpi xmlns:a14="http://schemas.microsoft.com/office/drawing/2010/main" val="0"/>
+              </a:ext>
+            </a:extLst>
+          </a:blip>
+          <a:stretch>
+            <a:fillRect/>
+          </a:stretch>
+        </p:blipFill>
+        <p:spPr>
+          <a:xfrm>
+            <a:off x="3690070" y="2165492"/>
+            <a:ext cx="4811860" cy="2527016"/>
+          </a:xfrm>
+          <a:prstGeom prst="rect">
+            <a:avLst/>
+          </a:prstGeom>
+        </p:spPr>
+      </p:pic>
+      <p:pic>
+        <p:nvPicPr>
+          <p:cNvPr id="16" name="그림 15">
+            <a:extLst>
+              <a:ext uri="{FF2B5EF4-FFF2-40B4-BE49-F238E27FC236}">
+                <a16:creationId xmlns:a16="http://schemas.microsoft.com/office/drawing/2014/main" id="{F79841CC-02AB-F206-4B27-BAC058FF21E4}"/>
+              </a:ext>
+            </a:extLst>
+          </p:cNvPr>
+          <p:cNvPicPr>
+            <a:picLocks noChangeAspect="1"/>
+          </p:cNvPicPr>
+          <p:nvPr/>
+        </p:nvPicPr>
+        <p:blipFill>
+          <a:blip r:embed="rId7"/>
+          <a:stretch>
+            <a:fillRect/>
+          </a:stretch>
+        </p:blipFill>
+        <p:spPr>
+          <a:xfrm>
+            <a:off x="3259295" y="1904363"/>
+            <a:ext cx="5673409" cy="3049274"/>
+          </a:xfrm>
+          <a:prstGeom prst="rect">
+            <a:avLst/>
+          </a:prstGeom>
+        </p:spPr>
+      </p:pic>
     </p:spTree>
     <p:extLst>
       <p:ext uri="{BB962C8B-B14F-4D97-AF65-F5344CB8AC3E}">
-        <p14:creationId xmlns:p14="http://schemas.microsoft.com/office/powerpoint/2010/main" val="3659403246"/>
+        <p14:creationId xmlns:p14="http://schemas.microsoft.com/office/powerpoint/2010/main" val="3383978501"/>
       </p:ext>
     </p:extLst>
   </p:cSld>
   <p:clrMapOvr>
     <a:masterClrMapping/>
   </p:clrMapOvr>
-  <mc:AlternateContent xmlns:mc="http://schemas.openxmlformats.org/markup-compatibility/2006">
-    <mc:Choice xmlns:p14="http://schemas.microsoft.com/office/powerpoint/2010/main" Requires="p14">
-      <p:transition spd="med" p14:dur="700">
-        <p:fade/>
+  <mc:AlternateContent xmlns:mc="http://schemas.openxmlformats.org/markup-compatibility/2006" xmlns:p14="http://schemas.microsoft.com/office/powerpoint/2010/main">
+    <mc:Choice Requires="p14">
+      <p:transition spd="slow" p14:dur="1500">
+        <p:wipe/>
       </p:transition>
     </mc:Choice>
-    <mc:Fallback>
-      <p:transition spd="med">
-        <p:fade/>
+    <mc:Fallback xmlns="">
+      <p:transition spd="slow">
+        <p:wipe/>
       </p:transition>
     </mc:Fallback>
   </mc:AlternateContent>
+  <p:timing>
+    <p:tnLst>
+      <p:par>
+        <p:cTn id="1" dur="indefinite" restart="never" nodeType="tmRoot">
+          <p:childTnLst>
+            <p:seq concurrent="1" nextAc="seek">
+              <p:cTn id="2" dur="indefinite" nodeType="mainSeq">
+                <p:childTnLst>
+                  <p:par>
+                    <p:cTn id="3" fill="hold">
+                      <p:stCondLst>
+                        <p:cond delay="indefinite"/>
+                      </p:stCondLst>
+                      <p:childTnLst>
+                        <p:par>
+                          <p:cTn id="4" fill="hold">
+                            <p:stCondLst>
+                              <p:cond delay="0"/>
+                            </p:stCondLst>
+                            <p:childTnLst>
+                              <p:par>
+                                <p:cTn id="5" presetID="64" presetClass="path" presetSubtype="0" accel="50000" decel="50000" fill="hold" grpId="0" nodeType="clickEffect">
+                                  <p:stCondLst>
+                                    <p:cond delay="0"/>
+                                  </p:stCondLst>
+                                  <p:childTnLst>
+                                    <p:animMotion origin="layout" path="M 0 0 L 0 -0.34306 " pathEditMode="relative" rAng="0" ptsTypes="AA">
+                                      <p:cBhvr>
+                                        <p:cTn id="6" dur="2000" fill="hold"/>
+                                        <p:tgtEl>
+                                          <p:spTgt spid="6"/>
+                                        </p:tgtEl>
+                                        <p:attrNameLst>
+                                          <p:attrName>ppt_x</p:attrName>
+                                          <p:attrName>ppt_y</p:attrName>
+                                        </p:attrNameLst>
+                                      </p:cBhvr>
+                                      <p:rCtr x="0" y="-17153"/>
+                                    </p:animMotion>
+                                  </p:childTnLst>
+                                </p:cTn>
+                              </p:par>
+                            </p:childTnLst>
+                          </p:cTn>
+                        </p:par>
+                      </p:childTnLst>
+                    </p:cTn>
+                  </p:par>
+                  <p:par>
+                    <p:cTn id="7" fill="hold">
+                      <p:stCondLst>
+                        <p:cond delay="indefinite"/>
+                      </p:stCondLst>
+                      <p:childTnLst>
+                        <p:par>
+                          <p:cTn id="8" fill="hold">
+                            <p:stCondLst>
+                              <p:cond delay="0"/>
+                            </p:stCondLst>
+                            <p:childTnLst>
+                              <p:par>
+                                <p:cTn id="9" presetID="10" presetClass="entr" presetSubtype="0" fill="hold" nodeType="clickEffect">
+                                  <p:stCondLst>
+                                    <p:cond delay="0"/>
+                                  </p:stCondLst>
+                                  <p:childTnLst>
+                                    <p:set>
+                                      <p:cBhvr>
+                                        <p:cTn id="10" dur="1" fill="hold">
+                                          <p:stCondLst>
+                                            <p:cond delay="0"/>
+                                          </p:stCondLst>
+                                        </p:cTn>
+                                        <p:tgtEl>
+                                          <p:spTgt spid="4"/>
+                                        </p:tgtEl>
+                                        <p:attrNameLst>
+                                          <p:attrName>style.visibility</p:attrName>
+                                        </p:attrNameLst>
+                                      </p:cBhvr>
+                                      <p:to>
+                                        <p:strVal val="visible"/>
+                                      </p:to>
+                                    </p:set>
+                                    <p:animEffect transition="in" filter="fade">
+                                      <p:cBhvr>
+                                        <p:cTn id="11" dur="500"/>
+                                        <p:tgtEl>
+                                          <p:spTgt spid="4"/>
+                                        </p:tgtEl>
+                                      </p:cBhvr>
+                                    </p:animEffect>
+                                  </p:childTnLst>
+                                </p:cTn>
+                              </p:par>
+                            </p:childTnLst>
+                          </p:cTn>
+                        </p:par>
+                      </p:childTnLst>
+                    </p:cTn>
+                  </p:par>
+                  <p:par>
+                    <p:cTn id="12" fill="hold">
+                      <p:stCondLst>
+                        <p:cond delay="indefinite"/>
+                      </p:stCondLst>
+                      <p:childTnLst>
+                        <p:par>
+                          <p:cTn id="13" fill="hold">
+                            <p:stCondLst>
+                              <p:cond delay="0"/>
+                            </p:stCondLst>
+                            <p:childTnLst>
+                              <p:par>
+                                <p:cTn id="14" presetID="10" presetClass="entr" presetSubtype="0" fill="hold" nodeType="clickEffect">
+                                  <p:stCondLst>
+                                    <p:cond delay="0"/>
+                                  </p:stCondLst>
+                                  <p:childTnLst>
+                                    <p:set>
+                                      <p:cBhvr>
+                                        <p:cTn id="15" dur="1" fill="hold">
+                                          <p:stCondLst>
+                                            <p:cond delay="0"/>
+                                          </p:stCondLst>
+                                        </p:cTn>
+                                        <p:tgtEl>
+                                          <p:spTgt spid="11"/>
+                                        </p:tgtEl>
+                                        <p:attrNameLst>
+                                          <p:attrName>style.visibility</p:attrName>
+                                        </p:attrNameLst>
+                                      </p:cBhvr>
+                                      <p:to>
+                                        <p:strVal val="visible"/>
+                                      </p:to>
+                                    </p:set>
+                                    <p:animEffect transition="in" filter="fade">
+                                      <p:cBhvr>
+                                        <p:cTn id="16" dur="500"/>
+                                        <p:tgtEl>
+                                          <p:spTgt spid="11"/>
+                                        </p:tgtEl>
+                                      </p:cBhvr>
+                                    </p:animEffect>
+                                  </p:childTnLst>
+                                </p:cTn>
+                              </p:par>
+                            </p:childTnLst>
+                          </p:cTn>
+                        </p:par>
+                      </p:childTnLst>
+                    </p:cTn>
+                  </p:par>
+                  <p:par>
+                    <p:cTn id="17" fill="hold">
+                      <p:stCondLst>
+                        <p:cond delay="indefinite"/>
+                      </p:stCondLst>
+                      <p:childTnLst>
+                        <p:par>
+                          <p:cTn id="18" fill="hold">
+                            <p:stCondLst>
+                              <p:cond delay="0"/>
+                            </p:stCondLst>
+                            <p:childTnLst>
+                              <p:par>
+                                <p:cTn id="19" presetID="10" presetClass="entr" presetSubtype="0" fill="hold" nodeType="clickEffect">
+                                  <p:stCondLst>
+                                    <p:cond delay="0"/>
+                                  </p:stCondLst>
+                                  <p:childTnLst>
+                                    <p:set>
+                                      <p:cBhvr>
+                                        <p:cTn id="20" dur="1" fill="hold">
+                                          <p:stCondLst>
+                                            <p:cond delay="0"/>
+                                          </p:stCondLst>
+                                        </p:cTn>
+                                        <p:tgtEl>
+                                          <p:spTgt spid="15"/>
+                                        </p:tgtEl>
+                                        <p:attrNameLst>
+                                          <p:attrName>style.visibility</p:attrName>
+                                        </p:attrNameLst>
+                                      </p:cBhvr>
+                                      <p:to>
+                                        <p:strVal val="visible"/>
+                                      </p:to>
+                                    </p:set>
+                                    <p:animEffect transition="in" filter="fade">
+                                      <p:cBhvr>
+                                        <p:cTn id="21" dur="500"/>
+                                        <p:tgtEl>
+                                          <p:spTgt spid="15"/>
+                                        </p:tgtEl>
+                                      </p:cBhvr>
+                                    </p:animEffect>
+                                  </p:childTnLst>
+                                </p:cTn>
+                              </p:par>
+                            </p:childTnLst>
+                          </p:cTn>
+                        </p:par>
+                      </p:childTnLst>
+                    </p:cTn>
+                  </p:par>
+                  <p:par>
+                    <p:cTn id="22" fill="hold">
+                      <p:stCondLst>
+                        <p:cond delay="indefinite"/>
+                      </p:stCondLst>
+                      <p:childTnLst>
+                        <p:par>
+                          <p:cTn id="23" fill="hold">
+                            <p:stCondLst>
+                              <p:cond delay="0"/>
+                            </p:stCondLst>
+                            <p:childTnLst>
+                              <p:par>
+                                <p:cTn id="24" presetID="10" presetClass="entr" presetSubtype="0" fill="hold" nodeType="clickEffect">
+                                  <p:stCondLst>
+                                    <p:cond delay="0"/>
+                                  </p:stCondLst>
+                                  <p:childTnLst>
+                                    <p:set>
+                                      <p:cBhvr>
+                                        <p:cTn id="25" dur="1" fill="hold">
+                                          <p:stCondLst>
+                                            <p:cond delay="0"/>
+                                          </p:stCondLst>
+                                        </p:cTn>
+                                        <p:tgtEl>
+                                          <p:spTgt spid="16"/>
+                                        </p:tgtEl>
+                                        <p:attrNameLst>
+                                          <p:attrName>style.visibility</p:attrName>
+                                        </p:attrNameLst>
+                                      </p:cBhvr>
+                                      <p:to>
+                                        <p:strVal val="visible"/>
+                                      </p:to>
+                                    </p:set>
+                                    <p:animEffect transition="in" filter="fade">
+                                      <p:cBhvr>
+                                        <p:cTn id="26" dur="500"/>
+                                        <p:tgtEl>
+                                          <p:spTgt spid="16"/>
+                                        </p:tgtEl>
+                                      </p:cBhvr>
+                                    </p:animEffect>
+                                  </p:childTnLst>
+                                </p:cTn>
+                              </p:par>
+                            </p:childTnLst>
+                          </p:cTn>
+                        </p:par>
+                      </p:childTnLst>
+                    </p:cTn>
+                  </p:par>
+                </p:childTnLst>
+              </p:cTn>
+              <p:prevCondLst>
+                <p:cond evt="onPrev" delay="0">
+                  <p:tgtEl>
+                    <p:sldTgt/>
+                  </p:tgtEl>
+                </p:cond>
+              </p:prevCondLst>
+              <p:nextCondLst>
+                <p:cond evt="onNext" delay="0">
+                  <p:tgtEl>
+                    <p:sldTgt/>
+                  </p:tgtEl>
+                </p:cond>
+              </p:nextCondLst>
+            </p:seq>
+          </p:childTnLst>
+        </p:cTn>
+      </p:par>
+    </p:tnLst>
+    <p:bldLst>
+      <p:bldP spid="6" grpId="0"/>
+    </p:bldLst>
+  </p:timing>
 </p:sld>
 </file>
 
@@ -4896,11 +6239,11 @@
     <p:bg>
       <p:bgPr>
         <a:blipFill dpi="0" rotWithShape="1">
-          <a:blip r:embed="rId2">
-            <a:lum/>
-          </a:blip>
+          <a:blip r:embed="rId2"/>
           <a:srcRect/>
-          <a:tile tx="0" ty="0" sx="100000" sy="100000" flip="none" algn="tl"/>
+          <a:stretch>
+            <a:fillRect t="-12000" b="-12000"/>
+          </a:stretch>
         </a:blipFill>
         <a:effectLst/>
       </p:bgPr>
@@ -4921,76 +6264,20 @@
       </p:grpSpPr>
       <p:sp>
         <p:nvSpPr>
-          <p:cNvPr id="2" name="직사각형 1">
-            <a:extLst>
-              <a:ext uri="{FF2B5EF4-FFF2-40B4-BE49-F238E27FC236}">
-                <a16:creationId xmlns:a16="http://schemas.microsoft.com/office/drawing/2014/main" id="{BED3A749-011D-44E4-B820-4EC9DCB989F9}"/>
-              </a:ext>
-            </a:extLst>
-          </p:cNvPr>
-          <p:cNvSpPr/>
+          <p:cNvPr id="6" name="TextBox 5">
+            <a:extLst>
+              <a:ext uri="{FF2B5EF4-FFF2-40B4-BE49-F238E27FC236}">
+                <a16:creationId xmlns:a16="http://schemas.microsoft.com/office/drawing/2014/main" id="{40EE85E9-5F80-4EBD-A1E0-8814BB1B0A67}"/>
+              </a:ext>
+            </a:extLst>
+          </p:cNvPr>
+          <p:cNvSpPr txBox="1"/>
           <p:nvPr/>
         </p:nvSpPr>
         <p:spPr>
           <a:xfrm>
-            <a:off x="4740170" y="1576432"/>
-            <a:ext cx="2711659" cy="2711659"/>
-          </a:xfrm>
-          <a:prstGeom prst="rect">
-            <a:avLst/>
-          </a:prstGeom>
-          <a:noFill/>
-          <a:ln w="165100">
-            <a:solidFill>
-              <a:schemeClr val="tx1"/>
-            </a:solidFill>
-          </a:ln>
-        </p:spPr>
-        <p:style>
-          <a:lnRef idx="2">
-            <a:schemeClr val="accent1">
-              <a:shade val="50000"/>
-            </a:schemeClr>
-          </a:lnRef>
-          <a:fillRef idx="1">
-            <a:schemeClr val="accent1"/>
-          </a:fillRef>
-          <a:effectRef idx="0">
-            <a:schemeClr val="accent1"/>
-          </a:effectRef>
-          <a:fontRef idx="minor">
-            <a:schemeClr val="lt1"/>
-          </a:fontRef>
-        </p:style>
-        <p:txBody>
-          <a:bodyPr rtlCol="0" anchor="ctr"/>
-          <a:lstStyle/>
-          <a:p>
-            <a:pPr algn="ctr"/>
-            <a:endParaRPr lang="ko-KR" altLang="en-US" sz="1400" dirty="0">
-              <a:solidFill>
-                <a:schemeClr val="tx1"/>
-              </a:solidFill>
-            </a:endParaRPr>
-          </a:p>
-        </p:txBody>
-      </p:sp>
-      <p:sp>
-        <p:nvSpPr>
-          <p:cNvPr id="5" name="TextBox 4">
-            <a:extLst>
-              <a:ext uri="{FF2B5EF4-FFF2-40B4-BE49-F238E27FC236}">
-                <a16:creationId xmlns:a16="http://schemas.microsoft.com/office/drawing/2014/main" id="{E9519219-5072-4D1E-B259-B7E71A00C0A6}"/>
-              </a:ext>
-            </a:extLst>
-          </p:cNvPr>
-          <p:cNvSpPr txBox="1"/>
-          <p:nvPr/>
-        </p:nvSpPr>
-        <p:spPr>
-          <a:xfrm>
-            <a:off x="5019993" y="1862022"/>
-            <a:ext cx="2258952" cy="2308324"/>
+            <a:off x="3402799" y="3113529"/>
+            <a:ext cx="5386411" cy="630942"/>
           </a:xfrm>
           <a:prstGeom prst="rect">
             <a:avLst/>
@@ -5003,83 +6290,33 @@
           </a:bodyPr>
           <a:lstStyle/>
           <a:p>
+            <a:pPr algn="ctr"/>
             <a:r>
-              <a:rPr lang="en-US" altLang="ko-KR" sz="2400" b="1" dirty="0">
+              <a:rPr lang="en-US" altLang="ko-KR" sz="3500" dirty="0">
+                <a:solidFill>
+                  <a:schemeClr val="bg1"/>
+                </a:solidFill>
                 <a:latin typeface="Gmarket Sans TTF Medium" panose="02000000000000000000" pitchFamily="2" charset="-128"/>
                 <a:ea typeface="Gmarket Sans TTF Medium" panose="02000000000000000000" pitchFamily="2" charset="-128"/>
               </a:rPr>
-              <a:t>Do the Dash</a:t>
+              <a:t>Socket Programming</a:t>
             </a:r>
-          </a:p>
-          <a:p>
-            <a:r>
-              <a:rPr lang="en-US" altLang="ko-KR" sz="2400" dirty="0" err="1">
-                <a:latin typeface="Gmarket Sans TTF Medium" panose="02000000000000000000" pitchFamily="2" charset="-128"/>
-                <a:ea typeface="Gmarket Sans TTF Medium" panose="02000000000000000000" pitchFamily="2" charset="-128"/>
-              </a:rPr>
-              <a:t>Eduthon</a:t>
-            </a:r>
-            <a:endParaRPr lang="en-US" altLang="ko-KR" sz="2400" dirty="0">
+            <a:endParaRPr lang="ko-KR" altLang="en-US" sz="3500" dirty="0">
+              <a:solidFill>
+                <a:schemeClr val="bg1"/>
+              </a:solidFill>
               <a:latin typeface="Gmarket Sans TTF Medium" panose="02000000000000000000" pitchFamily="2" charset="-128"/>
               <a:ea typeface="Gmarket Sans TTF Medium" panose="02000000000000000000" pitchFamily="2" charset="-128"/>
             </a:endParaRPr>
           </a:p>
-          <a:p>
-            <a:r>
-              <a:rPr lang="en-US" altLang="ko-KR" sz="2400" dirty="0">
-                <a:latin typeface="Gmarket Sans TTF Medium" panose="02000000000000000000" pitchFamily="2" charset="-128"/>
-                <a:ea typeface="Gmarket Sans TTF Medium" panose="02000000000000000000" pitchFamily="2" charset="-128"/>
-              </a:rPr>
-              <a:t>2022</a:t>
-            </a:r>
-          </a:p>
-          <a:p>
-            <a:endParaRPr lang="en-US" altLang="ko-KR" sz="2400" dirty="0">
-              <a:latin typeface="Gmarket Sans TTF Medium" panose="02000000000000000000" pitchFamily="2" charset="-128"/>
-              <a:ea typeface="Gmarket Sans TTF Medium" panose="02000000000000000000" pitchFamily="2" charset="-128"/>
-            </a:endParaRPr>
-          </a:p>
-          <a:p>
-            <a:endParaRPr lang="en-US" altLang="ko-KR" sz="2400" dirty="0">
-              <a:latin typeface="Gmarket Sans TTF Medium" panose="02000000000000000000" pitchFamily="2" charset="-128"/>
-              <a:ea typeface="Gmarket Sans TTF Medium" panose="02000000000000000000" pitchFamily="2" charset="-128"/>
-            </a:endParaRPr>
-          </a:p>
-          <a:p>
-            <a:r>
-              <a:rPr lang="en-US" altLang="ko-KR" sz="2400" dirty="0">
-                <a:latin typeface="Gmarket Sans TTF Medium" panose="02000000000000000000" pitchFamily="2" charset="-128"/>
-                <a:ea typeface="Gmarket Sans TTF Medium" panose="02000000000000000000" pitchFamily="2" charset="-128"/>
-              </a:rPr>
-              <a:t>Team (</a:t>
-            </a:r>
-            <a:r>
-              <a:rPr lang="ko-KR" altLang="en-US" sz="2400" b="1" dirty="0">
-                <a:latin typeface="Gmarket Sans TTF Medium" panose="02000000000000000000" pitchFamily="2" charset="-128"/>
-                <a:ea typeface="Gmarket Sans TTF Medium" panose="02000000000000000000" pitchFamily="2" charset="-128"/>
-              </a:rPr>
-              <a:t>마</a:t>
-            </a:r>
-            <a:r>
-              <a:rPr lang="en-US" altLang="ko-KR" sz="2400" b="1" dirty="0">
-                <a:latin typeface="Gmarket Sans TTF Medium" panose="02000000000000000000" pitchFamily="2" charset="-128"/>
-                <a:ea typeface="Gmarket Sans TTF Medium" panose="02000000000000000000" pitchFamily="2" charset="-128"/>
-              </a:rPr>
-              <a:t>)</a:t>
-            </a:r>
-            <a:endParaRPr lang="ko-KR" altLang="en-US" sz="2400" b="1" dirty="0">
-              <a:latin typeface="Gmarket Sans TTF Medium" panose="02000000000000000000" pitchFamily="2" charset="-128"/>
-              <a:ea typeface="Gmarket Sans TTF Medium" panose="02000000000000000000" pitchFamily="2" charset="-128"/>
-            </a:endParaRPr>
-          </a:p>
-        </p:txBody>
-      </p:sp>
-      <p:sp>
-        <p:nvSpPr>
-          <p:cNvPr id="6" name="TextBox 5">
-            <a:extLst>
-              <a:ext uri="{FF2B5EF4-FFF2-40B4-BE49-F238E27FC236}">
-                <a16:creationId xmlns:a16="http://schemas.microsoft.com/office/drawing/2014/main" id="{40EE85E9-5F80-4EBD-A1E0-8814BB1B0A67}"/>
+        </p:txBody>
+      </p:sp>
+      <p:sp>
+        <p:nvSpPr>
+          <p:cNvPr id="2" name="TextBox 1">
+            <a:extLst>
+              <a:ext uri="{FF2B5EF4-FFF2-40B4-BE49-F238E27FC236}">
+                <a16:creationId xmlns:a16="http://schemas.microsoft.com/office/drawing/2014/main" id="{21168597-97F9-1EF5-E5A6-F37B4F696A14}"/>
               </a:ext>
             </a:extLst>
           </p:cNvPr>
@@ -5088,13 +6325,20 @@
         </p:nvSpPr>
         <p:spPr>
           <a:xfrm>
-            <a:off x="3377947" y="4603628"/>
-            <a:ext cx="5436104" cy="707886"/>
+            <a:off x="2428240" y="2190199"/>
+            <a:ext cx="1439818" cy="923330"/>
           </a:xfrm>
           <a:prstGeom prst="rect">
             <a:avLst/>
           </a:prstGeom>
           <a:noFill/>
+          <a:effectLst>
+            <a:glow rad="128726">
+              <a:schemeClr val="accent1">
+                <a:alpha val="40000"/>
+              </a:schemeClr>
+            </a:glow>
+          </a:effectLst>
         </p:spPr>
         <p:txBody>
           <a:bodyPr wrap="none" rtlCol="0">
@@ -5103,23 +6347,378 @@
           <a:lstStyle/>
           <a:p>
             <a:r>
-              <a:rPr lang="en-US" altLang="ko-KR" sz="4000" b="1" dirty="0">
-                <a:latin typeface="Gmarket Sans TTF Medium" panose="02000000000000000000" pitchFamily="2" charset="-128"/>
-                <a:ea typeface="Gmarket Sans TTF Medium" panose="02000000000000000000" pitchFamily="2" charset="-128"/>
+              <a:rPr kumimoji="1" lang="en-US" altLang="ko-Kore-KR" sz="5400" b="1" dirty="0">
+                <a:solidFill>
+                  <a:schemeClr val="bg1"/>
+                </a:solidFill>
+                <a:latin typeface="Lucida Console" panose="020B0609040504020204" pitchFamily="49" charset="0"/>
+                <a:ea typeface="D2Coding" panose="020B0609020101020101" pitchFamily="49" charset="-127"/>
               </a:rPr>
-              <a:t>NOW YOU SEE ME</a:t>
+              <a:t>TCP</a:t>
             </a:r>
-            <a:endParaRPr lang="ko-KR" altLang="en-US" sz="4000" b="1" dirty="0">
-              <a:latin typeface="Gmarket Sans TTF Medium" panose="02000000000000000000" pitchFamily="2" charset="-128"/>
-              <a:ea typeface="Gmarket Sans TTF Medium" panose="02000000000000000000" pitchFamily="2" charset="-128"/>
+            <a:endParaRPr kumimoji="1" lang="ko-Kore-KR" altLang="en-US" sz="5400" b="1" dirty="0">
+              <a:solidFill>
+                <a:schemeClr val="bg1"/>
+              </a:solidFill>
+              <a:latin typeface="Lucida Console" panose="020B0609040504020204" pitchFamily="49" charset="0"/>
+              <a:ea typeface="D2Coding" panose="020B0609020101020101" pitchFamily="49" charset="-127"/>
             </a:endParaRPr>
+          </a:p>
+        </p:txBody>
+      </p:sp>
+      <p:sp>
+        <p:nvSpPr>
+          <p:cNvPr id="4" name="TextBox 3">
+            <a:extLst>
+              <a:ext uri="{FF2B5EF4-FFF2-40B4-BE49-F238E27FC236}">
+                <a16:creationId xmlns:a16="http://schemas.microsoft.com/office/drawing/2014/main" id="{007C78C0-534B-2F99-27A6-04AF43A74994}"/>
+              </a:ext>
+            </a:extLst>
+          </p:cNvPr>
+          <p:cNvSpPr txBox="1"/>
+          <p:nvPr/>
+        </p:nvSpPr>
+        <p:spPr>
+          <a:xfrm>
+            <a:off x="8323942" y="2190199"/>
+            <a:ext cx="1439818" cy="923330"/>
+          </a:xfrm>
+          <a:prstGeom prst="rect">
+            <a:avLst/>
+          </a:prstGeom>
+          <a:noFill/>
+          <a:effectLst>
+            <a:glow rad="128726">
+              <a:schemeClr val="accent1">
+                <a:alpha val="40000"/>
+              </a:schemeClr>
+            </a:glow>
+          </a:effectLst>
+        </p:spPr>
+        <p:txBody>
+          <a:bodyPr wrap="none" rtlCol="0">
+            <a:spAutoFit/>
+          </a:bodyPr>
+          <a:lstStyle/>
+          <a:p>
+            <a:r>
+              <a:rPr kumimoji="1" lang="en-US" altLang="ko-Kore-KR" sz="5400" b="1" dirty="0">
+                <a:solidFill>
+                  <a:schemeClr val="bg1"/>
+                </a:solidFill>
+                <a:latin typeface="Lucida Console" panose="020B0609040504020204" pitchFamily="49" charset="0"/>
+                <a:ea typeface="D2Coding" panose="020B0609020101020101" pitchFamily="49" charset="-127"/>
+              </a:rPr>
+              <a:t>UDP</a:t>
+            </a:r>
+            <a:endParaRPr kumimoji="1" lang="ko-Kore-KR" altLang="en-US" sz="5400" b="1" dirty="0">
+              <a:solidFill>
+                <a:schemeClr val="bg1"/>
+              </a:solidFill>
+              <a:latin typeface="Lucida Console" panose="020B0609040504020204" pitchFamily="49" charset="0"/>
+              <a:ea typeface="D2Coding" panose="020B0609020101020101" pitchFamily="49" charset="-127"/>
+            </a:endParaRPr>
+          </a:p>
+        </p:txBody>
+      </p:sp>
+      <p:sp>
+        <p:nvSpPr>
+          <p:cNvPr id="5" name="TextBox 4">
+            <a:extLst>
+              <a:ext uri="{FF2B5EF4-FFF2-40B4-BE49-F238E27FC236}">
+                <a16:creationId xmlns:a16="http://schemas.microsoft.com/office/drawing/2014/main" id="{D6D23B8C-768C-E796-912F-28840DB4B2F5}"/>
+              </a:ext>
+            </a:extLst>
+          </p:cNvPr>
+          <p:cNvSpPr txBox="1"/>
+          <p:nvPr/>
+        </p:nvSpPr>
+        <p:spPr>
+          <a:xfrm>
+            <a:off x="1250490" y="3190473"/>
+            <a:ext cx="3769360" cy="584775"/>
+          </a:xfrm>
+          <a:prstGeom prst="rect">
+            <a:avLst/>
+          </a:prstGeom>
+          <a:noFill/>
+          <a:effectLst>
+            <a:glow rad="128726">
+              <a:schemeClr val="accent1">
+                <a:alpha val="40000"/>
+              </a:schemeClr>
+            </a:glow>
+          </a:effectLst>
+        </p:spPr>
+        <p:txBody>
+          <a:bodyPr wrap="square" rtlCol="0">
+            <a:spAutoFit/>
+          </a:bodyPr>
+          <a:lstStyle/>
+          <a:p>
+            <a:pPr algn="ctr"/>
+            <a:r>
+              <a:rPr kumimoji="1" lang="en-US" altLang="ko-Kore-KR" sz="3200" b="1" dirty="0">
+                <a:solidFill>
+                  <a:schemeClr val="bg1"/>
+                </a:solidFill>
+                <a:latin typeface="Lucida Console" panose="020B0609040504020204" pitchFamily="49" charset="0"/>
+                <a:ea typeface="D2Coding" panose="020B0609020101020101" pitchFamily="49" charset="-127"/>
+              </a:rPr>
+              <a:t>Reliable</a:t>
+            </a:r>
+          </a:p>
+        </p:txBody>
+      </p:sp>
+      <p:sp>
+        <p:nvSpPr>
+          <p:cNvPr id="8" name="TextBox 7">
+            <a:extLst>
+              <a:ext uri="{FF2B5EF4-FFF2-40B4-BE49-F238E27FC236}">
+                <a16:creationId xmlns:a16="http://schemas.microsoft.com/office/drawing/2014/main" id="{2F0D8E2C-C9B7-3B1C-232C-1A7F12014294}"/>
+              </a:ext>
+            </a:extLst>
+          </p:cNvPr>
+          <p:cNvSpPr txBox="1"/>
+          <p:nvPr/>
+        </p:nvSpPr>
+        <p:spPr>
+          <a:xfrm>
+            <a:off x="1263469" y="3663680"/>
+            <a:ext cx="3769360" cy="584775"/>
+          </a:xfrm>
+          <a:prstGeom prst="rect">
+            <a:avLst/>
+          </a:prstGeom>
+          <a:noFill/>
+          <a:effectLst>
+            <a:glow rad="128726">
+              <a:schemeClr val="accent1">
+                <a:alpha val="40000"/>
+              </a:schemeClr>
+            </a:glow>
+          </a:effectLst>
+        </p:spPr>
+        <p:txBody>
+          <a:bodyPr wrap="square" rtlCol="0">
+            <a:spAutoFit/>
+          </a:bodyPr>
+          <a:lstStyle/>
+          <a:p>
+            <a:pPr algn="ctr"/>
+            <a:r>
+              <a:rPr kumimoji="1" lang="en-US" altLang="ko-Kore-KR" sz="3200" b="1" dirty="0">
+                <a:solidFill>
+                  <a:schemeClr val="bg1"/>
+                </a:solidFill>
+                <a:latin typeface="Lucida Console" panose="020B0609040504020204" pitchFamily="49" charset="0"/>
+                <a:ea typeface="D2Coding" panose="020B0609020101020101" pitchFamily="49" charset="-127"/>
+              </a:rPr>
+              <a:t>Secure</a:t>
+            </a:r>
+          </a:p>
+        </p:txBody>
+      </p:sp>
+      <p:sp>
+        <p:nvSpPr>
+          <p:cNvPr id="9" name="TextBox 8">
+            <a:extLst>
+              <a:ext uri="{FF2B5EF4-FFF2-40B4-BE49-F238E27FC236}">
+                <a16:creationId xmlns:a16="http://schemas.microsoft.com/office/drawing/2014/main" id="{D9027644-6ED7-0BD6-6A78-7337CE7BE8BC}"/>
+              </a:ext>
+            </a:extLst>
+          </p:cNvPr>
+          <p:cNvSpPr txBox="1"/>
+          <p:nvPr/>
+        </p:nvSpPr>
+        <p:spPr>
+          <a:xfrm>
+            <a:off x="1276448" y="4139210"/>
+            <a:ext cx="3769360" cy="584775"/>
+          </a:xfrm>
+          <a:prstGeom prst="rect">
+            <a:avLst/>
+          </a:prstGeom>
+          <a:noFill/>
+          <a:effectLst>
+            <a:glow rad="128726">
+              <a:schemeClr val="accent1">
+                <a:alpha val="40000"/>
+              </a:schemeClr>
+            </a:glow>
+          </a:effectLst>
+        </p:spPr>
+        <p:txBody>
+          <a:bodyPr wrap="square" rtlCol="0">
+            <a:spAutoFit/>
+          </a:bodyPr>
+          <a:lstStyle/>
+          <a:p>
+            <a:pPr algn="ctr"/>
+            <a:r>
+              <a:rPr kumimoji="1" lang="en-US" altLang="ko-Kore-KR" sz="3200" b="1" dirty="0">
+                <a:solidFill>
+                  <a:schemeClr val="bg1"/>
+                </a:solidFill>
+                <a:latin typeface="Lucida Console" panose="020B0609040504020204" pitchFamily="49" charset="0"/>
+                <a:ea typeface="D2Coding" panose="020B0609020101020101" pitchFamily="49" charset="-127"/>
+              </a:rPr>
+              <a:t>Ordered</a:t>
+            </a:r>
+          </a:p>
+        </p:txBody>
+      </p:sp>
+      <p:sp>
+        <p:nvSpPr>
+          <p:cNvPr id="13" name="TextBox 12">
+            <a:extLst>
+              <a:ext uri="{FF2B5EF4-FFF2-40B4-BE49-F238E27FC236}">
+                <a16:creationId xmlns:a16="http://schemas.microsoft.com/office/drawing/2014/main" id="{E85727B4-B606-F61E-E336-2D89BBC53284}"/>
+              </a:ext>
+            </a:extLst>
+          </p:cNvPr>
+          <p:cNvSpPr txBox="1"/>
+          <p:nvPr/>
+        </p:nvSpPr>
+        <p:spPr>
+          <a:xfrm>
+            <a:off x="7172150" y="3136612"/>
+            <a:ext cx="3769360" cy="584775"/>
+          </a:xfrm>
+          <a:prstGeom prst="rect">
+            <a:avLst/>
+          </a:prstGeom>
+          <a:noFill/>
+          <a:effectLst>
+            <a:glow rad="128726">
+              <a:schemeClr val="accent1">
+                <a:alpha val="40000"/>
+              </a:schemeClr>
+            </a:glow>
+          </a:effectLst>
+        </p:spPr>
+        <p:txBody>
+          <a:bodyPr wrap="square" rtlCol="0">
+            <a:spAutoFit/>
+          </a:bodyPr>
+          <a:lstStyle/>
+          <a:p>
+            <a:pPr algn="ctr"/>
+            <a:r>
+              <a:rPr kumimoji="1" lang="en-US" altLang="ko-Kore-KR" sz="3200" b="1" dirty="0">
+                <a:solidFill>
+                  <a:schemeClr val="bg1"/>
+                </a:solidFill>
+                <a:latin typeface="Lucida Console" panose="020B0609040504020204" pitchFamily="49" charset="0"/>
+                <a:ea typeface="D2Coding" panose="020B0609020101020101" pitchFamily="49" charset="-127"/>
+              </a:rPr>
+              <a:t>Speed</a:t>
+            </a:r>
+          </a:p>
+        </p:txBody>
+      </p:sp>
+      <p:sp>
+        <p:nvSpPr>
+          <p:cNvPr id="14" name="TextBox 13">
+            <a:extLst>
+              <a:ext uri="{FF2B5EF4-FFF2-40B4-BE49-F238E27FC236}">
+                <a16:creationId xmlns:a16="http://schemas.microsoft.com/office/drawing/2014/main" id="{E98D060A-5CC2-8BDC-8622-E7A00E4A3FAF}"/>
+              </a:ext>
+            </a:extLst>
+          </p:cNvPr>
+          <p:cNvSpPr txBox="1"/>
+          <p:nvPr/>
+        </p:nvSpPr>
+        <p:spPr>
+          <a:xfrm>
+            <a:off x="7159171" y="3652137"/>
+            <a:ext cx="3769360" cy="584775"/>
+          </a:xfrm>
+          <a:prstGeom prst="rect">
+            <a:avLst/>
+          </a:prstGeom>
+          <a:noFill/>
+          <a:effectLst>
+            <a:glow rad="128726">
+              <a:schemeClr val="accent1">
+                <a:alpha val="40000"/>
+              </a:schemeClr>
+            </a:glow>
+          </a:effectLst>
+        </p:spPr>
+        <p:txBody>
+          <a:bodyPr wrap="square" rtlCol="0">
+            <a:spAutoFit/>
+          </a:bodyPr>
+          <a:lstStyle/>
+          <a:p>
+            <a:pPr algn="ctr"/>
+            <a:r>
+              <a:rPr kumimoji="1" lang="en-US" altLang="ko-Kore-KR" sz="3200" b="1" dirty="0">
+                <a:solidFill>
+                  <a:schemeClr val="bg1"/>
+                </a:solidFill>
+                <a:latin typeface="Lucida Console" panose="020B0609040504020204" pitchFamily="49" charset="0"/>
+                <a:ea typeface="D2Coding" panose="020B0609020101020101" pitchFamily="49" charset="-127"/>
+              </a:rPr>
+              <a:t>Broadcast</a:t>
+            </a:r>
+          </a:p>
+        </p:txBody>
+      </p:sp>
+      <p:sp>
+        <p:nvSpPr>
+          <p:cNvPr id="15" name="TextBox 14">
+            <a:extLst>
+              <a:ext uri="{FF2B5EF4-FFF2-40B4-BE49-F238E27FC236}">
+                <a16:creationId xmlns:a16="http://schemas.microsoft.com/office/drawing/2014/main" id="{05E39CF9-2D45-07D9-B5C2-E80F1D84351B}"/>
+              </a:ext>
+            </a:extLst>
+          </p:cNvPr>
+          <p:cNvSpPr txBox="1"/>
+          <p:nvPr/>
+        </p:nvSpPr>
+        <p:spPr>
+          <a:xfrm>
+            <a:off x="7172150" y="4134075"/>
+            <a:ext cx="3769360" cy="584775"/>
+          </a:xfrm>
+          <a:prstGeom prst="rect">
+            <a:avLst/>
+          </a:prstGeom>
+          <a:noFill/>
+          <a:effectLst>
+            <a:glow rad="128726">
+              <a:schemeClr val="accent1">
+                <a:alpha val="40000"/>
+              </a:schemeClr>
+            </a:glow>
+          </a:effectLst>
+        </p:spPr>
+        <p:txBody>
+          <a:bodyPr wrap="square" rtlCol="0">
+            <a:spAutoFit/>
+          </a:bodyPr>
+          <a:lstStyle/>
+          <a:p>
+            <a:pPr algn="ctr"/>
+            <a:r>
+              <a:rPr kumimoji="1" lang="en-US" altLang="ko-Kore-KR" sz="3200" b="1" dirty="0">
+                <a:solidFill>
+                  <a:schemeClr val="bg1"/>
+                </a:solidFill>
+                <a:latin typeface="Lucida Console" panose="020B0609040504020204" pitchFamily="49" charset="0"/>
+                <a:ea typeface="D2Coding" panose="020B0609020101020101" pitchFamily="49" charset="-127"/>
+              </a:rPr>
+              <a:t>Customizing</a:t>
+            </a:r>
           </a:p>
         </p:txBody>
       </p:sp>
     </p:spTree>
     <p:extLst>
       <p:ext uri="{BB962C8B-B14F-4D97-AF65-F5344CB8AC3E}">
-        <p14:creationId xmlns:p14="http://schemas.microsoft.com/office/powerpoint/2010/main" val="2721336428"/>
+        <p14:creationId xmlns:p14="http://schemas.microsoft.com/office/powerpoint/2010/main" val="542201285"/>
       </p:ext>
     </p:extLst>
   </p:cSld>
@@ -5128,16 +6727,503 @@
   </p:clrMapOvr>
   <mc:AlternateContent xmlns:mc="http://schemas.openxmlformats.org/markup-compatibility/2006">
     <mc:Choice xmlns:p14="http://schemas.microsoft.com/office/powerpoint/2010/main" Requires="p14">
-      <p:transition spd="med" p14:dur="700">
-        <p:fade/>
+      <p:transition spd="slow" p14:dur="1500">
+        <p:wipe/>
       </p:transition>
     </mc:Choice>
     <mc:Fallback>
-      <p:transition spd="med">
-        <p:fade/>
+      <p:transition spd="slow">
+        <p:wipe/>
       </p:transition>
     </mc:Fallback>
   </mc:AlternateContent>
+  <p:timing>
+    <p:tnLst>
+      <p:par>
+        <p:cTn id="1" dur="indefinite" restart="never" nodeType="tmRoot">
+          <p:childTnLst>
+            <p:seq concurrent="1" nextAc="seek">
+              <p:cTn id="2" dur="indefinite" nodeType="mainSeq">
+                <p:childTnLst>
+                  <p:par>
+                    <p:cTn id="3" fill="hold">
+                      <p:stCondLst>
+                        <p:cond delay="indefinite"/>
+                      </p:stCondLst>
+                      <p:childTnLst>
+                        <p:par>
+                          <p:cTn id="4" fill="hold">
+                            <p:stCondLst>
+                              <p:cond delay="0"/>
+                            </p:stCondLst>
+                            <p:childTnLst>
+                              <p:par>
+                                <p:cTn id="5" presetID="64" presetClass="path" presetSubtype="0" accel="50000" decel="50000" fill="hold" grpId="0" nodeType="clickEffect">
+                                  <p:stCondLst>
+                                    <p:cond delay="0"/>
+                                  </p:stCondLst>
+                                  <p:childTnLst>
+                                    <p:animMotion origin="layout" path="M 0 0 L 0 -0.34306 " pathEditMode="relative" rAng="0" ptsTypes="AA">
+                                      <p:cBhvr>
+                                        <p:cTn id="6" dur="2000" fill="hold"/>
+                                        <p:tgtEl>
+                                          <p:spTgt spid="6"/>
+                                        </p:tgtEl>
+                                        <p:attrNameLst>
+                                          <p:attrName>ppt_x</p:attrName>
+                                          <p:attrName>ppt_y</p:attrName>
+                                        </p:attrNameLst>
+                                      </p:cBhvr>
+                                      <p:rCtr x="0" y="-17153"/>
+                                    </p:animMotion>
+                                  </p:childTnLst>
+                                </p:cTn>
+                              </p:par>
+                            </p:childTnLst>
+                          </p:cTn>
+                        </p:par>
+                      </p:childTnLst>
+                    </p:cTn>
+                  </p:par>
+                  <p:par>
+                    <p:cTn id="7" fill="hold">
+                      <p:stCondLst>
+                        <p:cond delay="indefinite"/>
+                      </p:stCondLst>
+                      <p:childTnLst>
+                        <p:par>
+                          <p:cTn id="8" fill="hold">
+                            <p:stCondLst>
+                              <p:cond delay="0"/>
+                            </p:stCondLst>
+                            <p:childTnLst>
+                              <p:par>
+                                <p:cTn id="9" presetID="10" presetClass="entr" presetSubtype="0" fill="hold" grpId="0" nodeType="clickEffect">
+                                  <p:stCondLst>
+                                    <p:cond delay="0"/>
+                                  </p:stCondLst>
+                                  <p:childTnLst>
+                                    <p:set>
+                                      <p:cBhvr>
+                                        <p:cTn id="10" dur="1" fill="hold">
+                                          <p:stCondLst>
+                                            <p:cond delay="0"/>
+                                          </p:stCondLst>
+                                        </p:cTn>
+                                        <p:tgtEl>
+                                          <p:spTgt spid="2"/>
+                                        </p:tgtEl>
+                                        <p:attrNameLst>
+                                          <p:attrName>style.visibility</p:attrName>
+                                        </p:attrNameLst>
+                                      </p:cBhvr>
+                                      <p:to>
+                                        <p:strVal val="visible"/>
+                                      </p:to>
+                                    </p:set>
+                                    <p:animEffect transition="in" filter="fade">
+                                      <p:cBhvr>
+                                        <p:cTn id="11" dur="500"/>
+                                        <p:tgtEl>
+                                          <p:spTgt spid="2"/>
+                                        </p:tgtEl>
+                                      </p:cBhvr>
+                                    </p:animEffect>
+                                  </p:childTnLst>
+                                </p:cTn>
+                              </p:par>
+                              <p:par>
+                                <p:cTn id="12" presetID="10" presetClass="entr" presetSubtype="0" fill="hold" grpId="0" nodeType="withEffect">
+                                  <p:stCondLst>
+                                    <p:cond delay="0"/>
+                                  </p:stCondLst>
+                                  <p:childTnLst>
+                                    <p:set>
+                                      <p:cBhvr>
+                                        <p:cTn id="13" dur="1" fill="hold">
+                                          <p:stCondLst>
+                                            <p:cond delay="0"/>
+                                          </p:stCondLst>
+                                        </p:cTn>
+                                        <p:tgtEl>
+                                          <p:spTgt spid="5"/>
+                                        </p:tgtEl>
+                                        <p:attrNameLst>
+                                          <p:attrName>style.visibility</p:attrName>
+                                        </p:attrNameLst>
+                                      </p:cBhvr>
+                                      <p:to>
+                                        <p:strVal val="visible"/>
+                                      </p:to>
+                                    </p:set>
+                                    <p:animEffect transition="in" filter="fade">
+                                      <p:cBhvr>
+                                        <p:cTn id="14" dur="500"/>
+                                        <p:tgtEl>
+                                          <p:spTgt spid="5"/>
+                                        </p:tgtEl>
+                                      </p:cBhvr>
+                                    </p:animEffect>
+                                  </p:childTnLst>
+                                </p:cTn>
+                              </p:par>
+                            </p:childTnLst>
+                          </p:cTn>
+                        </p:par>
+                      </p:childTnLst>
+                    </p:cTn>
+                  </p:par>
+                  <p:par>
+                    <p:cTn id="15" fill="hold">
+                      <p:stCondLst>
+                        <p:cond delay="indefinite"/>
+                      </p:stCondLst>
+                      <p:childTnLst>
+                        <p:par>
+                          <p:cTn id="16" fill="hold">
+                            <p:stCondLst>
+                              <p:cond delay="0"/>
+                            </p:stCondLst>
+                            <p:childTnLst>
+                              <p:par>
+                                <p:cTn id="17" presetID="10" presetClass="entr" presetSubtype="0" fill="hold" grpId="0" nodeType="clickEffect">
+                                  <p:stCondLst>
+                                    <p:cond delay="0"/>
+                                  </p:stCondLst>
+                                  <p:childTnLst>
+                                    <p:set>
+                                      <p:cBhvr>
+                                        <p:cTn id="18" dur="1" fill="hold">
+                                          <p:stCondLst>
+                                            <p:cond delay="0"/>
+                                          </p:stCondLst>
+                                        </p:cTn>
+                                        <p:tgtEl>
+                                          <p:spTgt spid="8"/>
+                                        </p:tgtEl>
+                                        <p:attrNameLst>
+                                          <p:attrName>style.visibility</p:attrName>
+                                        </p:attrNameLst>
+                                      </p:cBhvr>
+                                      <p:to>
+                                        <p:strVal val="visible"/>
+                                      </p:to>
+                                    </p:set>
+                                    <p:animEffect transition="in" filter="fade">
+                                      <p:cBhvr>
+                                        <p:cTn id="19" dur="500"/>
+                                        <p:tgtEl>
+                                          <p:spTgt spid="8"/>
+                                        </p:tgtEl>
+                                      </p:cBhvr>
+                                    </p:animEffect>
+                                  </p:childTnLst>
+                                </p:cTn>
+                              </p:par>
+                            </p:childTnLst>
+                          </p:cTn>
+                        </p:par>
+                      </p:childTnLst>
+                    </p:cTn>
+                  </p:par>
+                  <p:par>
+                    <p:cTn id="20" fill="hold">
+                      <p:stCondLst>
+                        <p:cond delay="indefinite"/>
+                      </p:stCondLst>
+                      <p:childTnLst>
+                        <p:par>
+                          <p:cTn id="21" fill="hold">
+                            <p:stCondLst>
+                              <p:cond delay="0"/>
+                            </p:stCondLst>
+                            <p:childTnLst>
+                              <p:par>
+                                <p:cTn id="22" presetID="10" presetClass="entr" presetSubtype="0" fill="hold" grpId="0" nodeType="clickEffect">
+                                  <p:stCondLst>
+                                    <p:cond delay="0"/>
+                                  </p:stCondLst>
+                                  <p:childTnLst>
+                                    <p:set>
+                                      <p:cBhvr>
+                                        <p:cTn id="23" dur="1" fill="hold">
+                                          <p:stCondLst>
+                                            <p:cond delay="0"/>
+                                          </p:stCondLst>
+                                        </p:cTn>
+                                        <p:tgtEl>
+                                          <p:spTgt spid="9"/>
+                                        </p:tgtEl>
+                                        <p:attrNameLst>
+                                          <p:attrName>style.visibility</p:attrName>
+                                        </p:attrNameLst>
+                                      </p:cBhvr>
+                                      <p:to>
+                                        <p:strVal val="visible"/>
+                                      </p:to>
+                                    </p:set>
+                                    <p:animEffect transition="in" filter="fade">
+                                      <p:cBhvr>
+                                        <p:cTn id="24" dur="500"/>
+                                        <p:tgtEl>
+                                          <p:spTgt spid="9"/>
+                                        </p:tgtEl>
+                                      </p:cBhvr>
+                                    </p:animEffect>
+                                  </p:childTnLst>
+                                </p:cTn>
+                              </p:par>
+                            </p:childTnLst>
+                          </p:cTn>
+                        </p:par>
+                      </p:childTnLst>
+                    </p:cTn>
+                  </p:par>
+                  <p:par>
+                    <p:cTn id="25" fill="hold">
+                      <p:stCondLst>
+                        <p:cond delay="indefinite"/>
+                      </p:stCondLst>
+                      <p:childTnLst>
+                        <p:par>
+                          <p:cTn id="26" fill="hold">
+                            <p:stCondLst>
+                              <p:cond delay="0"/>
+                            </p:stCondLst>
+                            <p:childTnLst>
+                              <p:par>
+                                <p:cTn id="27" presetID="10" presetClass="entr" presetSubtype="0" fill="hold" grpId="0" nodeType="clickEffect">
+                                  <p:stCondLst>
+                                    <p:cond delay="0"/>
+                                  </p:stCondLst>
+                                  <p:childTnLst>
+                                    <p:set>
+                                      <p:cBhvr>
+                                        <p:cTn id="28" dur="1" fill="hold">
+                                          <p:stCondLst>
+                                            <p:cond delay="0"/>
+                                          </p:stCondLst>
+                                        </p:cTn>
+                                        <p:tgtEl>
+                                          <p:spTgt spid="4"/>
+                                        </p:tgtEl>
+                                        <p:attrNameLst>
+                                          <p:attrName>style.visibility</p:attrName>
+                                        </p:attrNameLst>
+                                      </p:cBhvr>
+                                      <p:to>
+                                        <p:strVal val="visible"/>
+                                      </p:to>
+                                    </p:set>
+                                    <p:animEffect transition="in" filter="fade">
+                                      <p:cBhvr>
+                                        <p:cTn id="29" dur="500"/>
+                                        <p:tgtEl>
+                                          <p:spTgt spid="4"/>
+                                        </p:tgtEl>
+                                      </p:cBhvr>
+                                    </p:animEffect>
+                                  </p:childTnLst>
+                                </p:cTn>
+                              </p:par>
+                            </p:childTnLst>
+                          </p:cTn>
+                        </p:par>
+                      </p:childTnLst>
+                    </p:cTn>
+                  </p:par>
+                  <p:par>
+                    <p:cTn id="30" fill="hold">
+                      <p:stCondLst>
+                        <p:cond delay="indefinite"/>
+                      </p:stCondLst>
+                      <p:childTnLst>
+                        <p:par>
+                          <p:cTn id="31" fill="hold">
+                            <p:stCondLst>
+                              <p:cond delay="0"/>
+                            </p:stCondLst>
+                            <p:childTnLst>
+                              <p:par>
+                                <p:cTn id="32" presetID="10" presetClass="entr" presetSubtype="0" fill="hold" grpId="0" nodeType="clickEffect">
+                                  <p:stCondLst>
+                                    <p:cond delay="0"/>
+                                  </p:stCondLst>
+                                  <p:childTnLst>
+                                    <p:set>
+                                      <p:cBhvr>
+                                        <p:cTn id="33" dur="1" fill="hold">
+                                          <p:stCondLst>
+                                            <p:cond delay="0"/>
+                                          </p:stCondLst>
+                                        </p:cTn>
+                                        <p:tgtEl>
+                                          <p:spTgt spid="13"/>
+                                        </p:tgtEl>
+                                        <p:attrNameLst>
+                                          <p:attrName>style.visibility</p:attrName>
+                                        </p:attrNameLst>
+                                      </p:cBhvr>
+                                      <p:to>
+                                        <p:strVal val="visible"/>
+                                      </p:to>
+                                    </p:set>
+                                    <p:animEffect transition="in" filter="fade">
+                                      <p:cBhvr>
+                                        <p:cTn id="34" dur="500"/>
+                                        <p:tgtEl>
+                                          <p:spTgt spid="13"/>
+                                        </p:tgtEl>
+                                      </p:cBhvr>
+                                    </p:animEffect>
+                                  </p:childTnLst>
+                                </p:cTn>
+                              </p:par>
+                            </p:childTnLst>
+                          </p:cTn>
+                        </p:par>
+                      </p:childTnLst>
+                    </p:cTn>
+                  </p:par>
+                  <p:par>
+                    <p:cTn id="35" fill="hold">
+                      <p:stCondLst>
+                        <p:cond delay="indefinite"/>
+                      </p:stCondLst>
+                      <p:childTnLst>
+                        <p:par>
+                          <p:cTn id="36" fill="hold">
+                            <p:stCondLst>
+                              <p:cond delay="0"/>
+                            </p:stCondLst>
+                            <p:childTnLst>
+                              <p:par>
+                                <p:cTn id="37" presetID="10" presetClass="entr" presetSubtype="0" fill="hold" grpId="0" nodeType="clickEffect">
+                                  <p:stCondLst>
+                                    <p:cond delay="0"/>
+                                  </p:stCondLst>
+                                  <p:childTnLst>
+                                    <p:set>
+                                      <p:cBhvr>
+                                        <p:cTn id="38" dur="1" fill="hold">
+                                          <p:stCondLst>
+                                            <p:cond delay="0"/>
+                                          </p:stCondLst>
+                                        </p:cTn>
+                                        <p:tgtEl>
+                                          <p:spTgt spid="14"/>
+                                        </p:tgtEl>
+                                        <p:attrNameLst>
+                                          <p:attrName>style.visibility</p:attrName>
+                                        </p:attrNameLst>
+                                      </p:cBhvr>
+                                      <p:to>
+                                        <p:strVal val="visible"/>
+                                      </p:to>
+                                    </p:set>
+                                    <p:animEffect transition="in" filter="fade">
+                                      <p:cBhvr>
+                                        <p:cTn id="39" dur="500"/>
+                                        <p:tgtEl>
+                                          <p:spTgt spid="14"/>
+                                        </p:tgtEl>
+                                      </p:cBhvr>
+                                    </p:animEffect>
+                                  </p:childTnLst>
+                                </p:cTn>
+                              </p:par>
+                            </p:childTnLst>
+                          </p:cTn>
+                        </p:par>
+                      </p:childTnLst>
+                    </p:cTn>
+                  </p:par>
+                  <p:par>
+                    <p:cTn id="40" fill="hold">
+                      <p:stCondLst>
+                        <p:cond delay="indefinite"/>
+                      </p:stCondLst>
+                      <p:childTnLst>
+                        <p:par>
+                          <p:cTn id="41" fill="hold">
+                            <p:stCondLst>
+                              <p:cond delay="0"/>
+                            </p:stCondLst>
+                            <p:childTnLst>
+                              <p:par>
+                                <p:cTn id="42" presetID="10" presetClass="entr" presetSubtype="0" fill="hold" grpId="0" nodeType="clickEffect">
+                                  <p:stCondLst>
+                                    <p:cond delay="0"/>
+                                  </p:stCondLst>
+                                  <p:childTnLst>
+                                    <p:set>
+                                      <p:cBhvr>
+                                        <p:cTn id="43" dur="1" fill="hold">
+                                          <p:stCondLst>
+                                            <p:cond delay="0"/>
+                                          </p:stCondLst>
+                                        </p:cTn>
+                                        <p:tgtEl>
+                                          <p:spTgt spid="15"/>
+                                        </p:tgtEl>
+                                        <p:attrNameLst>
+                                          <p:attrName>style.visibility</p:attrName>
+                                        </p:attrNameLst>
+                                      </p:cBhvr>
+                                      <p:to>
+                                        <p:strVal val="visible"/>
+                                      </p:to>
+                                    </p:set>
+                                    <p:animEffect transition="in" filter="fade">
+                                      <p:cBhvr>
+                                        <p:cTn id="44" dur="500"/>
+                                        <p:tgtEl>
+                                          <p:spTgt spid="15"/>
+                                        </p:tgtEl>
+                                      </p:cBhvr>
+                                    </p:animEffect>
+                                  </p:childTnLst>
+                                </p:cTn>
+                              </p:par>
+                            </p:childTnLst>
+                          </p:cTn>
+                        </p:par>
+                      </p:childTnLst>
+                    </p:cTn>
+                  </p:par>
+                </p:childTnLst>
+              </p:cTn>
+              <p:prevCondLst>
+                <p:cond evt="onPrev" delay="0">
+                  <p:tgtEl>
+                    <p:sldTgt/>
+                  </p:tgtEl>
+                </p:cond>
+              </p:prevCondLst>
+              <p:nextCondLst>
+                <p:cond evt="onNext" delay="0">
+                  <p:tgtEl>
+                    <p:sldTgt/>
+                  </p:tgtEl>
+                </p:cond>
+              </p:nextCondLst>
+            </p:seq>
+          </p:childTnLst>
+        </p:cTn>
+      </p:par>
+    </p:tnLst>
+    <p:bldLst>
+      <p:bldP spid="6" grpId="0"/>
+      <p:bldP spid="2" grpId="0"/>
+      <p:bldP spid="4" grpId="0"/>
+      <p:bldP spid="5" grpId="0"/>
+      <p:bldP spid="8" grpId="0"/>
+      <p:bldP spid="9" grpId="0"/>
+      <p:bldP spid="13" grpId="0"/>
+      <p:bldP spid="14" grpId="0"/>
+      <p:bldP spid="15" grpId="0"/>
+    </p:bldLst>
+  </p:timing>
 </p:sld>
 </file>
 
@@ -5147,11 +7233,11 @@
     <p:bg>
       <p:bgPr>
         <a:blipFill dpi="0" rotWithShape="1">
-          <a:blip r:embed="rId2">
-            <a:lum/>
-          </a:blip>
+          <a:blip r:embed="rId2"/>
           <a:srcRect/>
-          <a:tile tx="0" ty="0" sx="100000" sy="100000" flip="none" algn="tl"/>
+          <a:stretch>
+            <a:fillRect t="-12000" b="-12000"/>
+          </a:stretch>
         </a:blipFill>
         <a:effectLst/>
       </p:bgPr>
@@ -5172,76 +7258,20 @@
       </p:grpSpPr>
       <p:sp>
         <p:nvSpPr>
-          <p:cNvPr id="2" name="직사각형 1">
-            <a:extLst>
-              <a:ext uri="{FF2B5EF4-FFF2-40B4-BE49-F238E27FC236}">
-                <a16:creationId xmlns:a16="http://schemas.microsoft.com/office/drawing/2014/main" id="{BED3A749-011D-44E4-B820-4EC9DCB989F9}"/>
-              </a:ext>
-            </a:extLst>
-          </p:cNvPr>
-          <p:cNvSpPr/>
+          <p:cNvPr id="6" name="TextBox 5">
+            <a:extLst>
+              <a:ext uri="{FF2B5EF4-FFF2-40B4-BE49-F238E27FC236}">
+                <a16:creationId xmlns:a16="http://schemas.microsoft.com/office/drawing/2014/main" id="{40EE85E9-5F80-4EBD-A1E0-8814BB1B0A67}"/>
+              </a:ext>
+            </a:extLst>
+          </p:cNvPr>
+          <p:cNvSpPr txBox="1"/>
           <p:nvPr/>
         </p:nvSpPr>
         <p:spPr>
           <a:xfrm>
-            <a:off x="4740170" y="1576432"/>
-            <a:ext cx="2711659" cy="2711659"/>
-          </a:xfrm>
-          <a:prstGeom prst="rect">
-            <a:avLst/>
-          </a:prstGeom>
-          <a:noFill/>
-          <a:ln w="165100">
-            <a:solidFill>
-              <a:schemeClr val="tx1"/>
-            </a:solidFill>
-          </a:ln>
-        </p:spPr>
-        <p:style>
-          <a:lnRef idx="2">
-            <a:schemeClr val="accent1">
-              <a:shade val="50000"/>
-            </a:schemeClr>
-          </a:lnRef>
-          <a:fillRef idx="1">
-            <a:schemeClr val="accent1"/>
-          </a:fillRef>
-          <a:effectRef idx="0">
-            <a:schemeClr val="accent1"/>
-          </a:effectRef>
-          <a:fontRef idx="minor">
-            <a:schemeClr val="lt1"/>
-          </a:fontRef>
-        </p:style>
-        <p:txBody>
-          <a:bodyPr rtlCol="0" anchor="ctr"/>
-          <a:lstStyle/>
-          <a:p>
-            <a:pPr algn="ctr"/>
-            <a:endParaRPr lang="ko-KR" altLang="en-US" sz="1400" dirty="0">
-              <a:solidFill>
-                <a:schemeClr val="tx1"/>
-              </a:solidFill>
-            </a:endParaRPr>
-          </a:p>
-        </p:txBody>
-      </p:sp>
-      <p:sp>
-        <p:nvSpPr>
-          <p:cNvPr id="5" name="TextBox 4">
-            <a:extLst>
-              <a:ext uri="{FF2B5EF4-FFF2-40B4-BE49-F238E27FC236}">
-                <a16:creationId xmlns:a16="http://schemas.microsoft.com/office/drawing/2014/main" id="{E9519219-5072-4D1E-B259-B7E71A00C0A6}"/>
-              </a:ext>
-            </a:extLst>
-          </p:cNvPr>
-          <p:cNvSpPr txBox="1"/>
-          <p:nvPr/>
-        </p:nvSpPr>
-        <p:spPr>
-          <a:xfrm>
-            <a:off x="5019993" y="1862022"/>
-            <a:ext cx="2258952" cy="2308324"/>
+            <a:off x="2839346" y="3113529"/>
+            <a:ext cx="6513322" cy="630942"/>
           </a:xfrm>
           <a:prstGeom prst="rect">
             <a:avLst/>
@@ -5254,77 +7284,253 @@
           </a:bodyPr>
           <a:lstStyle/>
           <a:p>
+            <a:pPr algn="ctr"/>
             <a:r>
-              <a:rPr lang="en-US" altLang="ko-KR" sz="2400" b="1" dirty="0">
+              <a:rPr lang="en-US" altLang="ko-KR" sz="3500" dirty="0">
+                <a:solidFill>
+                  <a:schemeClr val="bg1"/>
+                </a:solidFill>
                 <a:latin typeface="Gmarket Sans TTF Medium" panose="02000000000000000000" pitchFamily="2" charset="-128"/>
                 <a:ea typeface="Gmarket Sans TTF Medium" panose="02000000000000000000" pitchFamily="2" charset="-128"/>
               </a:rPr>
-              <a:t>Do the Dash</a:t>
+              <a:t>Subject: Show me the </a:t>
             </a:r>
-          </a:p>
-          <a:p>
             <a:r>
-              <a:rPr lang="en-US" altLang="ko-KR" sz="2400" dirty="0" err="1">
+              <a:rPr lang="en-US" altLang="ko-KR" sz="3500" dirty="0" err="1">
+                <a:solidFill>
+                  <a:schemeClr val="bg1"/>
+                </a:solidFill>
                 <a:latin typeface="Gmarket Sans TTF Medium" panose="02000000000000000000" pitchFamily="2" charset="-128"/>
                 <a:ea typeface="Gmarket Sans TTF Medium" panose="02000000000000000000" pitchFamily="2" charset="-128"/>
               </a:rPr>
-              <a:t>Eduthon</a:t>
+              <a:t>cpu</a:t>
             </a:r>
-            <a:endParaRPr lang="en-US" altLang="ko-KR" sz="2400" dirty="0">
+            <a:endParaRPr lang="ko-KR" altLang="en-US" sz="3500" dirty="0">
+              <a:solidFill>
+                <a:schemeClr val="bg1"/>
+              </a:solidFill>
               <a:latin typeface="Gmarket Sans TTF Medium" panose="02000000000000000000" pitchFamily="2" charset="-128"/>
               <a:ea typeface="Gmarket Sans TTF Medium" panose="02000000000000000000" pitchFamily="2" charset="-128"/>
             </a:endParaRPr>
           </a:p>
-          <a:p>
-            <a:r>
-              <a:rPr lang="en-US" altLang="ko-KR" sz="2400" dirty="0">
-                <a:latin typeface="Gmarket Sans TTF Medium" panose="02000000000000000000" pitchFamily="2" charset="-128"/>
-                <a:ea typeface="Gmarket Sans TTF Medium" panose="02000000000000000000" pitchFamily="2" charset="-128"/>
-              </a:rPr>
-              <a:t>2022</a:t>
-            </a:r>
-          </a:p>
-          <a:p>
-            <a:endParaRPr lang="en-US" altLang="ko-KR" sz="2400" dirty="0">
-              <a:latin typeface="Gmarket Sans TTF Medium" panose="02000000000000000000" pitchFamily="2" charset="-128"/>
-              <a:ea typeface="Gmarket Sans TTF Medium" panose="02000000000000000000" pitchFamily="2" charset="-128"/>
-            </a:endParaRPr>
-          </a:p>
-          <a:p>
-            <a:endParaRPr lang="en-US" altLang="ko-KR" sz="2400" dirty="0">
-              <a:latin typeface="Gmarket Sans TTF Medium" panose="02000000000000000000" pitchFamily="2" charset="-128"/>
-              <a:ea typeface="Gmarket Sans TTF Medium" panose="02000000000000000000" pitchFamily="2" charset="-128"/>
-            </a:endParaRPr>
-          </a:p>
-          <a:p>
-            <a:r>
-              <a:rPr lang="en-US" altLang="ko-KR" sz="2400" dirty="0">
-                <a:latin typeface="Gmarket Sans TTF Medium" panose="02000000000000000000" pitchFamily="2" charset="-128"/>
-                <a:ea typeface="Gmarket Sans TTF Medium" panose="02000000000000000000" pitchFamily="2" charset="-128"/>
-              </a:rPr>
-              <a:t>Team (</a:t>
-            </a:r>
-            <a:r>
-              <a:rPr lang="ko-KR" altLang="en-US" sz="2400" b="1" dirty="0">
-                <a:latin typeface="Gmarket Sans TTF Medium" panose="02000000000000000000" pitchFamily="2" charset="-128"/>
-                <a:ea typeface="Gmarket Sans TTF Medium" panose="02000000000000000000" pitchFamily="2" charset="-128"/>
-              </a:rPr>
-              <a:t>마</a:t>
-            </a:r>
-            <a:r>
-              <a:rPr lang="en-US" altLang="ko-KR" sz="2400" b="1" dirty="0">
-                <a:latin typeface="Gmarket Sans TTF Medium" panose="02000000000000000000" pitchFamily="2" charset="-128"/>
-                <a:ea typeface="Gmarket Sans TTF Medium" panose="02000000000000000000" pitchFamily="2" charset="-128"/>
-              </a:rPr>
-              <a:t>)</a:t>
-            </a:r>
-            <a:endParaRPr lang="ko-KR" altLang="en-US" sz="2400" b="1" dirty="0">
-              <a:latin typeface="Gmarket Sans TTF Medium" panose="02000000000000000000" pitchFamily="2" charset="-128"/>
-              <a:ea typeface="Gmarket Sans TTF Medium" panose="02000000000000000000" pitchFamily="2" charset="-128"/>
-            </a:endParaRPr>
-          </a:p>
-        </p:txBody>
-      </p:sp>
+        </p:txBody>
+      </p:sp>
+      <p:pic>
+        <p:nvPicPr>
+          <p:cNvPr id="8" name="그림 7">
+            <a:extLst>
+              <a:ext uri="{FF2B5EF4-FFF2-40B4-BE49-F238E27FC236}">
+                <a16:creationId xmlns:a16="http://schemas.microsoft.com/office/drawing/2014/main" id="{C98831D1-D49E-986A-5D5B-BBE9094EB606}"/>
+              </a:ext>
+            </a:extLst>
+          </p:cNvPr>
+          <p:cNvPicPr>
+            <a:picLocks noChangeAspect="1"/>
+          </p:cNvPicPr>
+          <p:nvPr/>
+        </p:nvPicPr>
+        <p:blipFill>
+          <a:blip r:embed="rId3">
+            <a:extLst>
+              <a:ext uri="{28A0092B-C50C-407E-A947-70E740481C1C}">
+                <a14:useLocalDpi xmlns:a14="http://schemas.microsoft.com/office/drawing/2010/main" val="0"/>
+              </a:ext>
+            </a:extLst>
+          </a:blip>
+          <a:stretch>
+            <a:fillRect/>
+          </a:stretch>
+        </p:blipFill>
+        <p:spPr>
+          <a:xfrm>
+            <a:off x="0" y="0"/>
+            <a:ext cx="4846211" cy="6858000"/>
+          </a:xfrm>
+          <a:prstGeom prst="rect">
+            <a:avLst/>
+          </a:prstGeom>
+        </p:spPr>
+      </p:pic>
+    </p:spTree>
+    <p:extLst>
+      <p:ext uri="{BB962C8B-B14F-4D97-AF65-F5344CB8AC3E}">
+        <p14:creationId xmlns:p14="http://schemas.microsoft.com/office/powerpoint/2010/main" val="3313880380"/>
+      </p:ext>
+    </p:extLst>
+  </p:cSld>
+  <p:clrMapOvr>
+    <a:masterClrMapping/>
+  </p:clrMapOvr>
+  <mc:AlternateContent xmlns:mc="http://schemas.openxmlformats.org/markup-compatibility/2006">
+    <mc:Choice xmlns:p14="http://schemas.microsoft.com/office/powerpoint/2010/main" Requires="p14">
+      <p:transition spd="slow" p14:dur="1500">
+        <p:wipe/>
+      </p:transition>
+    </mc:Choice>
+    <mc:Fallback>
+      <p:transition spd="slow">
+        <p:wipe/>
+      </p:transition>
+    </mc:Fallback>
+  </mc:AlternateContent>
+  <p:timing>
+    <p:tnLst>
+      <p:par>
+        <p:cTn id="1" dur="indefinite" restart="never" nodeType="tmRoot">
+          <p:childTnLst>
+            <p:seq concurrent="1" nextAc="seek">
+              <p:cTn id="2" dur="indefinite" nodeType="mainSeq">
+                <p:childTnLst>
+                  <p:par>
+                    <p:cTn id="3" fill="hold">
+                      <p:stCondLst>
+                        <p:cond delay="indefinite"/>
+                      </p:stCondLst>
+                      <p:childTnLst>
+                        <p:par>
+                          <p:cTn id="4" fill="hold">
+                            <p:stCondLst>
+                              <p:cond delay="0"/>
+                            </p:stCondLst>
+                            <p:childTnLst>
+                              <p:par>
+                                <p:cTn id="5" presetID="64" presetClass="path" presetSubtype="0" accel="50000" decel="50000" fill="hold" grpId="0" nodeType="clickEffect">
+                                  <p:stCondLst>
+                                    <p:cond delay="0"/>
+                                  </p:stCondLst>
+                                  <p:childTnLst>
+                                    <p:animMotion origin="layout" path="M 0 0 L 0.20286 0 " pathEditMode="relative" rAng="0" ptsTypes="AA">
+                                      <p:cBhvr>
+                                        <p:cTn id="6" dur="2000" fill="hold"/>
+                                        <p:tgtEl>
+                                          <p:spTgt spid="6"/>
+                                        </p:tgtEl>
+                                        <p:attrNameLst>
+                                          <p:attrName>ppt_x</p:attrName>
+                                          <p:attrName>ppt_y</p:attrName>
+                                        </p:attrNameLst>
+                                      </p:cBhvr>
+                                      <p:rCtr x="10143" y="0"/>
+                                    </p:animMotion>
+                                  </p:childTnLst>
+                                </p:cTn>
+                              </p:par>
+                            </p:childTnLst>
+                          </p:cTn>
+                        </p:par>
+                      </p:childTnLst>
+                    </p:cTn>
+                  </p:par>
+                  <p:par>
+                    <p:cTn id="7" fill="hold">
+                      <p:stCondLst>
+                        <p:cond delay="indefinite"/>
+                      </p:stCondLst>
+                      <p:childTnLst>
+                        <p:par>
+                          <p:cTn id="8" fill="hold">
+                            <p:stCondLst>
+                              <p:cond delay="0"/>
+                            </p:stCondLst>
+                            <p:childTnLst>
+                              <p:par>
+                                <p:cTn id="9" presetID="10" presetClass="entr" presetSubtype="0" fill="hold" nodeType="clickEffect">
+                                  <p:stCondLst>
+                                    <p:cond delay="0"/>
+                                  </p:stCondLst>
+                                  <p:childTnLst>
+                                    <p:set>
+                                      <p:cBhvr>
+                                        <p:cTn id="10" dur="1" fill="hold">
+                                          <p:stCondLst>
+                                            <p:cond delay="0"/>
+                                          </p:stCondLst>
+                                        </p:cTn>
+                                        <p:tgtEl>
+                                          <p:spTgt spid="8"/>
+                                        </p:tgtEl>
+                                        <p:attrNameLst>
+                                          <p:attrName>style.visibility</p:attrName>
+                                        </p:attrNameLst>
+                                      </p:cBhvr>
+                                      <p:to>
+                                        <p:strVal val="visible"/>
+                                      </p:to>
+                                    </p:set>
+                                    <p:animEffect transition="in" filter="fade">
+                                      <p:cBhvr>
+                                        <p:cTn id="11" dur="500"/>
+                                        <p:tgtEl>
+                                          <p:spTgt spid="8"/>
+                                        </p:tgtEl>
+                                      </p:cBhvr>
+                                    </p:animEffect>
+                                  </p:childTnLst>
+                                </p:cTn>
+                              </p:par>
+                            </p:childTnLst>
+                          </p:cTn>
+                        </p:par>
+                      </p:childTnLst>
+                    </p:cTn>
+                  </p:par>
+                </p:childTnLst>
+              </p:cTn>
+              <p:prevCondLst>
+                <p:cond evt="onPrev" delay="0">
+                  <p:tgtEl>
+                    <p:sldTgt/>
+                  </p:tgtEl>
+                </p:cond>
+              </p:prevCondLst>
+              <p:nextCondLst>
+                <p:cond evt="onNext" delay="0">
+                  <p:tgtEl>
+                    <p:sldTgt/>
+                  </p:tgtEl>
+                </p:cond>
+              </p:nextCondLst>
+            </p:seq>
+          </p:childTnLst>
+        </p:cTn>
+      </p:par>
+    </p:tnLst>
+    <p:bldLst>
+      <p:bldP spid="6" grpId="0"/>
+    </p:bldLst>
+  </p:timing>
+</p:sld>
+</file>
+
+<file path=ppt/slides/slide6.xml><?xml version="1.0" encoding="utf-8"?>
+<p:sld xmlns:a="http://schemas.openxmlformats.org/drawingml/2006/main" xmlns:r="http://schemas.openxmlformats.org/officeDocument/2006/relationships" xmlns:p="http://schemas.openxmlformats.org/presentationml/2006/main">
+  <p:cSld>
+    <p:bg>
+      <p:bgPr>
+        <a:blipFill dpi="0" rotWithShape="1">
+          <a:blip r:embed="rId2"/>
+          <a:srcRect/>
+          <a:stretch>
+            <a:fillRect t="-12000" b="-12000"/>
+          </a:stretch>
+        </a:blipFill>
+        <a:effectLst/>
+      </p:bgPr>
+    </p:bg>
+    <p:spTree>
+      <p:nvGrpSpPr>
+        <p:cNvPr id="1" name=""/>
+        <p:cNvGrpSpPr/>
+        <p:nvPr/>
+      </p:nvGrpSpPr>
+      <p:grpSpPr>
+        <a:xfrm>
+          <a:off x="0" y="0"/>
+          <a:ext cx="0" cy="0"/>
+          <a:chOff x="0" y="0"/>
+          <a:chExt cx="0" cy="0"/>
+        </a:xfrm>
+      </p:grpSpPr>
       <p:sp>
         <p:nvSpPr>
           <p:cNvPr id="6" name="TextBox 5">
@@ -5339,8 +7545,8 @@
         </p:nvSpPr>
         <p:spPr>
           <a:xfrm>
-            <a:off x="3377947" y="4603628"/>
-            <a:ext cx="5436104" cy="707886"/>
+            <a:off x="2931520" y="3113529"/>
+            <a:ext cx="6328977" cy="630942"/>
           </a:xfrm>
           <a:prstGeom prst="rect">
             <a:avLst/>
@@ -5353,24 +7559,699 @@
           </a:bodyPr>
           <a:lstStyle/>
           <a:p>
+            <a:pPr algn="ctr"/>
             <a:r>
-              <a:rPr lang="en-US" altLang="ko-KR" sz="4000" b="1" dirty="0">
+              <a:rPr lang="en-US" altLang="ko-KR" sz="3500" dirty="0">
+                <a:solidFill>
+                  <a:schemeClr val="bg1"/>
+                </a:solidFill>
                 <a:latin typeface="Gmarket Sans TTF Medium" panose="02000000000000000000" pitchFamily="2" charset="-128"/>
                 <a:ea typeface="Gmarket Sans TTF Medium" panose="02000000000000000000" pitchFamily="2" charset="-128"/>
               </a:rPr>
-              <a:t>NOW YOU SEE ME</a:t>
+              <a:t>Subject: Now you see me</a:t>
             </a:r>
-            <a:endParaRPr lang="ko-KR" altLang="en-US" sz="4000" b="1" dirty="0">
+            <a:endParaRPr lang="ko-KR" altLang="en-US" sz="3500" dirty="0">
+              <a:solidFill>
+                <a:schemeClr val="bg1"/>
+              </a:solidFill>
               <a:latin typeface="Gmarket Sans TTF Medium" panose="02000000000000000000" pitchFamily="2" charset="-128"/>
               <a:ea typeface="Gmarket Sans TTF Medium" panose="02000000000000000000" pitchFamily="2" charset="-128"/>
             </a:endParaRPr>
           </a:p>
         </p:txBody>
       </p:sp>
+      <p:pic>
+        <p:nvPicPr>
+          <p:cNvPr id="3" name="그림 2">
+            <a:extLst>
+              <a:ext uri="{FF2B5EF4-FFF2-40B4-BE49-F238E27FC236}">
+                <a16:creationId xmlns:a16="http://schemas.microsoft.com/office/drawing/2014/main" id="{C78220F9-1E60-6073-B4D8-292E8B545212}"/>
+              </a:ext>
+            </a:extLst>
+          </p:cNvPr>
+          <p:cNvPicPr>
+            <a:picLocks noChangeAspect="1"/>
+          </p:cNvPicPr>
+          <p:nvPr/>
+        </p:nvPicPr>
+        <p:blipFill>
+          <a:blip r:embed="rId3">
+            <a:extLst>
+              <a:ext uri="{28A0092B-C50C-407E-A947-70E740481C1C}">
+                <a14:useLocalDpi xmlns:a14="http://schemas.microsoft.com/office/drawing/2010/main" val="0"/>
+              </a:ext>
+            </a:extLst>
+          </a:blip>
+          <a:stretch>
+            <a:fillRect/>
+          </a:stretch>
+        </p:blipFill>
+        <p:spPr>
+          <a:xfrm>
+            <a:off x="0" y="0"/>
+            <a:ext cx="4846211" cy="6858000"/>
+          </a:xfrm>
+          <a:prstGeom prst="rect">
+            <a:avLst/>
+          </a:prstGeom>
+        </p:spPr>
+      </p:pic>
     </p:spTree>
     <p:extLst>
       <p:ext uri="{BB962C8B-B14F-4D97-AF65-F5344CB8AC3E}">
-        <p14:creationId xmlns:p14="http://schemas.microsoft.com/office/powerpoint/2010/main" val="1746979944"/>
+        <p14:creationId xmlns:p14="http://schemas.microsoft.com/office/powerpoint/2010/main" val="486343728"/>
+      </p:ext>
+    </p:extLst>
+  </p:cSld>
+  <p:clrMapOvr>
+    <a:masterClrMapping/>
+  </p:clrMapOvr>
+  <mc:AlternateContent xmlns:mc="http://schemas.openxmlformats.org/markup-compatibility/2006">
+    <mc:Choice xmlns:p14="http://schemas.microsoft.com/office/powerpoint/2010/main" Requires="p14">
+      <p:transition spd="slow" p14:dur="1500">
+        <p:wipe/>
+      </p:transition>
+    </mc:Choice>
+    <mc:Fallback>
+      <p:transition spd="slow">
+        <p:wipe/>
+      </p:transition>
+    </mc:Fallback>
+  </mc:AlternateContent>
+  <p:timing>
+    <p:tnLst>
+      <p:par>
+        <p:cTn id="1" dur="indefinite" restart="never" nodeType="tmRoot">
+          <p:childTnLst>
+            <p:seq concurrent="1" nextAc="seek">
+              <p:cTn id="2" dur="indefinite" nodeType="mainSeq">
+                <p:childTnLst>
+                  <p:par>
+                    <p:cTn id="3" fill="hold">
+                      <p:stCondLst>
+                        <p:cond delay="indefinite"/>
+                      </p:stCondLst>
+                      <p:childTnLst>
+                        <p:par>
+                          <p:cTn id="4" fill="hold">
+                            <p:stCondLst>
+                              <p:cond delay="0"/>
+                            </p:stCondLst>
+                            <p:childTnLst>
+                              <p:par>
+                                <p:cTn id="5" presetID="64" presetClass="path" presetSubtype="0" accel="50000" decel="50000" fill="hold" grpId="0" nodeType="clickEffect">
+                                  <p:stCondLst>
+                                    <p:cond delay="0"/>
+                                  </p:stCondLst>
+                                  <p:childTnLst>
+                                    <p:animMotion origin="layout" path="M 0 0 L 0.20286 0 " pathEditMode="relative" rAng="0" ptsTypes="AA">
+                                      <p:cBhvr>
+                                        <p:cTn id="6" dur="2000" fill="hold"/>
+                                        <p:tgtEl>
+                                          <p:spTgt spid="6"/>
+                                        </p:tgtEl>
+                                        <p:attrNameLst>
+                                          <p:attrName>ppt_x</p:attrName>
+                                          <p:attrName>ppt_y</p:attrName>
+                                        </p:attrNameLst>
+                                      </p:cBhvr>
+                                      <p:rCtr x="10143" y="0"/>
+                                    </p:animMotion>
+                                  </p:childTnLst>
+                                </p:cTn>
+                              </p:par>
+                            </p:childTnLst>
+                          </p:cTn>
+                        </p:par>
+                      </p:childTnLst>
+                    </p:cTn>
+                  </p:par>
+                </p:childTnLst>
+              </p:cTn>
+              <p:prevCondLst>
+                <p:cond evt="onPrev" delay="0">
+                  <p:tgtEl>
+                    <p:sldTgt/>
+                  </p:tgtEl>
+                </p:cond>
+              </p:prevCondLst>
+              <p:nextCondLst>
+                <p:cond evt="onNext" delay="0">
+                  <p:tgtEl>
+                    <p:sldTgt/>
+                  </p:tgtEl>
+                </p:cond>
+              </p:nextCondLst>
+            </p:seq>
+          </p:childTnLst>
+        </p:cTn>
+      </p:par>
+    </p:tnLst>
+    <p:bldLst>
+      <p:bldP spid="6" grpId="0"/>
+    </p:bldLst>
+  </p:timing>
+</p:sld>
+</file>
+
+<file path=ppt/slides/slide7.xml><?xml version="1.0" encoding="utf-8"?>
+<p:sld xmlns:a="http://schemas.openxmlformats.org/drawingml/2006/main" xmlns:r="http://schemas.openxmlformats.org/officeDocument/2006/relationships" xmlns:p="http://schemas.openxmlformats.org/presentationml/2006/main">
+  <p:cSld>
+    <p:bg>
+      <p:bgPr>
+        <a:blipFill dpi="0" rotWithShape="1">
+          <a:blip r:embed="rId2"/>
+          <a:srcRect/>
+          <a:stretch>
+            <a:fillRect t="-12000" b="-12000"/>
+          </a:stretch>
+        </a:blipFill>
+        <a:effectLst/>
+      </p:bgPr>
+    </p:bg>
+    <p:spTree>
+      <p:nvGrpSpPr>
+        <p:cNvPr id="1" name=""/>
+        <p:cNvGrpSpPr/>
+        <p:nvPr/>
+      </p:nvGrpSpPr>
+      <p:grpSpPr>
+        <a:xfrm>
+          <a:off x="0" y="0"/>
+          <a:ext cx="0" cy="0"/>
+          <a:chOff x="0" y="0"/>
+          <a:chExt cx="0" cy="0"/>
+        </a:xfrm>
+      </p:grpSpPr>
+      <p:sp>
+        <p:nvSpPr>
+          <p:cNvPr id="6" name="TextBox 5">
+            <a:extLst>
+              <a:ext uri="{FF2B5EF4-FFF2-40B4-BE49-F238E27FC236}">
+                <a16:creationId xmlns:a16="http://schemas.microsoft.com/office/drawing/2014/main" id="{40EE85E9-5F80-4EBD-A1E0-8814BB1B0A67}"/>
+              </a:ext>
+            </a:extLst>
+          </p:cNvPr>
+          <p:cNvSpPr txBox="1"/>
+          <p:nvPr/>
+        </p:nvSpPr>
+        <p:spPr>
+          <a:xfrm>
+            <a:off x="3467727" y="3113529"/>
+            <a:ext cx="5256568" cy="630942"/>
+          </a:xfrm>
+          <a:prstGeom prst="rect">
+            <a:avLst/>
+          </a:prstGeom>
+          <a:noFill/>
+        </p:spPr>
+        <p:txBody>
+          <a:bodyPr wrap="none" rtlCol="0">
+            <a:spAutoFit/>
+          </a:bodyPr>
+          <a:lstStyle/>
+          <a:p>
+            <a:pPr algn="ctr"/>
+            <a:r>
+              <a:rPr lang="en-US" altLang="ko-KR" sz="3500" dirty="0">
+                <a:solidFill>
+                  <a:schemeClr val="bg1"/>
+                </a:solidFill>
+                <a:latin typeface="Gmarket Sans TTF Medium" panose="02000000000000000000" pitchFamily="2" charset="-128"/>
+                <a:ea typeface="Gmarket Sans TTF Medium" panose="02000000000000000000" pitchFamily="2" charset="-128"/>
+              </a:rPr>
+              <a:t>Bonuses! </a:t>
+            </a:r>
+            <a:r>
+              <a:rPr lang="en-US" altLang="ko-KR" sz="3500" b="1" dirty="0">
+                <a:solidFill>
+                  <a:schemeClr val="bg1"/>
+                </a:solidFill>
+                <a:latin typeface="Gmarket Sans TTF Medium" panose="02000000000000000000" pitchFamily="2" charset="-128"/>
+                <a:ea typeface="Gmarket Sans TTF Medium" panose="02000000000000000000" pitchFamily="2" charset="-128"/>
+              </a:rPr>
+              <a:t>AWESOME</a:t>
+            </a:r>
+            <a:endParaRPr lang="ko-KR" altLang="en-US" sz="3500" b="1" dirty="0">
+              <a:solidFill>
+                <a:schemeClr val="bg1"/>
+              </a:solidFill>
+              <a:latin typeface="Gmarket Sans TTF Medium" panose="02000000000000000000" pitchFamily="2" charset="-128"/>
+              <a:ea typeface="Gmarket Sans TTF Medium" panose="02000000000000000000" pitchFamily="2" charset="-128"/>
+            </a:endParaRPr>
+          </a:p>
+        </p:txBody>
+      </p:sp>
+      <p:grpSp>
+        <p:nvGrpSpPr>
+          <p:cNvPr id="3" name="그룹 2">
+            <a:extLst>
+              <a:ext uri="{FF2B5EF4-FFF2-40B4-BE49-F238E27FC236}">
+                <a16:creationId xmlns:a16="http://schemas.microsoft.com/office/drawing/2014/main" id="{60FC5B65-B036-ED5B-F06B-2B9785B71B7D}"/>
+              </a:ext>
+            </a:extLst>
+          </p:cNvPr>
+          <p:cNvGrpSpPr/>
+          <p:nvPr/>
+        </p:nvGrpSpPr>
+        <p:grpSpPr>
+          <a:xfrm>
+            <a:off x="948912" y="1478752"/>
+            <a:ext cx="10294176" cy="4267201"/>
+            <a:chOff x="704024" y="1468119"/>
+            <a:chExt cx="10294176" cy="4267201"/>
+          </a:xfrm>
+        </p:grpSpPr>
+        <p:sp>
+          <p:nvSpPr>
+            <p:cNvPr id="7" name="직사각형 6">
+              <a:extLst>
+                <a:ext uri="{FF2B5EF4-FFF2-40B4-BE49-F238E27FC236}">
+                  <a16:creationId xmlns:a16="http://schemas.microsoft.com/office/drawing/2014/main" id="{C8AD6049-4B1B-F730-C16C-9B19628E440A}"/>
+                </a:ext>
+              </a:extLst>
+            </p:cNvPr>
+            <p:cNvSpPr/>
+            <p:nvPr/>
+          </p:nvSpPr>
+          <p:spPr>
+            <a:xfrm>
+              <a:off x="704024" y="3525624"/>
+              <a:ext cx="6483099" cy="2209696"/>
+            </a:xfrm>
+            <a:prstGeom prst="rect">
+              <a:avLst/>
+            </a:prstGeom>
+            <a:solidFill>
+              <a:srgbClr val="212021"/>
+            </a:solidFill>
+            <a:ln>
+              <a:noFill/>
+            </a:ln>
+          </p:spPr>
+          <p:style>
+            <a:lnRef idx="2">
+              <a:schemeClr val="accent1">
+                <a:shade val="50000"/>
+              </a:schemeClr>
+            </a:lnRef>
+            <a:fillRef idx="1">
+              <a:schemeClr val="accent1"/>
+            </a:fillRef>
+            <a:effectRef idx="0">
+              <a:schemeClr val="accent1"/>
+            </a:effectRef>
+            <a:fontRef idx="minor">
+              <a:schemeClr val="lt1"/>
+            </a:fontRef>
+          </p:style>
+          <p:txBody>
+            <a:bodyPr rtlCol="0" anchor="ctr"/>
+            <a:lstStyle/>
+            <a:p>
+              <a:pPr algn="ctr"/>
+              <a:endParaRPr kumimoji="1" lang="ko-Kore-KR" altLang="en-US"/>
+            </a:p>
+          </p:txBody>
+        </p:sp>
+        <p:pic>
+          <p:nvPicPr>
+            <p:cNvPr id="10" name="그림 9">
+              <a:extLst>
+                <a:ext uri="{FF2B5EF4-FFF2-40B4-BE49-F238E27FC236}">
+                  <a16:creationId xmlns:a16="http://schemas.microsoft.com/office/drawing/2014/main" id="{5A897FCC-3219-02B5-C129-36410633BF97}"/>
+                </a:ext>
+              </a:extLst>
+            </p:cNvPr>
+            <p:cNvPicPr>
+              <a:picLocks noChangeAspect="1"/>
+            </p:cNvPicPr>
+            <p:nvPr/>
+          </p:nvPicPr>
+          <p:blipFill>
+            <a:blip r:embed="rId3">
+              <a:extLst>
+                <a:ext uri="{28A0092B-C50C-407E-A947-70E740481C1C}">
+                  <a14:useLocalDpi xmlns:a14="http://schemas.microsoft.com/office/drawing/2010/main" val="0"/>
+                </a:ext>
+              </a:extLst>
+            </a:blip>
+            <a:stretch>
+              <a:fillRect/>
+            </a:stretch>
+          </p:blipFill>
+          <p:spPr>
+            <a:xfrm>
+              <a:off x="883370" y="4458878"/>
+              <a:ext cx="6060458" cy="727255"/>
+            </a:xfrm>
+            <a:prstGeom prst="rect">
+              <a:avLst/>
+            </a:prstGeom>
+          </p:spPr>
+        </p:pic>
+        <p:pic>
+          <p:nvPicPr>
+            <p:cNvPr id="11" name="그림 10">
+              <a:extLst>
+                <a:ext uri="{FF2B5EF4-FFF2-40B4-BE49-F238E27FC236}">
+                  <a16:creationId xmlns:a16="http://schemas.microsoft.com/office/drawing/2014/main" id="{263CB0F1-E61B-03D7-A5E3-9DD09CF1B1F8}"/>
+                </a:ext>
+              </a:extLst>
+            </p:cNvPr>
+            <p:cNvPicPr>
+              <a:picLocks noChangeAspect="1"/>
+            </p:cNvPicPr>
+            <p:nvPr/>
+          </p:nvPicPr>
+          <p:blipFill>
+            <a:blip r:embed="rId4">
+              <a:extLst>
+                <a:ext uri="{28A0092B-C50C-407E-A947-70E740481C1C}">
+                  <a14:useLocalDpi xmlns:a14="http://schemas.microsoft.com/office/drawing/2010/main" val="0"/>
+                </a:ext>
+              </a:extLst>
+            </a:blip>
+            <a:stretch>
+              <a:fillRect/>
+            </a:stretch>
+          </p:blipFill>
+          <p:spPr>
+            <a:xfrm>
+              <a:off x="704024" y="1468119"/>
+              <a:ext cx="6483099" cy="2057505"/>
+            </a:xfrm>
+            <a:prstGeom prst="rect">
+              <a:avLst/>
+            </a:prstGeom>
+          </p:spPr>
+        </p:pic>
+        <p:pic>
+          <p:nvPicPr>
+            <p:cNvPr id="12" name="그림 11">
+              <a:extLst>
+                <a:ext uri="{FF2B5EF4-FFF2-40B4-BE49-F238E27FC236}">
+                  <a16:creationId xmlns:a16="http://schemas.microsoft.com/office/drawing/2014/main" id="{8639201D-645E-AEF8-2D9B-CEFFB5AC399D}"/>
+                </a:ext>
+              </a:extLst>
+            </p:cNvPr>
+            <p:cNvPicPr>
+              <a:picLocks noChangeAspect="1"/>
+            </p:cNvPicPr>
+            <p:nvPr/>
+          </p:nvPicPr>
+          <p:blipFill>
+            <a:blip r:embed="rId5">
+              <a:extLst>
+                <a:ext uri="{28A0092B-C50C-407E-A947-70E740481C1C}">
+                  <a14:useLocalDpi xmlns:a14="http://schemas.microsoft.com/office/drawing/2010/main" val="0"/>
+                </a:ext>
+              </a:extLst>
+            </a:blip>
+            <a:stretch>
+              <a:fillRect/>
+            </a:stretch>
+          </p:blipFill>
+          <p:spPr>
+            <a:xfrm>
+              <a:off x="7188200" y="1468120"/>
+              <a:ext cx="3810000" cy="4267200"/>
+            </a:xfrm>
+            <a:prstGeom prst="rect">
+              <a:avLst/>
+            </a:prstGeom>
+          </p:spPr>
+        </p:pic>
+      </p:grpSp>
+    </p:spTree>
+    <p:extLst>
+      <p:ext uri="{BB962C8B-B14F-4D97-AF65-F5344CB8AC3E}">
+        <p14:creationId xmlns:p14="http://schemas.microsoft.com/office/powerpoint/2010/main" val="655455179"/>
+      </p:ext>
+    </p:extLst>
+  </p:cSld>
+  <p:clrMapOvr>
+    <a:masterClrMapping/>
+  </p:clrMapOvr>
+  <mc:AlternateContent xmlns:mc="http://schemas.openxmlformats.org/markup-compatibility/2006">
+    <mc:Choice xmlns:p14="http://schemas.microsoft.com/office/powerpoint/2010/main" Requires="p14">
+      <p:transition spd="slow" p14:dur="1500">
+        <p:wipe/>
+      </p:transition>
+    </mc:Choice>
+    <mc:Fallback>
+      <p:transition spd="slow">
+        <p:wipe/>
+      </p:transition>
+    </mc:Fallback>
+  </mc:AlternateContent>
+  <p:timing>
+    <p:tnLst>
+      <p:par>
+        <p:cTn id="1" dur="indefinite" restart="never" nodeType="tmRoot">
+          <p:childTnLst>
+            <p:seq concurrent="1" nextAc="seek">
+              <p:cTn id="2" dur="indefinite" nodeType="mainSeq">
+                <p:childTnLst>
+                  <p:par>
+                    <p:cTn id="3" fill="hold">
+                      <p:stCondLst>
+                        <p:cond delay="indefinite"/>
+                      </p:stCondLst>
+                      <p:childTnLst>
+                        <p:par>
+                          <p:cTn id="4" fill="hold">
+                            <p:stCondLst>
+                              <p:cond delay="0"/>
+                            </p:stCondLst>
+                            <p:childTnLst>
+                              <p:par>
+                                <p:cTn id="5" presetID="64" presetClass="path" presetSubtype="0" accel="50000" decel="50000" fill="hold" grpId="0" nodeType="clickEffect">
+                                  <p:stCondLst>
+                                    <p:cond delay="0"/>
+                                  </p:stCondLst>
+                                  <p:childTnLst>
+                                    <p:animMotion origin="layout" path="M 0 0 L 0 -0.34306 " pathEditMode="relative" rAng="0" ptsTypes="AA">
+                                      <p:cBhvr>
+                                        <p:cTn id="6" dur="2000" fill="hold"/>
+                                        <p:tgtEl>
+                                          <p:spTgt spid="6"/>
+                                        </p:tgtEl>
+                                        <p:attrNameLst>
+                                          <p:attrName>ppt_x</p:attrName>
+                                          <p:attrName>ppt_y</p:attrName>
+                                        </p:attrNameLst>
+                                      </p:cBhvr>
+                                      <p:rCtr x="0" y="-17153"/>
+                                    </p:animMotion>
+                                  </p:childTnLst>
+                                </p:cTn>
+                              </p:par>
+                            </p:childTnLst>
+                          </p:cTn>
+                        </p:par>
+                      </p:childTnLst>
+                    </p:cTn>
+                  </p:par>
+                  <p:par>
+                    <p:cTn id="7" fill="hold">
+                      <p:stCondLst>
+                        <p:cond delay="indefinite"/>
+                      </p:stCondLst>
+                      <p:childTnLst>
+                        <p:par>
+                          <p:cTn id="8" fill="hold">
+                            <p:stCondLst>
+                              <p:cond delay="0"/>
+                            </p:stCondLst>
+                            <p:childTnLst>
+                              <p:par>
+                                <p:cTn id="9" presetID="10" presetClass="entr" presetSubtype="0" fill="hold" nodeType="clickEffect">
+                                  <p:stCondLst>
+                                    <p:cond delay="0"/>
+                                  </p:stCondLst>
+                                  <p:childTnLst>
+                                    <p:set>
+                                      <p:cBhvr>
+                                        <p:cTn id="10" dur="1" fill="hold">
+                                          <p:stCondLst>
+                                            <p:cond delay="0"/>
+                                          </p:stCondLst>
+                                        </p:cTn>
+                                        <p:tgtEl>
+                                          <p:spTgt spid="3"/>
+                                        </p:tgtEl>
+                                        <p:attrNameLst>
+                                          <p:attrName>style.visibility</p:attrName>
+                                        </p:attrNameLst>
+                                      </p:cBhvr>
+                                      <p:to>
+                                        <p:strVal val="visible"/>
+                                      </p:to>
+                                    </p:set>
+                                    <p:animEffect transition="in" filter="fade">
+                                      <p:cBhvr>
+                                        <p:cTn id="11" dur="500"/>
+                                        <p:tgtEl>
+                                          <p:spTgt spid="3"/>
+                                        </p:tgtEl>
+                                      </p:cBhvr>
+                                    </p:animEffect>
+                                  </p:childTnLst>
+                                </p:cTn>
+                              </p:par>
+                            </p:childTnLst>
+                          </p:cTn>
+                        </p:par>
+                      </p:childTnLst>
+                    </p:cTn>
+                  </p:par>
+                </p:childTnLst>
+              </p:cTn>
+              <p:prevCondLst>
+                <p:cond evt="onPrev" delay="0">
+                  <p:tgtEl>
+                    <p:sldTgt/>
+                  </p:tgtEl>
+                </p:cond>
+              </p:prevCondLst>
+              <p:nextCondLst>
+                <p:cond evt="onNext" delay="0">
+                  <p:tgtEl>
+                    <p:sldTgt/>
+                  </p:tgtEl>
+                </p:cond>
+              </p:nextCondLst>
+            </p:seq>
+          </p:childTnLst>
+        </p:cTn>
+      </p:par>
+    </p:tnLst>
+    <p:bldLst>
+      <p:bldP spid="6" grpId="0"/>
+    </p:bldLst>
+  </p:timing>
+</p:sld>
+</file>
+
+<file path=ppt/slides/slide8.xml><?xml version="1.0" encoding="utf-8"?>
+<p:sld xmlns:a="http://schemas.openxmlformats.org/drawingml/2006/main" xmlns:r="http://schemas.openxmlformats.org/officeDocument/2006/relationships" xmlns:p="http://schemas.openxmlformats.org/presentationml/2006/main">
+  <p:cSld>
+    <p:bg>
+      <p:bgPr>
+        <a:blipFill dpi="0" rotWithShape="1">
+          <a:blip r:embed="rId2"/>
+          <a:srcRect/>
+          <a:stretch>
+            <a:fillRect t="-12000" b="-12000"/>
+          </a:stretch>
+        </a:blipFill>
+        <a:effectLst/>
+      </p:bgPr>
+    </p:bg>
+    <p:spTree>
+      <p:nvGrpSpPr>
+        <p:cNvPr id="1" name=""/>
+        <p:cNvGrpSpPr/>
+        <p:nvPr/>
+      </p:nvGrpSpPr>
+      <p:grpSpPr>
+        <a:xfrm>
+          <a:off x="0" y="0"/>
+          <a:ext cx="0" cy="0"/>
+          <a:chOff x="0" y="0"/>
+          <a:chExt cx="0" cy="0"/>
+        </a:xfrm>
+      </p:grpSpPr>
+      <p:sp>
+        <p:nvSpPr>
+          <p:cNvPr id="20" name="TextBox 19">
+            <a:extLst>
+              <a:ext uri="{FF2B5EF4-FFF2-40B4-BE49-F238E27FC236}">
+                <a16:creationId xmlns:a16="http://schemas.microsoft.com/office/drawing/2014/main" id="{FA583AEC-434D-C38A-19A3-7C97AD0907A9}"/>
+              </a:ext>
+            </a:extLst>
+          </p:cNvPr>
+          <p:cNvSpPr txBox="1"/>
+          <p:nvPr/>
+        </p:nvSpPr>
+        <p:spPr>
+          <a:xfrm>
+            <a:off x="4957132" y="2748044"/>
+            <a:ext cx="2277735" cy="1361911"/>
+          </a:xfrm>
+          <a:prstGeom prst="rect">
+            <a:avLst/>
+          </a:prstGeom>
+          <a:noFill/>
+        </p:spPr>
+        <p:txBody>
+          <a:bodyPr wrap="square">
+            <a:spAutoFit/>
+          </a:bodyPr>
+          <a:lstStyle/>
+          <a:p>
+            <a:pPr algn="ctr">
+              <a:lnSpc>
+                <a:spcPct val="150000"/>
+              </a:lnSpc>
+            </a:pPr>
+            <a:r>
+              <a:rPr lang="en-US" altLang="ko-KR" sz="6000" b="1" spc="-150" dirty="0">
+                <a:solidFill>
+                  <a:schemeClr val="bg1"/>
+                </a:solidFill>
+                <a:latin typeface="Gmarket Sans TTF Medium" panose="02000000000000000000" pitchFamily="2" charset="-128"/>
+                <a:ea typeface="Gmarket Sans TTF Medium" panose="02000000000000000000" pitchFamily="2" charset="-128"/>
+              </a:rPr>
+              <a:t>Q&amp;A</a:t>
+            </a:r>
+            <a:endParaRPr lang="ko-KR" altLang="en-US" sz="6000" b="1" spc="300" dirty="0">
+              <a:solidFill>
+                <a:schemeClr val="bg1"/>
+              </a:solidFill>
+              <a:latin typeface="Gmarket Sans TTF Medium" panose="02000000000000000000" pitchFamily="2" charset="-128"/>
+              <a:ea typeface="Gmarket Sans TTF Medium" panose="02000000000000000000" pitchFamily="2" charset="-128"/>
+            </a:endParaRPr>
+          </a:p>
+        </p:txBody>
+      </p:sp>
+      <p:sp>
+        <p:nvSpPr>
+          <p:cNvPr id="25" name="TextBox 24">
+            <a:extLst>
+              <a:ext uri="{FF2B5EF4-FFF2-40B4-BE49-F238E27FC236}">
+                <a16:creationId xmlns:a16="http://schemas.microsoft.com/office/drawing/2014/main" id="{E3986AE2-E44E-C004-3398-744C66E757C3}"/>
+              </a:ext>
+            </a:extLst>
+          </p:cNvPr>
+          <p:cNvSpPr txBox="1"/>
+          <p:nvPr/>
+        </p:nvSpPr>
+        <p:spPr>
+          <a:xfrm>
+            <a:off x="7239451" y="5324080"/>
+            <a:ext cx="184731" cy="369332"/>
+          </a:xfrm>
+          <a:prstGeom prst="rect">
+            <a:avLst/>
+          </a:prstGeom>
+          <a:noFill/>
+        </p:spPr>
+        <p:txBody>
+          <a:bodyPr wrap="none" rtlCol="0">
+            <a:spAutoFit/>
+          </a:bodyPr>
+          <a:lstStyle/>
+          <a:p>
+            <a:endParaRPr kumimoji="1" lang="ko-Kore-KR" altLang="en-US" dirty="0"/>
+          </a:p>
+        </p:txBody>
+      </p:sp>
+    </p:spTree>
+    <p:extLst>
+      <p:ext uri="{BB962C8B-B14F-4D97-AF65-F5344CB8AC3E}">
+        <p14:creationId xmlns:p14="http://schemas.microsoft.com/office/powerpoint/2010/main" val="1964913951"/>
       </p:ext>
     </p:extLst>
   </p:cSld>
